--- a/actions_template.pptx
+++ b/actions_template.pptx
@@ -7,7 +7,7 @@
     <p:sldMasterId id="2147484724" r:id="rId3"/>
   </p:sldMasterIdLst>
   <p:notesMasterIdLst>
-    <p:notesMasterId r:id="rId25"/>
+    <p:notesMasterId r:id="rId24"/>
   </p:notesMasterIdLst>
   <p:sldIdLst>
     <p:sldId id="2124817345" r:id="rId4"/>
@@ -30,7 +30,6 @@
     <p:sldId id="2124817362" r:id="rId21"/>
     <p:sldId id="2124817363" r:id="rId22"/>
     <p:sldId id="2124817364" r:id="rId23"/>
-    <p:sldId id="2124817365" r:id="rId24"/>
   </p:sldIdLst>
   <p:sldSz cx="9144000" cy="5143500" type="screen16x9"/>
   <p:notesSz cx="6858000" cy="9144000"/>
@@ -675,7 +674,7 @@
         <p:cNvPr id="1" name="">
           <a:extLst>
             <a:ext uri="{FF2B5EF4-FFF2-40B4-BE49-F238E27FC236}">
-              <a16:creationId xmlns:a16="http://schemas.microsoft.com/office/drawing/2014/main" id="{C1F568CF-6A2A-C7F4-041C-DAB805A274C0}"/>
+              <a16:creationId xmlns:a16="http://schemas.microsoft.com/office/drawing/2014/main" id="{DF36881C-E8C8-3B88-C7F8-A956D9D4CE87}"/>
             </a:ext>
           </a:extLst>
         </p:cNvPr>
@@ -695,7 +694,7 @@
           <p:cNvPr id="2" name="Slide Image Placeholder 1">
             <a:extLst>
               <a:ext uri="{FF2B5EF4-FFF2-40B4-BE49-F238E27FC236}">
-                <a16:creationId xmlns:a16="http://schemas.microsoft.com/office/drawing/2014/main" id="{86166C1B-2F30-B513-B788-6C4F16FDCCB6}"/>
+                <a16:creationId xmlns:a16="http://schemas.microsoft.com/office/drawing/2014/main" id="{42C46B7C-C37D-0D55-F61A-A8B71BC26868}"/>
               </a:ext>
             </a:extLst>
           </p:cNvPr>
@@ -713,7 +712,7 @@
           <p:cNvPr id="3" name="Notes Placeholder 2">
             <a:extLst>
               <a:ext uri="{FF2B5EF4-FFF2-40B4-BE49-F238E27FC236}">
-                <a16:creationId xmlns:a16="http://schemas.microsoft.com/office/drawing/2014/main" id="{F45A9682-B977-F4FC-B953-97313B1F5862}"/>
+                <a16:creationId xmlns:a16="http://schemas.microsoft.com/office/drawing/2014/main" id="{7B91029D-7164-6F4C-0B98-DEDC21442660}"/>
               </a:ext>
             </a:extLst>
           </p:cNvPr>
@@ -743,7 +742,7 @@
           <p:cNvPr id="4" name="Slide Number Placeholder 3">
             <a:extLst>
               <a:ext uri="{FF2B5EF4-FFF2-40B4-BE49-F238E27FC236}">
-                <a16:creationId xmlns:a16="http://schemas.microsoft.com/office/drawing/2014/main" id="{2A2C98D3-4195-BA90-75ED-EE3B2AF8F9BD}"/>
+                <a16:creationId xmlns:a16="http://schemas.microsoft.com/office/drawing/2014/main" id="{0EB56FB0-1C84-FB58-53C1-4C719E2FCCFA}"/>
               </a:ext>
             </a:extLst>
           </p:cNvPr>
@@ -770,7 +769,7 @@
     </p:spTree>
     <p:extLst>
       <p:ext uri="{BB962C8B-B14F-4D97-AF65-F5344CB8AC3E}">
-        <p14:creationId xmlns:p14="http://schemas.microsoft.com/office/powerpoint/2010/main" val="1255388741"/>
+        <p14:creationId xmlns:p14="http://schemas.microsoft.com/office/powerpoint/2010/main" val="2834820620"/>
       </p:ext>
     </p:extLst>
   </p:cSld>
@@ -788,7 +787,7 @@
         <p:cNvPr id="1" name="">
           <a:extLst>
             <a:ext uri="{FF2B5EF4-FFF2-40B4-BE49-F238E27FC236}">
-              <a16:creationId xmlns:a16="http://schemas.microsoft.com/office/drawing/2014/main" id="{45194636-B9F9-00A1-4C08-2BB2AE4BBA72}"/>
+              <a16:creationId xmlns:a16="http://schemas.microsoft.com/office/drawing/2014/main" id="{32C707B0-D133-0459-4CCB-6B5AB49192F6}"/>
             </a:ext>
           </a:extLst>
         </p:cNvPr>
@@ -808,7 +807,7 @@
           <p:cNvPr id="2" name="Slide Image Placeholder 1">
             <a:extLst>
               <a:ext uri="{FF2B5EF4-FFF2-40B4-BE49-F238E27FC236}">
-                <a16:creationId xmlns:a16="http://schemas.microsoft.com/office/drawing/2014/main" id="{9362A818-E96F-1C9B-9E4E-ACC68286EC4D}"/>
+                <a16:creationId xmlns:a16="http://schemas.microsoft.com/office/drawing/2014/main" id="{2965AFA7-74A2-E34A-1CC5-B33DB493BFE1}"/>
               </a:ext>
             </a:extLst>
           </p:cNvPr>
@@ -826,7 +825,7 @@
           <p:cNvPr id="3" name="Notes Placeholder 2">
             <a:extLst>
               <a:ext uri="{FF2B5EF4-FFF2-40B4-BE49-F238E27FC236}">
-                <a16:creationId xmlns:a16="http://schemas.microsoft.com/office/drawing/2014/main" id="{0FA0D46A-4782-1163-747F-0BCB28A293B5}"/>
+                <a16:creationId xmlns:a16="http://schemas.microsoft.com/office/drawing/2014/main" id="{7DE493CF-B9C3-4D1C-2702-1195A8498C73}"/>
               </a:ext>
             </a:extLst>
           </p:cNvPr>
@@ -856,7 +855,7 @@
           <p:cNvPr id="4" name="Slide Number Placeholder 3">
             <a:extLst>
               <a:ext uri="{FF2B5EF4-FFF2-40B4-BE49-F238E27FC236}">
-                <a16:creationId xmlns:a16="http://schemas.microsoft.com/office/drawing/2014/main" id="{424CD9E6-CF94-5FAA-230B-A14071BD022C}"/>
+                <a16:creationId xmlns:a16="http://schemas.microsoft.com/office/drawing/2014/main" id="{1E8E9950-F5E6-5BFE-8BCA-7D5C15C38098}"/>
               </a:ext>
             </a:extLst>
           </p:cNvPr>
@@ -883,7 +882,7 @@
     </p:spTree>
     <p:extLst>
       <p:ext uri="{BB962C8B-B14F-4D97-AF65-F5344CB8AC3E}">
-        <p14:creationId xmlns:p14="http://schemas.microsoft.com/office/powerpoint/2010/main" val="1412805375"/>
+        <p14:creationId xmlns:p14="http://schemas.microsoft.com/office/powerpoint/2010/main" val="3473996406"/>
       </p:ext>
     </p:extLst>
   </p:cSld>
@@ -901,7 +900,7 @@
         <p:cNvPr id="1" name="">
           <a:extLst>
             <a:ext uri="{FF2B5EF4-FFF2-40B4-BE49-F238E27FC236}">
-              <a16:creationId xmlns:a16="http://schemas.microsoft.com/office/drawing/2014/main" id="{EE6675C7-0087-B92F-5AC4-214F3426722D}"/>
+              <a16:creationId xmlns:a16="http://schemas.microsoft.com/office/drawing/2014/main" id="{C466DFB9-3BA3-005F-5FB4-CBF39BB4E23C}"/>
             </a:ext>
           </a:extLst>
         </p:cNvPr>
@@ -921,7 +920,7 @@
           <p:cNvPr id="2" name="Slide Image Placeholder 1">
             <a:extLst>
               <a:ext uri="{FF2B5EF4-FFF2-40B4-BE49-F238E27FC236}">
-                <a16:creationId xmlns:a16="http://schemas.microsoft.com/office/drawing/2014/main" id="{978A291A-DE60-3D54-B494-FD0215659837}"/>
+                <a16:creationId xmlns:a16="http://schemas.microsoft.com/office/drawing/2014/main" id="{27C47255-0C4F-9E9F-CCE1-89567BAC2BC9}"/>
               </a:ext>
             </a:extLst>
           </p:cNvPr>
@@ -939,7 +938,7 @@
           <p:cNvPr id="3" name="Notes Placeholder 2">
             <a:extLst>
               <a:ext uri="{FF2B5EF4-FFF2-40B4-BE49-F238E27FC236}">
-                <a16:creationId xmlns:a16="http://schemas.microsoft.com/office/drawing/2014/main" id="{247251AD-B9EF-E633-E5CE-02EB397328CB}"/>
+                <a16:creationId xmlns:a16="http://schemas.microsoft.com/office/drawing/2014/main" id="{6F351838-94FD-D549-1CE4-3F150B2B9BD0}"/>
               </a:ext>
             </a:extLst>
           </p:cNvPr>
@@ -969,7 +968,7 @@
           <p:cNvPr id="4" name="Slide Number Placeholder 3">
             <a:extLst>
               <a:ext uri="{FF2B5EF4-FFF2-40B4-BE49-F238E27FC236}">
-                <a16:creationId xmlns:a16="http://schemas.microsoft.com/office/drawing/2014/main" id="{FF772CC0-33ED-62BD-A126-5AE2ED72D3E4}"/>
+                <a16:creationId xmlns:a16="http://schemas.microsoft.com/office/drawing/2014/main" id="{41DA433E-9088-D2E9-1EC2-31E92A1E3729}"/>
               </a:ext>
             </a:extLst>
           </p:cNvPr>
@@ -996,7 +995,7 @@
     </p:spTree>
     <p:extLst>
       <p:ext uri="{BB962C8B-B14F-4D97-AF65-F5344CB8AC3E}">
-        <p14:creationId xmlns:p14="http://schemas.microsoft.com/office/powerpoint/2010/main" val="2077291120"/>
+        <p14:creationId xmlns:p14="http://schemas.microsoft.com/office/powerpoint/2010/main" val="805213589"/>
       </p:ext>
     </p:extLst>
   </p:cSld>
@@ -1014,7 +1013,7 @@
         <p:cNvPr id="1" name="">
           <a:extLst>
             <a:ext uri="{FF2B5EF4-FFF2-40B4-BE49-F238E27FC236}">
-              <a16:creationId xmlns:a16="http://schemas.microsoft.com/office/drawing/2014/main" id="{2942ADC7-CAD7-02A5-B75C-4B4E54E75832}"/>
+              <a16:creationId xmlns:a16="http://schemas.microsoft.com/office/drawing/2014/main" id="{B6E6BF5C-EBCF-99FF-5DB6-A04629A97585}"/>
             </a:ext>
           </a:extLst>
         </p:cNvPr>
@@ -1034,7 +1033,7 @@
           <p:cNvPr id="2" name="Slide Image Placeholder 1">
             <a:extLst>
               <a:ext uri="{FF2B5EF4-FFF2-40B4-BE49-F238E27FC236}">
-                <a16:creationId xmlns:a16="http://schemas.microsoft.com/office/drawing/2014/main" id="{7237D9D6-AE66-2D05-3A16-E7646866C280}"/>
+                <a16:creationId xmlns:a16="http://schemas.microsoft.com/office/drawing/2014/main" id="{5D5E733B-D576-9A95-7B4C-4741FB4E69EF}"/>
               </a:ext>
             </a:extLst>
           </p:cNvPr>
@@ -1052,7 +1051,7 @@
           <p:cNvPr id="3" name="Notes Placeholder 2">
             <a:extLst>
               <a:ext uri="{FF2B5EF4-FFF2-40B4-BE49-F238E27FC236}">
-                <a16:creationId xmlns:a16="http://schemas.microsoft.com/office/drawing/2014/main" id="{F0C21393-1EF1-E7D9-AB33-350BE1897ADC}"/>
+                <a16:creationId xmlns:a16="http://schemas.microsoft.com/office/drawing/2014/main" id="{2FB0E9F6-E810-3329-882C-6938D015C14C}"/>
               </a:ext>
             </a:extLst>
           </p:cNvPr>
@@ -1082,7 +1081,7 @@
           <p:cNvPr id="4" name="Slide Number Placeholder 3">
             <a:extLst>
               <a:ext uri="{FF2B5EF4-FFF2-40B4-BE49-F238E27FC236}">
-                <a16:creationId xmlns:a16="http://schemas.microsoft.com/office/drawing/2014/main" id="{CBFD1379-F2D3-5258-1D6F-D3C6B990AB4B}"/>
+                <a16:creationId xmlns:a16="http://schemas.microsoft.com/office/drawing/2014/main" id="{8F319EC0-04CD-95D6-559C-1CCD35D9B92A}"/>
               </a:ext>
             </a:extLst>
           </p:cNvPr>
@@ -1109,7 +1108,7 @@
     </p:spTree>
     <p:extLst>
       <p:ext uri="{BB962C8B-B14F-4D97-AF65-F5344CB8AC3E}">
-        <p14:creationId xmlns:p14="http://schemas.microsoft.com/office/powerpoint/2010/main" val="3765119268"/>
+        <p14:creationId xmlns:p14="http://schemas.microsoft.com/office/powerpoint/2010/main" val="2144988079"/>
       </p:ext>
     </p:extLst>
   </p:cSld>
@@ -1127,7 +1126,7 @@
         <p:cNvPr id="1" name="">
           <a:extLst>
             <a:ext uri="{FF2B5EF4-FFF2-40B4-BE49-F238E27FC236}">
-              <a16:creationId xmlns:a16="http://schemas.microsoft.com/office/drawing/2014/main" id="{210527EE-D72C-EE8B-0EE2-319F83C407DD}"/>
+              <a16:creationId xmlns:a16="http://schemas.microsoft.com/office/drawing/2014/main" id="{AFC597B8-765B-3C18-61BC-21E091F0A63F}"/>
             </a:ext>
           </a:extLst>
         </p:cNvPr>
@@ -1147,7 +1146,7 @@
           <p:cNvPr id="2" name="Slide Image Placeholder 1">
             <a:extLst>
               <a:ext uri="{FF2B5EF4-FFF2-40B4-BE49-F238E27FC236}">
-                <a16:creationId xmlns:a16="http://schemas.microsoft.com/office/drawing/2014/main" id="{8712F892-2175-AEF0-C1A2-9ED0943DFEA3}"/>
+                <a16:creationId xmlns:a16="http://schemas.microsoft.com/office/drawing/2014/main" id="{1D87E390-467C-66E4-E907-6C098CA9AC53}"/>
               </a:ext>
             </a:extLst>
           </p:cNvPr>
@@ -1165,7 +1164,7 @@
           <p:cNvPr id="3" name="Notes Placeholder 2">
             <a:extLst>
               <a:ext uri="{FF2B5EF4-FFF2-40B4-BE49-F238E27FC236}">
-                <a16:creationId xmlns:a16="http://schemas.microsoft.com/office/drawing/2014/main" id="{81A816C2-6131-7981-A3AC-431631944E4A}"/>
+                <a16:creationId xmlns:a16="http://schemas.microsoft.com/office/drawing/2014/main" id="{D12DB5BA-08BF-38AF-D167-17228C2E5E1B}"/>
               </a:ext>
             </a:extLst>
           </p:cNvPr>
@@ -1195,7 +1194,7 @@
           <p:cNvPr id="4" name="Slide Number Placeholder 3">
             <a:extLst>
               <a:ext uri="{FF2B5EF4-FFF2-40B4-BE49-F238E27FC236}">
-                <a16:creationId xmlns:a16="http://schemas.microsoft.com/office/drawing/2014/main" id="{23FD2B3A-5C8A-E326-C721-58632D909B97}"/>
+                <a16:creationId xmlns:a16="http://schemas.microsoft.com/office/drawing/2014/main" id="{FC7B78E4-F7FA-A527-291F-FBED8905BCF4}"/>
               </a:ext>
             </a:extLst>
           </p:cNvPr>
@@ -1222,7 +1221,7 @@
     </p:spTree>
     <p:extLst>
       <p:ext uri="{BB962C8B-B14F-4D97-AF65-F5344CB8AC3E}">
-        <p14:creationId xmlns:p14="http://schemas.microsoft.com/office/powerpoint/2010/main" val="1660232862"/>
+        <p14:creationId xmlns:p14="http://schemas.microsoft.com/office/powerpoint/2010/main" val="940750499"/>
       </p:ext>
     </p:extLst>
   </p:cSld>
@@ -1240,7 +1239,7 @@
         <p:cNvPr id="1" name="">
           <a:extLst>
             <a:ext uri="{FF2B5EF4-FFF2-40B4-BE49-F238E27FC236}">
-              <a16:creationId xmlns:a16="http://schemas.microsoft.com/office/drawing/2014/main" id="{0DABE82C-7A75-79E9-0EC1-5C4EA73C3F9E}"/>
+              <a16:creationId xmlns:a16="http://schemas.microsoft.com/office/drawing/2014/main" id="{78B741D4-9793-92D9-B161-CE52285A8ABB}"/>
             </a:ext>
           </a:extLst>
         </p:cNvPr>
@@ -1260,7 +1259,7 @@
           <p:cNvPr id="2" name="Slide Image Placeholder 1">
             <a:extLst>
               <a:ext uri="{FF2B5EF4-FFF2-40B4-BE49-F238E27FC236}">
-                <a16:creationId xmlns:a16="http://schemas.microsoft.com/office/drawing/2014/main" id="{831F45D1-9218-142F-3ECD-5FEFC3A0DAE8}"/>
+                <a16:creationId xmlns:a16="http://schemas.microsoft.com/office/drawing/2014/main" id="{4FF1872D-042A-5690-A9C2-F6B68EC012EB}"/>
               </a:ext>
             </a:extLst>
           </p:cNvPr>
@@ -1278,7 +1277,7 @@
           <p:cNvPr id="3" name="Notes Placeholder 2">
             <a:extLst>
               <a:ext uri="{FF2B5EF4-FFF2-40B4-BE49-F238E27FC236}">
-                <a16:creationId xmlns:a16="http://schemas.microsoft.com/office/drawing/2014/main" id="{4BF19BB5-3C09-ACAE-C359-01298975D36F}"/>
+                <a16:creationId xmlns:a16="http://schemas.microsoft.com/office/drawing/2014/main" id="{ACE7D551-081B-CDEC-CB82-EC81FD915575}"/>
               </a:ext>
             </a:extLst>
           </p:cNvPr>
@@ -1308,7 +1307,7 @@
           <p:cNvPr id="4" name="Slide Number Placeholder 3">
             <a:extLst>
               <a:ext uri="{FF2B5EF4-FFF2-40B4-BE49-F238E27FC236}">
-                <a16:creationId xmlns:a16="http://schemas.microsoft.com/office/drawing/2014/main" id="{90E3A7E3-AE60-C744-E5BB-896254CB4306}"/>
+                <a16:creationId xmlns:a16="http://schemas.microsoft.com/office/drawing/2014/main" id="{4440DC12-3764-5B68-7069-22DA521B537C}"/>
               </a:ext>
             </a:extLst>
           </p:cNvPr>
@@ -1335,7 +1334,7 @@
     </p:spTree>
     <p:extLst>
       <p:ext uri="{BB962C8B-B14F-4D97-AF65-F5344CB8AC3E}">
-        <p14:creationId xmlns:p14="http://schemas.microsoft.com/office/powerpoint/2010/main" val="3759016253"/>
+        <p14:creationId xmlns:p14="http://schemas.microsoft.com/office/powerpoint/2010/main" val="1597896134"/>
       </p:ext>
     </p:extLst>
   </p:cSld>
@@ -1353,7 +1352,7 @@
         <p:cNvPr id="1" name="">
           <a:extLst>
             <a:ext uri="{FF2B5EF4-FFF2-40B4-BE49-F238E27FC236}">
-              <a16:creationId xmlns:a16="http://schemas.microsoft.com/office/drawing/2014/main" id="{D85A6826-077E-9C7D-E1E7-72A71CCCE945}"/>
+              <a16:creationId xmlns:a16="http://schemas.microsoft.com/office/drawing/2014/main" id="{196EC234-ED12-A8AC-48DA-7E5C7C7A537F}"/>
             </a:ext>
           </a:extLst>
         </p:cNvPr>
@@ -1373,7 +1372,7 @@
           <p:cNvPr id="2" name="Slide Image Placeholder 1">
             <a:extLst>
               <a:ext uri="{FF2B5EF4-FFF2-40B4-BE49-F238E27FC236}">
-                <a16:creationId xmlns:a16="http://schemas.microsoft.com/office/drawing/2014/main" id="{20CA40C5-96C7-C7D9-9950-CE1788CD775C}"/>
+                <a16:creationId xmlns:a16="http://schemas.microsoft.com/office/drawing/2014/main" id="{267A431A-8777-7CE6-7C1F-8B5F63FFB94E}"/>
               </a:ext>
             </a:extLst>
           </p:cNvPr>
@@ -1391,7 +1390,7 @@
           <p:cNvPr id="3" name="Notes Placeholder 2">
             <a:extLst>
               <a:ext uri="{FF2B5EF4-FFF2-40B4-BE49-F238E27FC236}">
-                <a16:creationId xmlns:a16="http://schemas.microsoft.com/office/drawing/2014/main" id="{4DDF60AD-D3CD-83A3-7AA7-DE0B06997B6D}"/>
+                <a16:creationId xmlns:a16="http://schemas.microsoft.com/office/drawing/2014/main" id="{AACB6ADD-6698-56B3-00EE-870B6A0F4D22}"/>
               </a:ext>
             </a:extLst>
           </p:cNvPr>
@@ -1421,7 +1420,7 @@
           <p:cNvPr id="4" name="Slide Number Placeholder 3">
             <a:extLst>
               <a:ext uri="{FF2B5EF4-FFF2-40B4-BE49-F238E27FC236}">
-                <a16:creationId xmlns:a16="http://schemas.microsoft.com/office/drawing/2014/main" id="{83E8B8E0-7410-30B2-7C26-488885305362}"/>
+                <a16:creationId xmlns:a16="http://schemas.microsoft.com/office/drawing/2014/main" id="{B56CCB88-AB51-FE83-EBF9-9A2FD89128B2}"/>
               </a:ext>
             </a:extLst>
           </p:cNvPr>
@@ -1448,7 +1447,7 @@
     </p:spTree>
     <p:extLst>
       <p:ext uri="{BB962C8B-B14F-4D97-AF65-F5344CB8AC3E}">
-        <p14:creationId xmlns:p14="http://schemas.microsoft.com/office/powerpoint/2010/main" val="1899328128"/>
+        <p14:creationId xmlns:p14="http://schemas.microsoft.com/office/powerpoint/2010/main" val="853458672"/>
       </p:ext>
     </p:extLst>
   </p:cSld>
@@ -1466,7 +1465,7 @@
         <p:cNvPr id="1" name="">
           <a:extLst>
             <a:ext uri="{FF2B5EF4-FFF2-40B4-BE49-F238E27FC236}">
-              <a16:creationId xmlns:a16="http://schemas.microsoft.com/office/drawing/2014/main" id="{49C762E2-4681-26CF-1F1D-9CBC0EB22E6E}"/>
+              <a16:creationId xmlns:a16="http://schemas.microsoft.com/office/drawing/2014/main" id="{47080D0A-D331-9F00-C547-FD40E142FDF3}"/>
             </a:ext>
           </a:extLst>
         </p:cNvPr>
@@ -1486,7 +1485,7 @@
           <p:cNvPr id="2" name="Slide Image Placeholder 1">
             <a:extLst>
               <a:ext uri="{FF2B5EF4-FFF2-40B4-BE49-F238E27FC236}">
-                <a16:creationId xmlns:a16="http://schemas.microsoft.com/office/drawing/2014/main" id="{A3745AC4-A3FA-1196-B29F-8C20D9FF837F}"/>
+                <a16:creationId xmlns:a16="http://schemas.microsoft.com/office/drawing/2014/main" id="{7E240D22-71F9-124F-D302-C6CC239451B1}"/>
               </a:ext>
             </a:extLst>
           </p:cNvPr>
@@ -1504,7 +1503,7 @@
           <p:cNvPr id="3" name="Notes Placeholder 2">
             <a:extLst>
               <a:ext uri="{FF2B5EF4-FFF2-40B4-BE49-F238E27FC236}">
-                <a16:creationId xmlns:a16="http://schemas.microsoft.com/office/drawing/2014/main" id="{4EAB1171-2531-6C66-5C60-69924A74C763}"/>
+                <a16:creationId xmlns:a16="http://schemas.microsoft.com/office/drawing/2014/main" id="{EEADC6A6-4BB9-F026-C975-39D8B50B9F25}"/>
               </a:ext>
             </a:extLst>
           </p:cNvPr>
@@ -1534,7 +1533,7 @@
           <p:cNvPr id="4" name="Slide Number Placeholder 3">
             <a:extLst>
               <a:ext uri="{FF2B5EF4-FFF2-40B4-BE49-F238E27FC236}">
-                <a16:creationId xmlns:a16="http://schemas.microsoft.com/office/drawing/2014/main" id="{5AA183C5-2258-A4B4-665A-E9D49DA22113}"/>
+                <a16:creationId xmlns:a16="http://schemas.microsoft.com/office/drawing/2014/main" id="{513DE206-D741-E26D-4E32-BC084340DC3F}"/>
               </a:ext>
             </a:extLst>
           </p:cNvPr>
@@ -1561,7 +1560,7 @@
     </p:spTree>
     <p:extLst>
       <p:ext uri="{BB962C8B-B14F-4D97-AF65-F5344CB8AC3E}">
-        <p14:creationId xmlns:p14="http://schemas.microsoft.com/office/powerpoint/2010/main" val="438467818"/>
+        <p14:creationId xmlns:p14="http://schemas.microsoft.com/office/powerpoint/2010/main" val="1956302183"/>
       </p:ext>
     </p:extLst>
   </p:cSld>
@@ -1579,7 +1578,7 @@
         <p:cNvPr id="1" name="">
           <a:extLst>
             <a:ext uri="{FF2B5EF4-FFF2-40B4-BE49-F238E27FC236}">
-              <a16:creationId xmlns:a16="http://schemas.microsoft.com/office/drawing/2014/main" id="{0A204866-37EE-593C-463D-4E05D279C62D}"/>
+              <a16:creationId xmlns:a16="http://schemas.microsoft.com/office/drawing/2014/main" id="{9987CD06-F0D1-E7D8-B7C5-6004A3681007}"/>
             </a:ext>
           </a:extLst>
         </p:cNvPr>
@@ -1599,7 +1598,7 @@
           <p:cNvPr id="2" name="Slide Image Placeholder 1">
             <a:extLst>
               <a:ext uri="{FF2B5EF4-FFF2-40B4-BE49-F238E27FC236}">
-                <a16:creationId xmlns:a16="http://schemas.microsoft.com/office/drawing/2014/main" id="{E49AEE57-68F2-F362-5A0D-D6392418341F}"/>
+                <a16:creationId xmlns:a16="http://schemas.microsoft.com/office/drawing/2014/main" id="{19D5190C-FEBF-74E3-F3BD-B2AE35601BC2}"/>
               </a:ext>
             </a:extLst>
           </p:cNvPr>
@@ -1617,7 +1616,7 @@
           <p:cNvPr id="3" name="Notes Placeholder 2">
             <a:extLst>
               <a:ext uri="{FF2B5EF4-FFF2-40B4-BE49-F238E27FC236}">
-                <a16:creationId xmlns:a16="http://schemas.microsoft.com/office/drawing/2014/main" id="{4CFF6327-CF04-EDC6-4ED1-5E9F1658CDCD}"/>
+                <a16:creationId xmlns:a16="http://schemas.microsoft.com/office/drawing/2014/main" id="{FF242C3F-5FD3-480C-EA65-0E12F2A552E6}"/>
               </a:ext>
             </a:extLst>
           </p:cNvPr>
@@ -1647,7 +1646,7 @@
           <p:cNvPr id="4" name="Slide Number Placeholder 3">
             <a:extLst>
               <a:ext uri="{FF2B5EF4-FFF2-40B4-BE49-F238E27FC236}">
-                <a16:creationId xmlns:a16="http://schemas.microsoft.com/office/drawing/2014/main" id="{D6E62A39-12DE-2BE2-430B-B4D0B2017EF7}"/>
+                <a16:creationId xmlns:a16="http://schemas.microsoft.com/office/drawing/2014/main" id="{84411CCB-BC7D-C457-EE71-A583489FCC91}"/>
               </a:ext>
             </a:extLst>
           </p:cNvPr>
@@ -1674,7 +1673,7 @@
     </p:spTree>
     <p:extLst>
       <p:ext uri="{BB962C8B-B14F-4D97-AF65-F5344CB8AC3E}">
-        <p14:creationId xmlns:p14="http://schemas.microsoft.com/office/powerpoint/2010/main" val="3751642592"/>
+        <p14:creationId xmlns:p14="http://schemas.microsoft.com/office/powerpoint/2010/main" val="3340919805"/>
       </p:ext>
     </p:extLst>
   </p:cSld>
@@ -1692,7 +1691,7 @@
         <p:cNvPr id="1" name="">
           <a:extLst>
             <a:ext uri="{FF2B5EF4-FFF2-40B4-BE49-F238E27FC236}">
-              <a16:creationId xmlns:a16="http://schemas.microsoft.com/office/drawing/2014/main" id="{823563B9-320E-3640-1E12-8970FEAA42CA}"/>
+              <a16:creationId xmlns:a16="http://schemas.microsoft.com/office/drawing/2014/main" id="{78916602-5BB6-9414-8C06-F6439EA860A8}"/>
             </a:ext>
           </a:extLst>
         </p:cNvPr>
@@ -1712,7 +1711,7 @@
           <p:cNvPr id="2" name="Slide Image Placeholder 1">
             <a:extLst>
               <a:ext uri="{FF2B5EF4-FFF2-40B4-BE49-F238E27FC236}">
-                <a16:creationId xmlns:a16="http://schemas.microsoft.com/office/drawing/2014/main" id="{3945D5EB-D6C8-2536-DF14-78E0FDCD5E15}"/>
+                <a16:creationId xmlns:a16="http://schemas.microsoft.com/office/drawing/2014/main" id="{C962FF78-3D1D-37E9-52DD-5D38B6FEE580}"/>
               </a:ext>
             </a:extLst>
           </p:cNvPr>
@@ -1730,7 +1729,7 @@
           <p:cNvPr id="3" name="Notes Placeholder 2">
             <a:extLst>
               <a:ext uri="{FF2B5EF4-FFF2-40B4-BE49-F238E27FC236}">
-                <a16:creationId xmlns:a16="http://schemas.microsoft.com/office/drawing/2014/main" id="{B363619F-177C-A84C-6B4C-50A07073CC9E}"/>
+                <a16:creationId xmlns:a16="http://schemas.microsoft.com/office/drawing/2014/main" id="{DB46D081-16F6-635C-A7B1-034656512782}"/>
               </a:ext>
             </a:extLst>
           </p:cNvPr>
@@ -1760,7 +1759,7 @@
           <p:cNvPr id="4" name="Slide Number Placeholder 3">
             <a:extLst>
               <a:ext uri="{FF2B5EF4-FFF2-40B4-BE49-F238E27FC236}">
-                <a16:creationId xmlns:a16="http://schemas.microsoft.com/office/drawing/2014/main" id="{EB41AF37-7D67-577C-68D1-CE77296F1F19}"/>
+                <a16:creationId xmlns:a16="http://schemas.microsoft.com/office/drawing/2014/main" id="{2A43B76E-FFB5-CC20-1D85-7C7698D16D0F}"/>
               </a:ext>
             </a:extLst>
           </p:cNvPr>
@@ -1787,7 +1786,7 @@
     </p:spTree>
     <p:extLst>
       <p:ext uri="{BB962C8B-B14F-4D97-AF65-F5344CB8AC3E}">
-        <p14:creationId xmlns:p14="http://schemas.microsoft.com/office/powerpoint/2010/main" val="2706206321"/>
+        <p14:creationId xmlns:p14="http://schemas.microsoft.com/office/powerpoint/2010/main" val="4205431486"/>
       </p:ext>
     </p:extLst>
   </p:cSld>
@@ -1805,7 +1804,7 @@
         <p:cNvPr id="1" name="">
           <a:extLst>
             <a:ext uri="{FF2B5EF4-FFF2-40B4-BE49-F238E27FC236}">
-              <a16:creationId xmlns:a16="http://schemas.microsoft.com/office/drawing/2014/main" id="{807DF5E9-C42A-89B4-6E5F-CD9FF0B70A6A}"/>
+              <a16:creationId xmlns:a16="http://schemas.microsoft.com/office/drawing/2014/main" id="{5620AC8F-176E-DCC4-4D91-E4959F73B5D7}"/>
             </a:ext>
           </a:extLst>
         </p:cNvPr>
@@ -1825,7 +1824,7 @@
           <p:cNvPr id="2" name="Slide Image Placeholder 1">
             <a:extLst>
               <a:ext uri="{FF2B5EF4-FFF2-40B4-BE49-F238E27FC236}">
-                <a16:creationId xmlns:a16="http://schemas.microsoft.com/office/drawing/2014/main" id="{0FFEB7DD-6C05-1E64-0D2A-82AB55406073}"/>
+                <a16:creationId xmlns:a16="http://schemas.microsoft.com/office/drawing/2014/main" id="{1089C9A0-F816-E427-C0F1-6B5B10835301}"/>
               </a:ext>
             </a:extLst>
           </p:cNvPr>
@@ -1843,7 +1842,7 @@
           <p:cNvPr id="3" name="Notes Placeholder 2">
             <a:extLst>
               <a:ext uri="{FF2B5EF4-FFF2-40B4-BE49-F238E27FC236}">
-                <a16:creationId xmlns:a16="http://schemas.microsoft.com/office/drawing/2014/main" id="{2145BADF-4CBD-A396-A308-C63E235D14F8}"/>
+                <a16:creationId xmlns:a16="http://schemas.microsoft.com/office/drawing/2014/main" id="{56E5628B-FFA7-947A-F312-413998D2E732}"/>
               </a:ext>
             </a:extLst>
           </p:cNvPr>
@@ -1873,7 +1872,7 @@
           <p:cNvPr id="4" name="Slide Number Placeholder 3">
             <a:extLst>
               <a:ext uri="{FF2B5EF4-FFF2-40B4-BE49-F238E27FC236}">
-                <a16:creationId xmlns:a16="http://schemas.microsoft.com/office/drawing/2014/main" id="{85FF63C4-ACC9-411D-6A9C-2F152CD983B6}"/>
+                <a16:creationId xmlns:a16="http://schemas.microsoft.com/office/drawing/2014/main" id="{1338145A-E82A-74B0-11C1-B2EA6DCB1030}"/>
               </a:ext>
             </a:extLst>
           </p:cNvPr>
@@ -1900,7 +1899,7 @@
     </p:spTree>
     <p:extLst>
       <p:ext uri="{BB962C8B-B14F-4D97-AF65-F5344CB8AC3E}">
-        <p14:creationId xmlns:p14="http://schemas.microsoft.com/office/powerpoint/2010/main" val="2831507113"/>
+        <p14:creationId xmlns:p14="http://schemas.microsoft.com/office/powerpoint/2010/main" val="3624134551"/>
       </p:ext>
     </p:extLst>
   </p:cSld>
@@ -1918,7 +1917,7 @@
         <p:cNvPr id="1" name="">
           <a:extLst>
             <a:ext uri="{FF2B5EF4-FFF2-40B4-BE49-F238E27FC236}">
-              <a16:creationId xmlns:a16="http://schemas.microsoft.com/office/drawing/2014/main" id="{72783186-38F8-53A6-8614-FE2A74EF0E64}"/>
+              <a16:creationId xmlns:a16="http://schemas.microsoft.com/office/drawing/2014/main" id="{93B3B124-E7A3-3411-7F5F-6365B4B894DF}"/>
             </a:ext>
           </a:extLst>
         </p:cNvPr>
@@ -1938,7 +1937,7 @@
           <p:cNvPr id="2" name="Slide Image Placeholder 1">
             <a:extLst>
               <a:ext uri="{FF2B5EF4-FFF2-40B4-BE49-F238E27FC236}">
-                <a16:creationId xmlns:a16="http://schemas.microsoft.com/office/drawing/2014/main" id="{A6086399-4EC3-A7C1-3703-3A0A07500FCC}"/>
+                <a16:creationId xmlns:a16="http://schemas.microsoft.com/office/drawing/2014/main" id="{82C5E9DB-9BA1-5415-820C-794E06088CA6}"/>
               </a:ext>
             </a:extLst>
           </p:cNvPr>
@@ -1956,7 +1955,7 @@
           <p:cNvPr id="3" name="Notes Placeholder 2">
             <a:extLst>
               <a:ext uri="{FF2B5EF4-FFF2-40B4-BE49-F238E27FC236}">
-                <a16:creationId xmlns:a16="http://schemas.microsoft.com/office/drawing/2014/main" id="{B9D4AE29-B385-B66D-E3CD-2D00C3F9420B}"/>
+                <a16:creationId xmlns:a16="http://schemas.microsoft.com/office/drawing/2014/main" id="{4AFE61F6-EE43-BB99-E300-1DE38B474DC5}"/>
               </a:ext>
             </a:extLst>
           </p:cNvPr>
@@ -1986,7 +1985,7 @@
           <p:cNvPr id="4" name="Slide Number Placeholder 3">
             <a:extLst>
               <a:ext uri="{FF2B5EF4-FFF2-40B4-BE49-F238E27FC236}">
-                <a16:creationId xmlns:a16="http://schemas.microsoft.com/office/drawing/2014/main" id="{07AA55AA-B01B-10AE-1F2A-5E3AEFDD5725}"/>
+                <a16:creationId xmlns:a16="http://schemas.microsoft.com/office/drawing/2014/main" id="{89363419-0A35-8DC4-6CD4-F84A99B96A4D}"/>
               </a:ext>
             </a:extLst>
           </p:cNvPr>
@@ -2013,120 +2012,7 @@
     </p:spTree>
     <p:extLst>
       <p:ext uri="{BB962C8B-B14F-4D97-AF65-F5344CB8AC3E}">
-        <p14:creationId xmlns:p14="http://schemas.microsoft.com/office/powerpoint/2010/main" val="1315568871"/>
-      </p:ext>
-    </p:extLst>
-  </p:cSld>
-  <p:clrMapOvr>
-    <a:masterClrMapping/>
-  </p:clrMapOvr>
-</p:notes>
-</file>
-
-<file path=ppt/notesSlides/notesSlide21.xml><?xml version="1.0" encoding="utf-8"?>
-<p:notes xmlns:a="http://schemas.openxmlformats.org/drawingml/2006/main" xmlns:r="http://schemas.openxmlformats.org/officeDocument/2006/relationships" xmlns:p="http://schemas.openxmlformats.org/presentationml/2006/main">
-  <p:cSld>
-    <p:spTree>
-      <p:nvGrpSpPr>
-        <p:cNvPr id="1" name="">
-          <a:extLst>
-            <a:ext uri="{FF2B5EF4-FFF2-40B4-BE49-F238E27FC236}">
-              <a16:creationId xmlns:a16="http://schemas.microsoft.com/office/drawing/2014/main" id="{9020922F-3B73-FA7D-4FF6-48D22D53FEB5}"/>
-            </a:ext>
-          </a:extLst>
-        </p:cNvPr>
-        <p:cNvGrpSpPr/>
-        <p:nvPr/>
-      </p:nvGrpSpPr>
-      <p:grpSpPr>
-        <a:xfrm>
-          <a:off x="0" y="0"/>
-          <a:ext cx="0" cy="0"/>
-          <a:chOff x="0" y="0"/>
-          <a:chExt cx="0" cy="0"/>
-        </a:xfrm>
-      </p:grpSpPr>
-      <p:sp>
-        <p:nvSpPr>
-          <p:cNvPr id="2" name="Slide Image Placeholder 1">
-            <a:extLst>
-              <a:ext uri="{FF2B5EF4-FFF2-40B4-BE49-F238E27FC236}">
-                <a16:creationId xmlns:a16="http://schemas.microsoft.com/office/drawing/2014/main" id="{CE5862C7-0866-8670-2142-2B2B3A15F603}"/>
-              </a:ext>
-            </a:extLst>
-          </p:cNvPr>
-          <p:cNvSpPr>
-            <a:spLocks noGrp="1" noRot="1" noChangeAspect="1"/>
-          </p:cNvSpPr>
-          <p:nvPr>
-            <p:ph type="sldImg"/>
-          </p:nvPr>
-        </p:nvSpPr>
-        <p:spPr/>
-      </p:sp>
-      <p:sp>
-        <p:nvSpPr>
-          <p:cNvPr id="3" name="Notes Placeholder 2">
-            <a:extLst>
-              <a:ext uri="{FF2B5EF4-FFF2-40B4-BE49-F238E27FC236}">
-                <a16:creationId xmlns:a16="http://schemas.microsoft.com/office/drawing/2014/main" id="{32C17A1C-6916-470F-C38A-26E3B8FA4353}"/>
-              </a:ext>
-            </a:extLst>
-          </p:cNvPr>
-          <p:cNvSpPr>
-            <a:spLocks noGrp="1"/>
-          </p:cNvSpPr>
-          <p:nvPr>
-            <p:ph type="body" idx="1"/>
-          </p:nvPr>
-        </p:nvSpPr>
-        <p:spPr/>
-        <p:txBody>
-          <a:bodyPr/>
-          <a:lstStyle/>
-          <a:p>
-            <a:pPr>
-              <a:lnSpc>
-                <a:spcPts val="1425"/>
-              </a:lnSpc>
-            </a:pPr>
-            <a:endParaRPr lang="en-GB" dirty="0"/>
-          </a:p>
-        </p:txBody>
-      </p:sp>
-      <p:sp>
-        <p:nvSpPr>
-          <p:cNvPr id="4" name="Slide Number Placeholder 3">
-            <a:extLst>
-              <a:ext uri="{FF2B5EF4-FFF2-40B4-BE49-F238E27FC236}">
-                <a16:creationId xmlns:a16="http://schemas.microsoft.com/office/drawing/2014/main" id="{680E79CB-9ACA-B35D-64E4-F784DD9364C3}"/>
-              </a:ext>
-            </a:extLst>
-          </p:cNvPr>
-          <p:cNvSpPr>
-            <a:spLocks noGrp="1"/>
-          </p:cNvSpPr>
-          <p:nvPr>
-            <p:ph type="sldNum" sz="quarter" idx="5"/>
-          </p:nvPr>
-        </p:nvSpPr>
-        <p:spPr/>
-        <p:txBody>
-          <a:bodyPr/>
-          <a:lstStyle/>
-          <a:p>
-            <a:fld id="{E48E721A-00FE-6747-863C-C15498854AF9}" type="slidenum">
-              <a:rPr lang="en-US" smtClean="0"/>
-              <a:t>21</a:t>
-            </a:fld>
-            <a:endParaRPr lang="en-US" dirty="0"/>
-          </a:p>
-        </p:txBody>
-      </p:sp>
-    </p:spTree>
-    <p:extLst>
-      <p:ext uri="{BB962C8B-B14F-4D97-AF65-F5344CB8AC3E}">
-        <p14:creationId xmlns:p14="http://schemas.microsoft.com/office/powerpoint/2010/main" val="2156161762"/>
+        <p14:creationId xmlns:p14="http://schemas.microsoft.com/office/powerpoint/2010/main" val="2473020094"/>
       </p:ext>
     </p:extLst>
   </p:cSld>
@@ -2144,7 +2030,7 @@
         <p:cNvPr id="1" name="">
           <a:extLst>
             <a:ext uri="{FF2B5EF4-FFF2-40B4-BE49-F238E27FC236}">
-              <a16:creationId xmlns:a16="http://schemas.microsoft.com/office/drawing/2014/main" id="{7E6C3BD4-51D9-77EC-C196-1CD65ABE9E34}"/>
+              <a16:creationId xmlns:a16="http://schemas.microsoft.com/office/drawing/2014/main" id="{0F3B83ED-E34A-6174-695F-958A5DA8FEC1}"/>
             </a:ext>
           </a:extLst>
         </p:cNvPr>
@@ -2164,7 +2050,7 @@
           <p:cNvPr id="2" name="Slide Image Placeholder 1">
             <a:extLst>
               <a:ext uri="{FF2B5EF4-FFF2-40B4-BE49-F238E27FC236}">
-                <a16:creationId xmlns:a16="http://schemas.microsoft.com/office/drawing/2014/main" id="{EC78951A-F8FA-9F5B-B84B-4D3CB36B42DC}"/>
+                <a16:creationId xmlns:a16="http://schemas.microsoft.com/office/drawing/2014/main" id="{B3D5D3BC-888F-8707-7AB6-004E48BCFBFD}"/>
               </a:ext>
             </a:extLst>
           </p:cNvPr>
@@ -2182,7 +2068,7 @@
           <p:cNvPr id="3" name="Notes Placeholder 2">
             <a:extLst>
               <a:ext uri="{FF2B5EF4-FFF2-40B4-BE49-F238E27FC236}">
-                <a16:creationId xmlns:a16="http://schemas.microsoft.com/office/drawing/2014/main" id="{3693BAAE-6111-F092-BD77-8D700BA040BF}"/>
+                <a16:creationId xmlns:a16="http://schemas.microsoft.com/office/drawing/2014/main" id="{9ACECE43-7544-A3CF-5DEB-0FCBC7F8BECF}"/>
               </a:ext>
             </a:extLst>
           </p:cNvPr>
@@ -2212,7 +2098,7 @@
           <p:cNvPr id="4" name="Slide Number Placeholder 3">
             <a:extLst>
               <a:ext uri="{FF2B5EF4-FFF2-40B4-BE49-F238E27FC236}">
-                <a16:creationId xmlns:a16="http://schemas.microsoft.com/office/drawing/2014/main" id="{87A0388A-20BD-9FE1-6C19-910CA445250E}"/>
+                <a16:creationId xmlns:a16="http://schemas.microsoft.com/office/drawing/2014/main" id="{3C89EB00-FFC0-0479-6C07-4E0572EC99F3}"/>
               </a:ext>
             </a:extLst>
           </p:cNvPr>
@@ -2239,7 +2125,7 @@
     </p:spTree>
     <p:extLst>
       <p:ext uri="{BB962C8B-B14F-4D97-AF65-F5344CB8AC3E}">
-        <p14:creationId xmlns:p14="http://schemas.microsoft.com/office/powerpoint/2010/main" val="1173095334"/>
+        <p14:creationId xmlns:p14="http://schemas.microsoft.com/office/powerpoint/2010/main" val="1718186862"/>
       </p:ext>
     </p:extLst>
   </p:cSld>
@@ -2257,7 +2143,7 @@
         <p:cNvPr id="1" name="">
           <a:extLst>
             <a:ext uri="{FF2B5EF4-FFF2-40B4-BE49-F238E27FC236}">
-              <a16:creationId xmlns:a16="http://schemas.microsoft.com/office/drawing/2014/main" id="{30737F99-B8CF-198A-DD14-D1E5E8B9330C}"/>
+              <a16:creationId xmlns:a16="http://schemas.microsoft.com/office/drawing/2014/main" id="{5232D570-D419-2229-9157-0CCF1DF82A61}"/>
             </a:ext>
           </a:extLst>
         </p:cNvPr>
@@ -2277,7 +2163,7 @@
           <p:cNvPr id="2" name="Slide Image Placeholder 1">
             <a:extLst>
               <a:ext uri="{FF2B5EF4-FFF2-40B4-BE49-F238E27FC236}">
-                <a16:creationId xmlns:a16="http://schemas.microsoft.com/office/drawing/2014/main" id="{839CD8A6-3EB6-8722-3CAE-F2C9C5132A6B}"/>
+                <a16:creationId xmlns:a16="http://schemas.microsoft.com/office/drawing/2014/main" id="{0F4435C2-BD0D-BCD6-7303-31CA3F41246A}"/>
               </a:ext>
             </a:extLst>
           </p:cNvPr>
@@ -2295,7 +2181,7 @@
           <p:cNvPr id="3" name="Notes Placeholder 2">
             <a:extLst>
               <a:ext uri="{FF2B5EF4-FFF2-40B4-BE49-F238E27FC236}">
-                <a16:creationId xmlns:a16="http://schemas.microsoft.com/office/drawing/2014/main" id="{DA24747D-4896-92BB-7ABD-FF6DC12E2584}"/>
+                <a16:creationId xmlns:a16="http://schemas.microsoft.com/office/drawing/2014/main" id="{08939719-5333-C9F3-29AB-52B64B511BC3}"/>
               </a:ext>
             </a:extLst>
           </p:cNvPr>
@@ -2325,7 +2211,7 @@
           <p:cNvPr id="4" name="Slide Number Placeholder 3">
             <a:extLst>
               <a:ext uri="{FF2B5EF4-FFF2-40B4-BE49-F238E27FC236}">
-                <a16:creationId xmlns:a16="http://schemas.microsoft.com/office/drawing/2014/main" id="{5B7D3E3A-6198-A075-BE15-AE99C88613EA}"/>
+                <a16:creationId xmlns:a16="http://schemas.microsoft.com/office/drawing/2014/main" id="{C7C7B02C-B98C-74C4-D385-908CFF2CAC1A}"/>
               </a:ext>
             </a:extLst>
           </p:cNvPr>
@@ -2352,7 +2238,7 @@
     </p:spTree>
     <p:extLst>
       <p:ext uri="{BB962C8B-B14F-4D97-AF65-F5344CB8AC3E}">
-        <p14:creationId xmlns:p14="http://schemas.microsoft.com/office/powerpoint/2010/main" val="80387100"/>
+        <p14:creationId xmlns:p14="http://schemas.microsoft.com/office/powerpoint/2010/main" val="2462485564"/>
       </p:ext>
     </p:extLst>
   </p:cSld>
@@ -2370,7 +2256,7 @@
         <p:cNvPr id="1" name="">
           <a:extLst>
             <a:ext uri="{FF2B5EF4-FFF2-40B4-BE49-F238E27FC236}">
-              <a16:creationId xmlns:a16="http://schemas.microsoft.com/office/drawing/2014/main" id="{F2890DFB-6BEC-2BD8-AAA3-01F5353985B7}"/>
+              <a16:creationId xmlns:a16="http://schemas.microsoft.com/office/drawing/2014/main" id="{43A70DDB-DB8F-8058-E3BB-BC39458B3DE1}"/>
             </a:ext>
           </a:extLst>
         </p:cNvPr>
@@ -2390,7 +2276,7 @@
           <p:cNvPr id="2" name="Slide Image Placeholder 1">
             <a:extLst>
               <a:ext uri="{FF2B5EF4-FFF2-40B4-BE49-F238E27FC236}">
-                <a16:creationId xmlns:a16="http://schemas.microsoft.com/office/drawing/2014/main" id="{37D206D9-CEF5-0D27-6F13-203AF929D636}"/>
+                <a16:creationId xmlns:a16="http://schemas.microsoft.com/office/drawing/2014/main" id="{2C68624A-EA21-EEB1-82ED-C380315E0581}"/>
               </a:ext>
             </a:extLst>
           </p:cNvPr>
@@ -2408,7 +2294,7 @@
           <p:cNvPr id="3" name="Notes Placeholder 2">
             <a:extLst>
               <a:ext uri="{FF2B5EF4-FFF2-40B4-BE49-F238E27FC236}">
-                <a16:creationId xmlns:a16="http://schemas.microsoft.com/office/drawing/2014/main" id="{3BCFC752-9022-68A7-A1E4-0CB8D7EEC417}"/>
+                <a16:creationId xmlns:a16="http://schemas.microsoft.com/office/drawing/2014/main" id="{BEA4D2EE-A983-5FFE-7773-B22DB9A43584}"/>
               </a:ext>
             </a:extLst>
           </p:cNvPr>
@@ -2438,7 +2324,7 @@
           <p:cNvPr id="4" name="Slide Number Placeholder 3">
             <a:extLst>
               <a:ext uri="{FF2B5EF4-FFF2-40B4-BE49-F238E27FC236}">
-                <a16:creationId xmlns:a16="http://schemas.microsoft.com/office/drawing/2014/main" id="{92424C96-2338-13C1-D5CF-98C313D72181}"/>
+                <a16:creationId xmlns:a16="http://schemas.microsoft.com/office/drawing/2014/main" id="{D6904C32-9A26-BCB8-D88B-0610D25BE9E9}"/>
               </a:ext>
             </a:extLst>
           </p:cNvPr>
@@ -2465,7 +2351,7 @@
     </p:spTree>
     <p:extLst>
       <p:ext uri="{BB962C8B-B14F-4D97-AF65-F5344CB8AC3E}">
-        <p14:creationId xmlns:p14="http://schemas.microsoft.com/office/powerpoint/2010/main" val="4214449117"/>
+        <p14:creationId xmlns:p14="http://schemas.microsoft.com/office/powerpoint/2010/main" val="3424351282"/>
       </p:ext>
     </p:extLst>
   </p:cSld>
@@ -2483,7 +2369,7 @@
         <p:cNvPr id="1" name="">
           <a:extLst>
             <a:ext uri="{FF2B5EF4-FFF2-40B4-BE49-F238E27FC236}">
-              <a16:creationId xmlns:a16="http://schemas.microsoft.com/office/drawing/2014/main" id="{60A2B5F2-8F91-C692-FB21-7A9B45C6F144}"/>
+              <a16:creationId xmlns:a16="http://schemas.microsoft.com/office/drawing/2014/main" id="{1209326B-6793-411B-0368-2548BE9FBFFB}"/>
             </a:ext>
           </a:extLst>
         </p:cNvPr>
@@ -2503,7 +2389,7 @@
           <p:cNvPr id="2" name="Slide Image Placeholder 1">
             <a:extLst>
               <a:ext uri="{FF2B5EF4-FFF2-40B4-BE49-F238E27FC236}">
-                <a16:creationId xmlns:a16="http://schemas.microsoft.com/office/drawing/2014/main" id="{864CA5E8-B3D8-7EF4-66F9-FAC6D3C79942}"/>
+                <a16:creationId xmlns:a16="http://schemas.microsoft.com/office/drawing/2014/main" id="{A4FCBFE1-AA4C-388A-75B7-58A66B4EF1D1}"/>
               </a:ext>
             </a:extLst>
           </p:cNvPr>
@@ -2521,7 +2407,7 @@
           <p:cNvPr id="3" name="Notes Placeholder 2">
             <a:extLst>
               <a:ext uri="{FF2B5EF4-FFF2-40B4-BE49-F238E27FC236}">
-                <a16:creationId xmlns:a16="http://schemas.microsoft.com/office/drawing/2014/main" id="{EB6DCEC8-6E1E-9093-C2AA-080A9A331CE5}"/>
+                <a16:creationId xmlns:a16="http://schemas.microsoft.com/office/drawing/2014/main" id="{BD0A088D-407C-F828-0E3B-2AB5141611ED}"/>
               </a:ext>
             </a:extLst>
           </p:cNvPr>
@@ -2551,7 +2437,7 @@
           <p:cNvPr id="4" name="Slide Number Placeholder 3">
             <a:extLst>
               <a:ext uri="{FF2B5EF4-FFF2-40B4-BE49-F238E27FC236}">
-                <a16:creationId xmlns:a16="http://schemas.microsoft.com/office/drawing/2014/main" id="{3ADF63E9-E4C8-6D33-AEC2-A160ACA891F8}"/>
+                <a16:creationId xmlns:a16="http://schemas.microsoft.com/office/drawing/2014/main" id="{57432F97-8064-27AC-A65E-6E7F959D1817}"/>
               </a:ext>
             </a:extLst>
           </p:cNvPr>
@@ -2578,7 +2464,7 @@
     </p:spTree>
     <p:extLst>
       <p:ext uri="{BB962C8B-B14F-4D97-AF65-F5344CB8AC3E}">
-        <p14:creationId xmlns:p14="http://schemas.microsoft.com/office/powerpoint/2010/main" val="302716738"/>
+        <p14:creationId xmlns:p14="http://schemas.microsoft.com/office/powerpoint/2010/main" val="1061525464"/>
       </p:ext>
     </p:extLst>
   </p:cSld>
@@ -2596,7 +2482,7 @@
         <p:cNvPr id="1" name="">
           <a:extLst>
             <a:ext uri="{FF2B5EF4-FFF2-40B4-BE49-F238E27FC236}">
-              <a16:creationId xmlns:a16="http://schemas.microsoft.com/office/drawing/2014/main" id="{97F03344-E0CB-BE70-3CDB-0E35943E1849}"/>
+              <a16:creationId xmlns:a16="http://schemas.microsoft.com/office/drawing/2014/main" id="{47BEDB2F-C09E-A0FF-6760-707A91916D4E}"/>
             </a:ext>
           </a:extLst>
         </p:cNvPr>
@@ -2616,7 +2502,7 @@
           <p:cNvPr id="2" name="Slide Image Placeholder 1">
             <a:extLst>
               <a:ext uri="{FF2B5EF4-FFF2-40B4-BE49-F238E27FC236}">
-                <a16:creationId xmlns:a16="http://schemas.microsoft.com/office/drawing/2014/main" id="{857A9CFE-ED6C-730F-FA80-289AB3DBED59}"/>
+                <a16:creationId xmlns:a16="http://schemas.microsoft.com/office/drawing/2014/main" id="{0321B46B-AF67-501E-CAFD-C4A45CDE4A53}"/>
               </a:ext>
             </a:extLst>
           </p:cNvPr>
@@ -2634,7 +2520,7 @@
           <p:cNvPr id="3" name="Notes Placeholder 2">
             <a:extLst>
               <a:ext uri="{FF2B5EF4-FFF2-40B4-BE49-F238E27FC236}">
-                <a16:creationId xmlns:a16="http://schemas.microsoft.com/office/drawing/2014/main" id="{E5B852AB-179D-92A0-D175-3A8C7FD51C1C}"/>
+                <a16:creationId xmlns:a16="http://schemas.microsoft.com/office/drawing/2014/main" id="{1AD85118-21C3-7226-D9C2-E50530F4AB10}"/>
               </a:ext>
             </a:extLst>
           </p:cNvPr>
@@ -2664,7 +2550,7 @@
           <p:cNvPr id="4" name="Slide Number Placeholder 3">
             <a:extLst>
               <a:ext uri="{FF2B5EF4-FFF2-40B4-BE49-F238E27FC236}">
-                <a16:creationId xmlns:a16="http://schemas.microsoft.com/office/drawing/2014/main" id="{818FF3E1-40B3-52E4-CF0E-147E68E2D853}"/>
+                <a16:creationId xmlns:a16="http://schemas.microsoft.com/office/drawing/2014/main" id="{20821500-0F07-8B91-017D-1CC7EF05F497}"/>
               </a:ext>
             </a:extLst>
           </p:cNvPr>
@@ -2691,7 +2577,7 @@
     </p:spTree>
     <p:extLst>
       <p:ext uri="{BB962C8B-B14F-4D97-AF65-F5344CB8AC3E}">
-        <p14:creationId xmlns:p14="http://schemas.microsoft.com/office/powerpoint/2010/main" val="2661990385"/>
+        <p14:creationId xmlns:p14="http://schemas.microsoft.com/office/powerpoint/2010/main" val="1462156255"/>
       </p:ext>
     </p:extLst>
   </p:cSld>
@@ -2709,7 +2595,7 @@
         <p:cNvPr id="1" name="">
           <a:extLst>
             <a:ext uri="{FF2B5EF4-FFF2-40B4-BE49-F238E27FC236}">
-              <a16:creationId xmlns:a16="http://schemas.microsoft.com/office/drawing/2014/main" id="{1B3CD067-3183-D24C-FEC7-E04F88EC9694}"/>
+              <a16:creationId xmlns:a16="http://schemas.microsoft.com/office/drawing/2014/main" id="{FE18D692-A91B-D98D-5399-76FC5DF1D572}"/>
             </a:ext>
           </a:extLst>
         </p:cNvPr>
@@ -2729,7 +2615,7 @@
           <p:cNvPr id="2" name="Slide Image Placeholder 1">
             <a:extLst>
               <a:ext uri="{FF2B5EF4-FFF2-40B4-BE49-F238E27FC236}">
-                <a16:creationId xmlns:a16="http://schemas.microsoft.com/office/drawing/2014/main" id="{01BFC74E-8FD5-8413-70DD-94173023C47E}"/>
+                <a16:creationId xmlns:a16="http://schemas.microsoft.com/office/drawing/2014/main" id="{D0E493EB-0FB6-3306-1F2D-A1EB8A27D63D}"/>
               </a:ext>
             </a:extLst>
           </p:cNvPr>
@@ -2747,7 +2633,7 @@
           <p:cNvPr id="3" name="Notes Placeholder 2">
             <a:extLst>
               <a:ext uri="{FF2B5EF4-FFF2-40B4-BE49-F238E27FC236}">
-                <a16:creationId xmlns:a16="http://schemas.microsoft.com/office/drawing/2014/main" id="{06763903-EBDC-AD48-6286-4E284AD49419}"/>
+                <a16:creationId xmlns:a16="http://schemas.microsoft.com/office/drawing/2014/main" id="{C0A1D3B3-9B71-4CE7-F138-1316F0BD45A3}"/>
               </a:ext>
             </a:extLst>
           </p:cNvPr>
@@ -2777,7 +2663,7 @@
           <p:cNvPr id="4" name="Slide Number Placeholder 3">
             <a:extLst>
               <a:ext uri="{FF2B5EF4-FFF2-40B4-BE49-F238E27FC236}">
-                <a16:creationId xmlns:a16="http://schemas.microsoft.com/office/drawing/2014/main" id="{FD2A8EC7-F8C4-18B8-C283-17801C818381}"/>
+                <a16:creationId xmlns:a16="http://schemas.microsoft.com/office/drawing/2014/main" id="{F8953303-CB44-35D0-80F8-9E1B6BC44205}"/>
               </a:ext>
             </a:extLst>
           </p:cNvPr>
@@ -2804,7 +2690,7 @@
     </p:spTree>
     <p:extLst>
       <p:ext uri="{BB962C8B-B14F-4D97-AF65-F5344CB8AC3E}">
-        <p14:creationId xmlns:p14="http://schemas.microsoft.com/office/powerpoint/2010/main" val="1449904846"/>
+        <p14:creationId xmlns:p14="http://schemas.microsoft.com/office/powerpoint/2010/main" val="2907186588"/>
       </p:ext>
     </p:extLst>
   </p:cSld>
@@ -2822,7 +2708,7 @@
         <p:cNvPr id="1" name="">
           <a:extLst>
             <a:ext uri="{FF2B5EF4-FFF2-40B4-BE49-F238E27FC236}">
-              <a16:creationId xmlns:a16="http://schemas.microsoft.com/office/drawing/2014/main" id="{3091EB02-F0B0-BE5D-BCC5-9FA13977BB0A}"/>
+              <a16:creationId xmlns:a16="http://schemas.microsoft.com/office/drawing/2014/main" id="{963D3B73-C8E1-7C79-9DB5-9F482CA34F3A}"/>
             </a:ext>
           </a:extLst>
         </p:cNvPr>
@@ -2842,7 +2728,7 @@
           <p:cNvPr id="2" name="Slide Image Placeholder 1">
             <a:extLst>
               <a:ext uri="{FF2B5EF4-FFF2-40B4-BE49-F238E27FC236}">
-                <a16:creationId xmlns:a16="http://schemas.microsoft.com/office/drawing/2014/main" id="{A2F86DCA-5828-5473-5E98-27ABC1470B6A}"/>
+                <a16:creationId xmlns:a16="http://schemas.microsoft.com/office/drawing/2014/main" id="{A5B3C3A2-5D48-8091-9E0D-B2B228EAA7ED}"/>
               </a:ext>
             </a:extLst>
           </p:cNvPr>
@@ -2860,7 +2746,7 @@
           <p:cNvPr id="3" name="Notes Placeholder 2">
             <a:extLst>
               <a:ext uri="{FF2B5EF4-FFF2-40B4-BE49-F238E27FC236}">
-                <a16:creationId xmlns:a16="http://schemas.microsoft.com/office/drawing/2014/main" id="{2B55095C-FA91-36A0-FE64-0371886A44F9}"/>
+                <a16:creationId xmlns:a16="http://schemas.microsoft.com/office/drawing/2014/main" id="{09BCB369-1145-02B3-1AF7-C749AB32D6E6}"/>
               </a:ext>
             </a:extLst>
           </p:cNvPr>
@@ -2890,7 +2776,7 @@
           <p:cNvPr id="4" name="Slide Number Placeholder 3">
             <a:extLst>
               <a:ext uri="{FF2B5EF4-FFF2-40B4-BE49-F238E27FC236}">
-                <a16:creationId xmlns:a16="http://schemas.microsoft.com/office/drawing/2014/main" id="{857390ED-FBF8-CFB7-60F7-6BEEF9C4D586}"/>
+                <a16:creationId xmlns:a16="http://schemas.microsoft.com/office/drawing/2014/main" id="{18FDD3BE-871A-F87A-23DB-711EAC4A7008}"/>
               </a:ext>
             </a:extLst>
           </p:cNvPr>
@@ -2917,7 +2803,7 @@
     </p:spTree>
     <p:extLst>
       <p:ext uri="{BB962C8B-B14F-4D97-AF65-F5344CB8AC3E}">
-        <p14:creationId xmlns:p14="http://schemas.microsoft.com/office/powerpoint/2010/main" val="4037425232"/>
+        <p14:creationId xmlns:p14="http://schemas.microsoft.com/office/powerpoint/2010/main" val="852703438"/>
       </p:ext>
     </p:extLst>
   </p:cSld>
@@ -6658,7 +6544,7 @@
                 </a:solidFill>
                 <a:latin typeface="Arial"/>
               </a:rPr>
-              <a:t>Title</a:t>
+              <a:t>title</a:t>
             </a:r>
           </a:p>
           <a:p>
@@ -7056,7 +6942,7 @@
         <p:cNvPr id="1" name="">
           <a:extLst>
             <a:ext uri="{FF2B5EF4-FFF2-40B4-BE49-F238E27FC236}">
-              <a16:creationId xmlns:a16="http://schemas.microsoft.com/office/drawing/2014/main" id="{0559FF85-E885-F8C9-503E-2AC5E0F5ABD2}"/>
+              <a16:creationId xmlns:a16="http://schemas.microsoft.com/office/drawing/2014/main" id="{CBFAB5F4-5DEB-EAD9-7559-5B1F6BE510B3}"/>
             </a:ext>
           </a:extLst>
         </p:cNvPr>
@@ -7076,7 +6962,7 @@
           <p:cNvPr id="2" name="Text Placeholder 1">
             <a:extLst>
               <a:ext uri="{FF2B5EF4-FFF2-40B4-BE49-F238E27FC236}">
-                <a16:creationId xmlns:a16="http://schemas.microsoft.com/office/drawing/2014/main" id="{FB144A00-7B98-5D31-B258-02C425165799}"/>
+                <a16:creationId xmlns:a16="http://schemas.microsoft.com/office/drawing/2014/main" id="{5269796E-1B7D-862B-57E9-E21456EA6371}"/>
               </a:ext>
             </a:extLst>
           </p:cNvPr>
@@ -7106,7 +6992,7 @@
                 </a:solidFill>
                 <a:latin typeface="Arial"/>
               </a:rPr>
-              <a:t>Title</a:t>
+              <a:t>title</a:t>
             </a:r>
           </a:p>
           <a:p>
@@ -7124,7 +7010,7 @@
           <p:cNvPr id="4" name="TextBox 3">
             <a:extLst>
               <a:ext uri="{FF2B5EF4-FFF2-40B4-BE49-F238E27FC236}">
-                <a16:creationId xmlns:a16="http://schemas.microsoft.com/office/drawing/2014/main" id="{7C1A171C-732F-93EE-BB97-AD2693490444}"/>
+                <a16:creationId xmlns:a16="http://schemas.microsoft.com/office/drawing/2014/main" id="{B795BED7-A8B5-8297-3554-46DE295A36ED}"/>
               </a:ext>
             </a:extLst>
           </p:cNvPr>
@@ -7168,7 +7054,7 @@
           <p:cNvPr id="9" name="Picture 8">
             <a:extLst>
               <a:ext uri="{FF2B5EF4-FFF2-40B4-BE49-F238E27FC236}">
-                <a16:creationId xmlns:a16="http://schemas.microsoft.com/office/drawing/2014/main" id="{9B5537AA-9BC7-BB50-FF40-9B2D1B777C0F}"/>
+                <a16:creationId xmlns:a16="http://schemas.microsoft.com/office/drawing/2014/main" id="{F277BCA2-1D25-8AC7-3535-1BB4FDBAEB9E}"/>
               </a:ext>
             </a:extLst>
           </p:cNvPr>
@@ -7204,7 +7090,7 @@
           <p:cNvPr id="10" name="Picture 9">
             <a:extLst>
               <a:ext uri="{FF2B5EF4-FFF2-40B4-BE49-F238E27FC236}">
-                <a16:creationId xmlns:a16="http://schemas.microsoft.com/office/drawing/2014/main" id="{F5D72239-9C99-BB8B-0711-EC407DE9D60A}"/>
+                <a16:creationId xmlns:a16="http://schemas.microsoft.com/office/drawing/2014/main" id="{A7B8BF08-0EB6-737D-E2F4-4CA566891833}"/>
               </a:ext>
             </a:extLst>
           </p:cNvPr>
@@ -7240,7 +7126,7 @@
           <p:cNvPr id="11" name="Picture 10">
             <a:extLst>
               <a:ext uri="{FF2B5EF4-FFF2-40B4-BE49-F238E27FC236}">
-                <a16:creationId xmlns:a16="http://schemas.microsoft.com/office/drawing/2014/main" id="{BCE533ED-4079-1A47-A580-219FC2D0871A}"/>
+                <a16:creationId xmlns:a16="http://schemas.microsoft.com/office/drawing/2014/main" id="{96DD367D-2F4A-645F-9E5E-9245BB3AFFF3}"/>
               </a:ext>
             </a:extLst>
           </p:cNvPr>
@@ -7276,7 +7162,7 @@
           <p:cNvPr id="12" name="Picture 11">
             <a:extLst>
               <a:ext uri="{FF2B5EF4-FFF2-40B4-BE49-F238E27FC236}">
-                <a16:creationId xmlns:a16="http://schemas.microsoft.com/office/drawing/2014/main" id="{A37D0C45-CDCE-909A-380C-8095EBC204CB}"/>
+                <a16:creationId xmlns:a16="http://schemas.microsoft.com/office/drawing/2014/main" id="{9BB60618-6028-0C2E-AD09-760058AF0C4A}"/>
               </a:ext>
             </a:extLst>
           </p:cNvPr>
@@ -7312,7 +7198,7 @@
           <p:cNvPr id="13" name="TextBox 12">
             <a:extLst>
               <a:ext uri="{FF2B5EF4-FFF2-40B4-BE49-F238E27FC236}">
-                <a16:creationId xmlns:a16="http://schemas.microsoft.com/office/drawing/2014/main" id="{65052638-DCEF-3357-FE46-3E37F183FDB9}"/>
+                <a16:creationId xmlns:a16="http://schemas.microsoft.com/office/drawing/2014/main" id="{A2BA9FF2-3116-D618-715B-9405A647ED1F}"/>
               </a:ext>
             </a:extLst>
           </p:cNvPr>
@@ -7356,7 +7242,7 @@
           <p:cNvPr id="14" name="TextBox 13">
             <a:extLst>
               <a:ext uri="{FF2B5EF4-FFF2-40B4-BE49-F238E27FC236}">
-                <a16:creationId xmlns:a16="http://schemas.microsoft.com/office/drawing/2014/main" id="{0CDD216B-6A3F-D43D-1B2F-EBCA7AC1066A}"/>
+                <a16:creationId xmlns:a16="http://schemas.microsoft.com/office/drawing/2014/main" id="{EF6B661E-8A19-CF07-50B6-92555AF571E2}"/>
               </a:ext>
             </a:extLst>
           </p:cNvPr>
@@ -7400,7 +7286,7 @@
           <p:cNvPr id="15" name="TextBox 14">
             <a:extLst>
               <a:ext uri="{FF2B5EF4-FFF2-40B4-BE49-F238E27FC236}">
-                <a16:creationId xmlns:a16="http://schemas.microsoft.com/office/drawing/2014/main" id="{C06F42D1-1DD4-86E7-C43F-2A6E5426010C}"/>
+                <a16:creationId xmlns:a16="http://schemas.microsoft.com/office/drawing/2014/main" id="{C6700E5E-DBB1-9359-DFDF-52CDE4EC4AB1}"/>
               </a:ext>
             </a:extLst>
           </p:cNvPr>
@@ -7444,7 +7330,7 @@
           <p:cNvPr id="16" name="TextBox 15">
             <a:extLst>
               <a:ext uri="{FF2B5EF4-FFF2-40B4-BE49-F238E27FC236}">
-                <a16:creationId xmlns:a16="http://schemas.microsoft.com/office/drawing/2014/main" id="{4BEA1F27-1F68-32EB-19CD-9871EF51DE13}"/>
+                <a16:creationId xmlns:a16="http://schemas.microsoft.com/office/drawing/2014/main" id="{98476ED8-774F-C07A-4EB0-045D03FC0296}"/>
               </a:ext>
             </a:extLst>
           </p:cNvPr>
@@ -7486,7 +7372,7 @@
     </p:spTree>
     <p:extLst>
       <p:ext uri="{BB962C8B-B14F-4D97-AF65-F5344CB8AC3E}">
-        <p14:creationId xmlns:p14="http://schemas.microsoft.com/office/powerpoint/2010/main" val="1502876446"/>
+        <p14:creationId xmlns:p14="http://schemas.microsoft.com/office/powerpoint/2010/main" val="3048595445"/>
       </p:ext>
     </p:extLst>
   </p:cSld>
@@ -7504,7 +7390,7 @@
         <p:cNvPr id="1" name="">
           <a:extLst>
             <a:ext uri="{FF2B5EF4-FFF2-40B4-BE49-F238E27FC236}">
-              <a16:creationId xmlns:a16="http://schemas.microsoft.com/office/drawing/2014/main" id="{11830379-2841-342E-507D-44554C658134}"/>
+              <a16:creationId xmlns:a16="http://schemas.microsoft.com/office/drawing/2014/main" id="{29FF202D-B83E-AFC5-1992-74C1F3E50AC8}"/>
             </a:ext>
           </a:extLst>
         </p:cNvPr>
@@ -7524,7 +7410,7 @@
           <p:cNvPr id="2" name="Text Placeholder 1">
             <a:extLst>
               <a:ext uri="{FF2B5EF4-FFF2-40B4-BE49-F238E27FC236}">
-                <a16:creationId xmlns:a16="http://schemas.microsoft.com/office/drawing/2014/main" id="{274C18EF-5B5B-0BC0-0DEE-359960C378AD}"/>
+                <a16:creationId xmlns:a16="http://schemas.microsoft.com/office/drawing/2014/main" id="{206A1C73-2313-C325-19FE-A6BCB99DD11F}"/>
               </a:ext>
             </a:extLst>
           </p:cNvPr>
@@ -7554,7 +7440,7 @@
                 </a:solidFill>
                 <a:latin typeface="Arial"/>
               </a:rPr>
-              <a:t>Title</a:t>
+              <a:t>title</a:t>
             </a:r>
           </a:p>
           <a:p>
@@ -7572,7 +7458,7 @@
           <p:cNvPr id="4" name="TextBox 3">
             <a:extLst>
               <a:ext uri="{FF2B5EF4-FFF2-40B4-BE49-F238E27FC236}">
-                <a16:creationId xmlns:a16="http://schemas.microsoft.com/office/drawing/2014/main" id="{65D89A2A-9F60-36C1-BF5F-E3A475BE9A7B}"/>
+                <a16:creationId xmlns:a16="http://schemas.microsoft.com/office/drawing/2014/main" id="{F3B2AEF9-4C76-42A0-3E4F-D4D399C29E8F}"/>
               </a:ext>
             </a:extLst>
           </p:cNvPr>
@@ -7616,7 +7502,7 @@
           <p:cNvPr id="9" name="Picture 8">
             <a:extLst>
               <a:ext uri="{FF2B5EF4-FFF2-40B4-BE49-F238E27FC236}">
-                <a16:creationId xmlns:a16="http://schemas.microsoft.com/office/drawing/2014/main" id="{1525505D-4C56-0A84-F3A1-C7B2ED326679}"/>
+                <a16:creationId xmlns:a16="http://schemas.microsoft.com/office/drawing/2014/main" id="{4C8E19B4-9E42-28C0-2E18-F1BBE4D55E4A}"/>
               </a:ext>
             </a:extLst>
           </p:cNvPr>
@@ -7652,7 +7538,7 @@
           <p:cNvPr id="10" name="Picture 9">
             <a:extLst>
               <a:ext uri="{FF2B5EF4-FFF2-40B4-BE49-F238E27FC236}">
-                <a16:creationId xmlns:a16="http://schemas.microsoft.com/office/drawing/2014/main" id="{4A850026-23FF-3EDD-936F-9D534F1B2ED3}"/>
+                <a16:creationId xmlns:a16="http://schemas.microsoft.com/office/drawing/2014/main" id="{92EE6C95-E18A-138A-A0E2-0FACAB74F8E8}"/>
               </a:ext>
             </a:extLst>
           </p:cNvPr>
@@ -7688,7 +7574,7 @@
           <p:cNvPr id="11" name="Picture 10">
             <a:extLst>
               <a:ext uri="{FF2B5EF4-FFF2-40B4-BE49-F238E27FC236}">
-                <a16:creationId xmlns:a16="http://schemas.microsoft.com/office/drawing/2014/main" id="{15A0BF64-4C96-267B-6E86-36E6D41F9312}"/>
+                <a16:creationId xmlns:a16="http://schemas.microsoft.com/office/drawing/2014/main" id="{381E9EC2-AA00-8CB2-0C18-6D39578199A0}"/>
               </a:ext>
             </a:extLst>
           </p:cNvPr>
@@ -7724,7 +7610,7 @@
           <p:cNvPr id="12" name="Picture 11">
             <a:extLst>
               <a:ext uri="{FF2B5EF4-FFF2-40B4-BE49-F238E27FC236}">
-                <a16:creationId xmlns:a16="http://schemas.microsoft.com/office/drawing/2014/main" id="{2C8A8153-DE39-A789-3B91-A7BB8EEB5117}"/>
+                <a16:creationId xmlns:a16="http://schemas.microsoft.com/office/drawing/2014/main" id="{7F141D22-2AE6-467A-69E0-BCFCEF56E5BF}"/>
               </a:ext>
             </a:extLst>
           </p:cNvPr>
@@ -7760,7 +7646,7 @@
           <p:cNvPr id="13" name="TextBox 12">
             <a:extLst>
               <a:ext uri="{FF2B5EF4-FFF2-40B4-BE49-F238E27FC236}">
-                <a16:creationId xmlns:a16="http://schemas.microsoft.com/office/drawing/2014/main" id="{093CD6FF-D91A-21AF-61CC-0028D64264BC}"/>
+                <a16:creationId xmlns:a16="http://schemas.microsoft.com/office/drawing/2014/main" id="{67D77D6B-8FA6-4615-7B18-B73F69979D8D}"/>
               </a:ext>
             </a:extLst>
           </p:cNvPr>
@@ -7804,7 +7690,7 @@
           <p:cNvPr id="14" name="TextBox 13">
             <a:extLst>
               <a:ext uri="{FF2B5EF4-FFF2-40B4-BE49-F238E27FC236}">
-                <a16:creationId xmlns:a16="http://schemas.microsoft.com/office/drawing/2014/main" id="{7731A3EB-B5E2-DB4E-BCA2-783B8AD5F2AA}"/>
+                <a16:creationId xmlns:a16="http://schemas.microsoft.com/office/drawing/2014/main" id="{954DBAF6-8A08-7A15-FBC7-17B764F7FCDB}"/>
               </a:ext>
             </a:extLst>
           </p:cNvPr>
@@ -7848,7 +7734,7 @@
           <p:cNvPr id="15" name="TextBox 14">
             <a:extLst>
               <a:ext uri="{FF2B5EF4-FFF2-40B4-BE49-F238E27FC236}">
-                <a16:creationId xmlns:a16="http://schemas.microsoft.com/office/drawing/2014/main" id="{F2C6A444-C3F2-021E-051F-98BD78CE454E}"/>
+                <a16:creationId xmlns:a16="http://schemas.microsoft.com/office/drawing/2014/main" id="{7D7F96CF-1CC0-E3E2-0DB1-6A2BDB300188}"/>
               </a:ext>
             </a:extLst>
           </p:cNvPr>
@@ -7892,7 +7778,7 @@
           <p:cNvPr id="16" name="TextBox 15">
             <a:extLst>
               <a:ext uri="{FF2B5EF4-FFF2-40B4-BE49-F238E27FC236}">
-                <a16:creationId xmlns:a16="http://schemas.microsoft.com/office/drawing/2014/main" id="{4361E4F2-963A-7AAD-335D-DFEAB92677BD}"/>
+                <a16:creationId xmlns:a16="http://schemas.microsoft.com/office/drawing/2014/main" id="{A32C790A-897D-7637-D563-76444091C226}"/>
               </a:ext>
             </a:extLst>
           </p:cNvPr>
@@ -7934,7 +7820,7 @@
     </p:spTree>
     <p:extLst>
       <p:ext uri="{BB962C8B-B14F-4D97-AF65-F5344CB8AC3E}">
-        <p14:creationId xmlns:p14="http://schemas.microsoft.com/office/powerpoint/2010/main" val="1410000154"/>
+        <p14:creationId xmlns:p14="http://schemas.microsoft.com/office/powerpoint/2010/main" val="2461827180"/>
       </p:ext>
     </p:extLst>
   </p:cSld>
@@ -7952,7 +7838,7 @@
         <p:cNvPr id="1" name="">
           <a:extLst>
             <a:ext uri="{FF2B5EF4-FFF2-40B4-BE49-F238E27FC236}">
-              <a16:creationId xmlns:a16="http://schemas.microsoft.com/office/drawing/2014/main" id="{69AB239B-77CE-4A11-7730-D1BCE41BEB7C}"/>
+              <a16:creationId xmlns:a16="http://schemas.microsoft.com/office/drawing/2014/main" id="{51135DAB-FD08-7818-E1F8-594B9C6941DF}"/>
             </a:ext>
           </a:extLst>
         </p:cNvPr>
@@ -7972,7 +7858,7 @@
           <p:cNvPr id="2" name="Text Placeholder 1">
             <a:extLst>
               <a:ext uri="{FF2B5EF4-FFF2-40B4-BE49-F238E27FC236}">
-                <a16:creationId xmlns:a16="http://schemas.microsoft.com/office/drawing/2014/main" id="{7D10C69D-581C-C47C-81BC-220749999C04}"/>
+                <a16:creationId xmlns:a16="http://schemas.microsoft.com/office/drawing/2014/main" id="{ADE37D49-C1A5-047F-7C3C-B1D83C7AC95C}"/>
               </a:ext>
             </a:extLst>
           </p:cNvPr>
@@ -8002,7 +7888,7 @@
                 </a:solidFill>
                 <a:latin typeface="Arial"/>
               </a:rPr>
-              <a:t>Title</a:t>
+              <a:t>title</a:t>
             </a:r>
           </a:p>
           <a:p>
@@ -8020,7 +7906,7 @@
           <p:cNvPr id="4" name="TextBox 3">
             <a:extLst>
               <a:ext uri="{FF2B5EF4-FFF2-40B4-BE49-F238E27FC236}">
-                <a16:creationId xmlns:a16="http://schemas.microsoft.com/office/drawing/2014/main" id="{AB8D2D77-13A1-38A6-65B6-3F95F07BDE8B}"/>
+                <a16:creationId xmlns:a16="http://schemas.microsoft.com/office/drawing/2014/main" id="{667BA2C3-8985-B7E9-A209-6D0D649699C3}"/>
               </a:ext>
             </a:extLst>
           </p:cNvPr>
@@ -8064,7 +7950,7 @@
           <p:cNvPr id="9" name="Picture 8">
             <a:extLst>
               <a:ext uri="{FF2B5EF4-FFF2-40B4-BE49-F238E27FC236}">
-                <a16:creationId xmlns:a16="http://schemas.microsoft.com/office/drawing/2014/main" id="{2F1249B2-89EA-1278-B102-75BB0A35D504}"/>
+                <a16:creationId xmlns:a16="http://schemas.microsoft.com/office/drawing/2014/main" id="{0B2B4904-A431-09F7-545E-A43178EFA08B}"/>
               </a:ext>
             </a:extLst>
           </p:cNvPr>
@@ -8100,7 +7986,7 @@
           <p:cNvPr id="10" name="Picture 9">
             <a:extLst>
               <a:ext uri="{FF2B5EF4-FFF2-40B4-BE49-F238E27FC236}">
-                <a16:creationId xmlns:a16="http://schemas.microsoft.com/office/drawing/2014/main" id="{99A9D18F-ED24-AA47-72C6-5C980F8A1967}"/>
+                <a16:creationId xmlns:a16="http://schemas.microsoft.com/office/drawing/2014/main" id="{249E8748-B1CB-7398-54F6-D0963D09C204}"/>
               </a:ext>
             </a:extLst>
           </p:cNvPr>
@@ -8136,7 +8022,7 @@
           <p:cNvPr id="11" name="Picture 10">
             <a:extLst>
               <a:ext uri="{FF2B5EF4-FFF2-40B4-BE49-F238E27FC236}">
-                <a16:creationId xmlns:a16="http://schemas.microsoft.com/office/drawing/2014/main" id="{79295B1D-4AF0-EC4E-0F15-17FA20895CE3}"/>
+                <a16:creationId xmlns:a16="http://schemas.microsoft.com/office/drawing/2014/main" id="{FC9BD2B9-80C6-089D-F7C6-E6158078BE16}"/>
               </a:ext>
             </a:extLst>
           </p:cNvPr>
@@ -8172,7 +8058,7 @@
           <p:cNvPr id="12" name="Picture 11">
             <a:extLst>
               <a:ext uri="{FF2B5EF4-FFF2-40B4-BE49-F238E27FC236}">
-                <a16:creationId xmlns:a16="http://schemas.microsoft.com/office/drawing/2014/main" id="{B1E32010-E957-DAC4-E6B2-BC5CDABD3572}"/>
+                <a16:creationId xmlns:a16="http://schemas.microsoft.com/office/drawing/2014/main" id="{86ABADBC-E7C1-9121-AD4E-E9BE93764CC5}"/>
               </a:ext>
             </a:extLst>
           </p:cNvPr>
@@ -8208,7 +8094,7 @@
           <p:cNvPr id="13" name="TextBox 12">
             <a:extLst>
               <a:ext uri="{FF2B5EF4-FFF2-40B4-BE49-F238E27FC236}">
-                <a16:creationId xmlns:a16="http://schemas.microsoft.com/office/drawing/2014/main" id="{8F2B4DB0-6664-0DA2-29BA-B878AFE9B3CC}"/>
+                <a16:creationId xmlns:a16="http://schemas.microsoft.com/office/drawing/2014/main" id="{8377B2EB-53BC-B50D-3CF9-0831F19D5F5F}"/>
               </a:ext>
             </a:extLst>
           </p:cNvPr>
@@ -8252,7 +8138,7 @@
           <p:cNvPr id="14" name="TextBox 13">
             <a:extLst>
               <a:ext uri="{FF2B5EF4-FFF2-40B4-BE49-F238E27FC236}">
-                <a16:creationId xmlns:a16="http://schemas.microsoft.com/office/drawing/2014/main" id="{5FBB4DED-A579-BAEA-531A-90C8EC96FBF6}"/>
+                <a16:creationId xmlns:a16="http://schemas.microsoft.com/office/drawing/2014/main" id="{59610899-295F-5084-B2F6-8FDC04D872A5}"/>
               </a:ext>
             </a:extLst>
           </p:cNvPr>
@@ -8296,7 +8182,7 @@
           <p:cNvPr id="15" name="TextBox 14">
             <a:extLst>
               <a:ext uri="{FF2B5EF4-FFF2-40B4-BE49-F238E27FC236}">
-                <a16:creationId xmlns:a16="http://schemas.microsoft.com/office/drawing/2014/main" id="{D48BA09F-B553-DDD7-A268-1D9AB5046F59}"/>
+                <a16:creationId xmlns:a16="http://schemas.microsoft.com/office/drawing/2014/main" id="{733093EE-1A7A-BFED-BDA8-4B590FC3B623}"/>
               </a:ext>
             </a:extLst>
           </p:cNvPr>
@@ -8340,7 +8226,7 @@
           <p:cNvPr id="16" name="TextBox 15">
             <a:extLst>
               <a:ext uri="{FF2B5EF4-FFF2-40B4-BE49-F238E27FC236}">
-                <a16:creationId xmlns:a16="http://schemas.microsoft.com/office/drawing/2014/main" id="{D020FE53-9461-F814-A4BA-A6DFD480A385}"/>
+                <a16:creationId xmlns:a16="http://schemas.microsoft.com/office/drawing/2014/main" id="{FE4C3C9E-C829-AA94-A2E1-4C1B15E46897}"/>
               </a:ext>
             </a:extLst>
           </p:cNvPr>
@@ -8382,7 +8268,7 @@
     </p:spTree>
     <p:extLst>
       <p:ext uri="{BB962C8B-B14F-4D97-AF65-F5344CB8AC3E}">
-        <p14:creationId xmlns:p14="http://schemas.microsoft.com/office/powerpoint/2010/main" val="880739598"/>
+        <p14:creationId xmlns:p14="http://schemas.microsoft.com/office/powerpoint/2010/main" val="1761147097"/>
       </p:ext>
     </p:extLst>
   </p:cSld>
@@ -8400,7 +8286,7 @@
         <p:cNvPr id="1" name="">
           <a:extLst>
             <a:ext uri="{FF2B5EF4-FFF2-40B4-BE49-F238E27FC236}">
-              <a16:creationId xmlns:a16="http://schemas.microsoft.com/office/drawing/2014/main" id="{B94FA7F4-D859-D16B-8CFB-D72AF1016E4B}"/>
+              <a16:creationId xmlns:a16="http://schemas.microsoft.com/office/drawing/2014/main" id="{D5386599-792C-892C-C3F6-D4ACB3AD8225}"/>
             </a:ext>
           </a:extLst>
         </p:cNvPr>
@@ -8420,7 +8306,7 @@
           <p:cNvPr id="2" name="Text Placeholder 1">
             <a:extLst>
               <a:ext uri="{FF2B5EF4-FFF2-40B4-BE49-F238E27FC236}">
-                <a16:creationId xmlns:a16="http://schemas.microsoft.com/office/drawing/2014/main" id="{1539D396-AED9-2123-09F9-835F1023E38B}"/>
+                <a16:creationId xmlns:a16="http://schemas.microsoft.com/office/drawing/2014/main" id="{1CDFC696-3522-FC3A-5B7C-E390802B097A}"/>
               </a:ext>
             </a:extLst>
           </p:cNvPr>
@@ -8450,7 +8336,7 @@
                 </a:solidFill>
                 <a:latin typeface="Arial"/>
               </a:rPr>
-              <a:t>Title</a:t>
+              <a:t>title</a:t>
             </a:r>
           </a:p>
           <a:p>
@@ -8468,7 +8354,7 @@
           <p:cNvPr id="4" name="TextBox 3">
             <a:extLst>
               <a:ext uri="{FF2B5EF4-FFF2-40B4-BE49-F238E27FC236}">
-                <a16:creationId xmlns:a16="http://schemas.microsoft.com/office/drawing/2014/main" id="{38621BD4-8A82-4840-437C-F7A4CFAE0D79}"/>
+                <a16:creationId xmlns:a16="http://schemas.microsoft.com/office/drawing/2014/main" id="{F2BB72C4-6EC2-728B-EE39-59C545CEE70B}"/>
               </a:ext>
             </a:extLst>
           </p:cNvPr>
@@ -8512,7 +8398,7 @@
           <p:cNvPr id="9" name="Picture 8">
             <a:extLst>
               <a:ext uri="{FF2B5EF4-FFF2-40B4-BE49-F238E27FC236}">
-                <a16:creationId xmlns:a16="http://schemas.microsoft.com/office/drawing/2014/main" id="{8BE83F63-DA8A-50AD-13E0-34F3F6981F5A}"/>
+                <a16:creationId xmlns:a16="http://schemas.microsoft.com/office/drawing/2014/main" id="{FEE503EF-7C77-025F-09B4-ED3B2FD8BCED}"/>
               </a:ext>
             </a:extLst>
           </p:cNvPr>
@@ -8548,7 +8434,7 @@
           <p:cNvPr id="10" name="Picture 9">
             <a:extLst>
               <a:ext uri="{FF2B5EF4-FFF2-40B4-BE49-F238E27FC236}">
-                <a16:creationId xmlns:a16="http://schemas.microsoft.com/office/drawing/2014/main" id="{323B3F45-B513-553F-CFC8-B15199252C3E}"/>
+                <a16:creationId xmlns:a16="http://schemas.microsoft.com/office/drawing/2014/main" id="{66627BDF-BB81-B14A-C36C-C1C1763D13BA}"/>
               </a:ext>
             </a:extLst>
           </p:cNvPr>
@@ -8584,7 +8470,7 @@
           <p:cNvPr id="11" name="Picture 10">
             <a:extLst>
               <a:ext uri="{FF2B5EF4-FFF2-40B4-BE49-F238E27FC236}">
-                <a16:creationId xmlns:a16="http://schemas.microsoft.com/office/drawing/2014/main" id="{58B23E04-75EF-4BFF-5D27-8469FF77F4B6}"/>
+                <a16:creationId xmlns:a16="http://schemas.microsoft.com/office/drawing/2014/main" id="{6A41689F-6401-7FEB-51C8-8632B063B126}"/>
               </a:ext>
             </a:extLst>
           </p:cNvPr>
@@ -8620,7 +8506,7 @@
           <p:cNvPr id="12" name="Picture 11">
             <a:extLst>
               <a:ext uri="{FF2B5EF4-FFF2-40B4-BE49-F238E27FC236}">
-                <a16:creationId xmlns:a16="http://schemas.microsoft.com/office/drawing/2014/main" id="{F45284A6-E5F1-E476-A4C6-B597477C3270}"/>
+                <a16:creationId xmlns:a16="http://schemas.microsoft.com/office/drawing/2014/main" id="{EF980829-DECB-AB93-865B-ADE0ED60A478}"/>
               </a:ext>
             </a:extLst>
           </p:cNvPr>
@@ -8656,7 +8542,7 @@
           <p:cNvPr id="13" name="TextBox 12">
             <a:extLst>
               <a:ext uri="{FF2B5EF4-FFF2-40B4-BE49-F238E27FC236}">
-                <a16:creationId xmlns:a16="http://schemas.microsoft.com/office/drawing/2014/main" id="{04B144C5-5D64-240D-6489-5631B541B601}"/>
+                <a16:creationId xmlns:a16="http://schemas.microsoft.com/office/drawing/2014/main" id="{7B46F060-E013-07E0-6F4D-EAB1EFEF1C56}"/>
               </a:ext>
             </a:extLst>
           </p:cNvPr>
@@ -8700,7 +8586,7 @@
           <p:cNvPr id="14" name="TextBox 13">
             <a:extLst>
               <a:ext uri="{FF2B5EF4-FFF2-40B4-BE49-F238E27FC236}">
-                <a16:creationId xmlns:a16="http://schemas.microsoft.com/office/drawing/2014/main" id="{53031B6E-48C4-1525-F8E7-9063C9E6716F}"/>
+                <a16:creationId xmlns:a16="http://schemas.microsoft.com/office/drawing/2014/main" id="{01C5E6E7-6424-9CA5-B529-9E38CE3F039F}"/>
               </a:ext>
             </a:extLst>
           </p:cNvPr>
@@ -8744,7 +8630,7 @@
           <p:cNvPr id="15" name="TextBox 14">
             <a:extLst>
               <a:ext uri="{FF2B5EF4-FFF2-40B4-BE49-F238E27FC236}">
-                <a16:creationId xmlns:a16="http://schemas.microsoft.com/office/drawing/2014/main" id="{2C37E71C-454A-B3EE-8813-4331EDDC3B7C}"/>
+                <a16:creationId xmlns:a16="http://schemas.microsoft.com/office/drawing/2014/main" id="{F31BF576-817D-DB99-C0AA-3DAB4043FF7B}"/>
               </a:ext>
             </a:extLst>
           </p:cNvPr>
@@ -8788,7 +8674,7 @@
           <p:cNvPr id="16" name="TextBox 15">
             <a:extLst>
               <a:ext uri="{FF2B5EF4-FFF2-40B4-BE49-F238E27FC236}">
-                <a16:creationId xmlns:a16="http://schemas.microsoft.com/office/drawing/2014/main" id="{2C17127B-37AA-A22A-365A-9A7169F2EC9B}"/>
+                <a16:creationId xmlns:a16="http://schemas.microsoft.com/office/drawing/2014/main" id="{457A2579-FE09-7FE7-198D-6EFA8C26E996}"/>
               </a:ext>
             </a:extLst>
           </p:cNvPr>
@@ -8830,7 +8716,7 @@
     </p:spTree>
     <p:extLst>
       <p:ext uri="{BB962C8B-B14F-4D97-AF65-F5344CB8AC3E}">
-        <p14:creationId xmlns:p14="http://schemas.microsoft.com/office/powerpoint/2010/main" val="1099714874"/>
+        <p14:creationId xmlns:p14="http://schemas.microsoft.com/office/powerpoint/2010/main" val="340328420"/>
       </p:ext>
     </p:extLst>
   </p:cSld>
@@ -8848,7 +8734,7 @@
         <p:cNvPr id="1" name="">
           <a:extLst>
             <a:ext uri="{FF2B5EF4-FFF2-40B4-BE49-F238E27FC236}">
-              <a16:creationId xmlns:a16="http://schemas.microsoft.com/office/drawing/2014/main" id="{D467325D-D0A5-2D1A-5BB1-14244AF96468}"/>
+              <a16:creationId xmlns:a16="http://schemas.microsoft.com/office/drawing/2014/main" id="{F9270083-6391-CB58-1F8D-5893C0A58306}"/>
             </a:ext>
           </a:extLst>
         </p:cNvPr>
@@ -8868,7 +8754,7 @@
           <p:cNvPr id="2" name="Text Placeholder 1">
             <a:extLst>
               <a:ext uri="{FF2B5EF4-FFF2-40B4-BE49-F238E27FC236}">
-                <a16:creationId xmlns:a16="http://schemas.microsoft.com/office/drawing/2014/main" id="{760DE205-610D-6EE3-46BB-8E1610E155E7}"/>
+                <a16:creationId xmlns:a16="http://schemas.microsoft.com/office/drawing/2014/main" id="{D9EB2A70-37CD-BA83-1916-5F7ECE67FC4E}"/>
               </a:ext>
             </a:extLst>
           </p:cNvPr>
@@ -8898,7 +8784,7 @@
                 </a:solidFill>
                 <a:latin typeface="Arial"/>
               </a:rPr>
-              <a:t>Title</a:t>
+              <a:t>title</a:t>
             </a:r>
           </a:p>
           <a:p>
@@ -8916,7 +8802,7 @@
           <p:cNvPr id="4" name="TextBox 3">
             <a:extLst>
               <a:ext uri="{FF2B5EF4-FFF2-40B4-BE49-F238E27FC236}">
-                <a16:creationId xmlns:a16="http://schemas.microsoft.com/office/drawing/2014/main" id="{2AF1AC84-AB35-5B59-E341-16AA2ED99FB9}"/>
+                <a16:creationId xmlns:a16="http://schemas.microsoft.com/office/drawing/2014/main" id="{4B02ECE7-33AA-FA60-F3B4-B610D441E951}"/>
               </a:ext>
             </a:extLst>
           </p:cNvPr>
@@ -8960,7 +8846,7 @@
           <p:cNvPr id="9" name="Picture 8">
             <a:extLst>
               <a:ext uri="{FF2B5EF4-FFF2-40B4-BE49-F238E27FC236}">
-                <a16:creationId xmlns:a16="http://schemas.microsoft.com/office/drawing/2014/main" id="{5202A3C2-08A9-1393-2D6C-E6E94F6E7B6E}"/>
+                <a16:creationId xmlns:a16="http://schemas.microsoft.com/office/drawing/2014/main" id="{8C642168-45A8-EED0-338B-A24EBB1452EF}"/>
               </a:ext>
             </a:extLst>
           </p:cNvPr>
@@ -8996,7 +8882,7 @@
           <p:cNvPr id="10" name="Picture 9">
             <a:extLst>
               <a:ext uri="{FF2B5EF4-FFF2-40B4-BE49-F238E27FC236}">
-                <a16:creationId xmlns:a16="http://schemas.microsoft.com/office/drawing/2014/main" id="{9911FB50-52E8-129D-B3D1-56CEF546CE67}"/>
+                <a16:creationId xmlns:a16="http://schemas.microsoft.com/office/drawing/2014/main" id="{203282D5-9A2C-E1FD-2DFA-BC7A4C86802E}"/>
               </a:ext>
             </a:extLst>
           </p:cNvPr>
@@ -9032,7 +8918,7 @@
           <p:cNvPr id="11" name="Picture 10">
             <a:extLst>
               <a:ext uri="{FF2B5EF4-FFF2-40B4-BE49-F238E27FC236}">
-                <a16:creationId xmlns:a16="http://schemas.microsoft.com/office/drawing/2014/main" id="{FE64832D-FCA7-9CA6-3007-FCF3CF3B3440}"/>
+                <a16:creationId xmlns:a16="http://schemas.microsoft.com/office/drawing/2014/main" id="{EB8D4163-ABAD-9A50-A2AA-EF5C7FAB5476}"/>
               </a:ext>
             </a:extLst>
           </p:cNvPr>
@@ -9068,7 +8954,7 @@
           <p:cNvPr id="12" name="Picture 11">
             <a:extLst>
               <a:ext uri="{FF2B5EF4-FFF2-40B4-BE49-F238E27FC236}">
-                <a16:creationId xmlns:a16="http://schemas.microsoft.com/office/drawing/2014/main" id="{0030C25C-C45D-6144-2C6D-C10CAFF6D86B}"/>
+                <a16:creationId xmlns:a16="http://schemas.microsoft.com/office/drawing/2014/main" id="{7E235DB3-9F04-13EC-74AC-3D8B9C4225B1}"/>
               </a:ext>
             </a:extLst>
           </p:cNvPr>
@@ -9104,7 +8990,7 @@
           <p:cNvPr id="13" name="TextBox 12">
             <a:extLst>
               <a:ext uri="{FF2B5EF4-FFF2-40B4-BE49-F238E27FC236}">
-                <a16:creationId xmlns:a16="http://schemas.microsoft.com/office/drawing/2014/main" id="{744E8699-04A0-DAD8-277E-C4889778A8B8}"/>
+                <a16:creationId xmlns:a16="http://schemas.microsoft.com/office/drawing/2014/main" id="{714E588D-2CF1-AC33-8AEF-79B946804A13}"/>
               </a:ext>
             </a:extLst>
           </p:cNvPr>
@@ -9148,7 +9034,7 @@
           <p:cNvPr id="14" name="TextBox 13">
             <a:extLst>
               <a:ext uri="{FF2B5EF4-FFF2-40B4-BE49-F238E27FC236}">
-                <a16:creationId xmlns:a16="http://schemas.microsoft.com/office/drawing/2014/main" id="{C36021CC-10F1-9ED2-C2C2-20043F093081}"/>
+                <a16:creationId xmlns:a16="http://schemas.microsoft.com/office/drawing/2014/main" id="{6E8427C7-692A-D94D-167C-6499F64D5F7A}"/>
               </a:ext>
             </a:extLst>
           </p:cNvPr>
@@ -9192,7 +9078,7 @@
           <p:cNvPr id="15" name="TextBox 14">
             <a:extLst>
               <a:ext uri="{FF2B5EF4-FFF2-40B4-BE49-F238E27FC236}">
-                <a16:creationId xmlns:a16="http://schemas.microsoft.com/office/drawing/2014/main" id="{B105D269-8406-39DE-19F1-6A43FFF89F6C}"/>
+                <a16:creationId xmlns:a16="http://schemas.microsoft.com/office/drawing/2014/main" id="{A67CD2FC-9971-C7F5-EFDE-A988D06ED514}"/>
               </a:ext>
             </a:extLst>
           </p:cNvPr>
@@ -9236,7 +9122,7 @@
           <p:cNvPr id="16" name="TextBox 15">
             <a:extLst>
               <a:ext uri="{FF2B5EF4-FFF2-40B4-BE49-F238E27FC236}">
-                <a16:creationId xmlns:a16="http://schemas.microsoft.com/office/drawing/2014/main" id="{CA2EF2EC-1BEC-9A8D-21B7-418BE2DE9F5A}"/>
+                <a16:creationId xmlns:a16="http://schemas.microsoft.com/office/drawing/2014/main" id="{3E056887-B64D-1B3E-349B-5741291353DD}"/>
               </a:ext>
             </a:extLst>
           </p:cNvPr>
@@ -9278,7 +9164,7 @@
     </p:spTree>
     <p:extLst>
       <p:ext uri="{BB962C8B-B14F-4D97-AF65-F5344CB8AC3E}">
-        <p14:creationId xmlns:p14="http://schemas.microsoft.com/office/powerpoint/2010/main" val="3646534871"/>
+        <p14:creationId xmlns:p14="http://schemas.microsoft.com/office/powerpoint/2010/main" val="1513952614"/>
       </p:ext>
     </p:extLst>
   </p:cSld>
@@ -9296,7 +9182,7 @@
         <p:cNvPr id="1" name="">
           <a:extLst>
             <a:ext uri="{FF2B5EF4-FFF2-40B4-BE49-F238E27FC236}">
-              <a16:creationId xmlns:a16="http://schemas.microsoft.com/office/drawing/2014/main" id="{5A5845BF-F1F2-C76D-42D6-2CAE41D687AB}"/>
+              <a16:creationId xmlns:a16="http://schemas.microsoft.com/office/drawing/2014/main" id="{E955A19A-60A9-546F-A19F-A942F56E18A7}"/>
             </a:ext>
           </a:extLst>
         </p:cNvPr>
@@ -9316,7 +9202,7 @@
           <p:cNvPr id="2" name="Text Placeholder 1">
             <a:extLst>
               <a:ext uri="{FF2B5EF4-FFF2-40B4-BE49-F238E27FC236}">
-                <a16:creationId xmlns:a16="http://schemas.microsoft.com/office/drawing/2014/main" id="{448C1EE0-1DBB-6C55-6104-740BDA72A308}"/>
+                <a16:creationId xmlns:a16="http://schemas.microsoft.com/office/drawing/2014/main" id="{D4E9269D-E23F-90E8-1F3A-E0DDD8EFB501}"/>
               </a:ext>
             </a:extLst>
           </p:cNvPr>
@@ -9346,7 +9232,7 @@
                 </a:solidFill>
                 <a:latin typeface="Arial"/>
               </a:rPr>
-              <a:t>Title</a:t>
+              <a:t>title</a:t>
             </a:r>
           </a:p>
           <a:p>
@@ -9364,7 +9250,7 @@
           <p:cNvPr id="4" name="TextBox 3">
             <a:extLst>
               <a:ext uri="{FF2B5EF4-FFF2-40B4-BE49-F238E27FC236}">
-                <a16:creationId xmlns:a16="http://schemas.microsoft.com/office/drawing/2014/main" id="{EB4347A2-FFDB-0405-3604-42E27CFA00D5}"/>
+                <a16:creationId xmlns:a16="http://schemas.microsoft.com/office/drawing/2014/main" id="{37E5058D-0241-5952-27D9-31E466F4C756}"/>
               </a:ext>
             </a:extLst>
           </p:cNvPr>
@@ -9408,7 +9294,7 @@
           <p:cNvPr id="9" name="Picture 8">
             <a:extLst>
               <a:ext uri="{FF2B5EF4-FFF2-40B4-BE49-F238E27FC236}">
-                <a16:creationId xmlns:a16="http://schemas.microsoft.com/office/drawing/2014/main" id="{A4A365BE-221C-CD96-10FD-8FF27DE7589D}"/>
+                <a16:creationId xmlns:a16="http://schemas.microsoft.com/office/drawing/2014/main" id="{1ACEEB40-55F1-4772-8B72-0E89DFB0E041}"/>
               </a:ext>
             </a:extLst>
           </p:cNvPr>
@@ -9444,7 +9330,7 @@
           <p:cNvPr id="10" name="Picture 9">
             <a:extLst>
               <a:ext uri="{FF2B5EF4-FFF2-40B4-BE49-F238E27FC236}">
-                <a16:creationId xmlns:a16="http://schemas.microsoft.com/office/drawing/2014/main" id="{2304BECB-AC71-86ED-989C-788200077902}"/>
+                <a16:creationId xmlns:a16="http://schemas.microsoft.com/office/drawing/2014/main" id="{DECF24A4-D827-C7DE-7FAF-B935D6246D0E}"/>
               </a:ext>
             </a:extLst>
           </p:cNvPr>
@@ -9480,7 +9366,7 @@
           <p:cNvPr id="11" name="Picture 10">
             <a:extLst>
               <a:ext uri="{FF2B5EF4-FFF2-40B4-BE49-F238E27FC236}">
-                <a16:creationId xmlns:a16="http://schemas.microsoft.com/office/drawing/2014/main" id="{F826B04C-B474-0B5B-2027-36C4F1298B6F}"/>
+                <a16:creationId xmlns:a16="http://schemas.microsoft.com/office/drawing/2014/main" id="{1E4F0441-6606-5811-51EF-29EAA78D23C8}"/>
               </a:ext>
             </a:extLst>
           </p:cNvPr>
@@ -9516,7 +9402,7 @@
           <p:cNvPr id="12" name="Picture 11">
             <a:extLst>
               <a:ext uri="{FF2B5EF4-FFF2-40B4-BE49-F238E27FC236}">
-                <a16:creationId xmlns:a16="http://schemas.microsoft.com/office/drawing/2014/main" id="{45152BED-C7C2-9F03-E65B-1DA252AFDE6E}"/>
+                <a16:creationId xmlns:a16="http://schemas.microsoft.com/office/drawing/2014/main" id="{70667B5B-5DEE-790A-2BCF-ADF7D0DF8C07}"/>
               </a:ext>
             </a:extLst>
           </p:cNvPr>
@@ -9552,7 +9438,7 @@
           <p:cNvPr id="13" name="TextBox 12">
             <a:extLst>
               <a:ext uri="{FF2B5EF4-FFF2-40B4-BE49-F238E27FC236}">
-                <a16:creationId xmlns:a16="http://schemas.microsoft.com/office/drawing/2014/main" id="{13C69AA1-4F74-194F-90D6-0BB931D82AD6}"/>
+                <a16:creationId xmlns:a16="http://schemas.microsoft.com/office/drawing/2014/main" id="{E271EF0F-4CBE-95E9-6321-003B258C2D07}"/>
               </a:ext>
             </a:extLst>
           </p:cNvPr>
@@ -9596,7 +9482,7 @@
           <p:cNvPr id="14" name="TextBox 13">
             <a:extLst>
               <a:ext uri="{FF2B5EF4-FFF2-40B4-BE49-F238E27FC236}">
-                <a16:creationId xmlns:a16="http://schemas.microsoft.com/office/drawing/2014/main" id="{DC5FDAD6-4BAB-EC19-2348-2546AB74FF8A}"/>
+                <a16:creationId xmlns:a16="http://schemas.microsoft.com/office/drawing/2014/main" id="{6675BE9F-8C8C-4186-F6B8-3175BAB26082}"/>
               </a:ext>
             </a:extLst>
           </p:cNvPr>
@@ -9640,7 +9526,7 @@
           <p:cNvPr id="15" name="TextBox 14">
             <a:extLst>
               <a:ext uri="{FF2B5EF4-FFF2-40B4-BE49-F238E27FC236}">
-                <a16:creationId xmlns:a16="http://schemas.microsoft.com/office/drawing/2014/main" id="{5FB46199-3483-F596-ADC4-4864E9AD306B}"/>
+                <a16:creationId xmlns:a16="http://schemas.microsoft.com/office/drawing/2014/main" id="{5FC15ECB-E1C0-3BFF-5C69-0EEA01FF89F6}"/>
               </a:ext>
             </a:extLst>
           </p:cNvPr>
@@ -9684,7 +9570,7 @@
           <p:cNvPr id="16" name="TextBox 15">
             <a:extLst>
               <a:ext uri="{FF2B5EF4-FFF2-40B4-BE49-F238E27FC236}">
-                <a16:creationId xmlns:a16="http://schemas.microsoft.com/office/drawing/2014/main" id="{9CE63221-4126-6EAC-E62C-E3278330232A}"/>
+                <a16:creationId xmlns:a16="http://schemas.microsoft.com/office/drawing/2014/main" id="{DD9D77D6-5777-4C78-4B07-2AE47469D76B}"/>
               </a:ext>
             </a:extLst>
           </p:cNvPr>
@@ -9726,7 +9612,7 @@
     </p:spTree>
     <p:extLst>
       <p:ext uri="{BB962C8B-B14F-4D97-AF65-F5344CB8AC3E}">
-        <p14:creationId xmlns:p14="http://schemas.microsoft.com/office/powerpoint/2010/main" val="3660510489"/>
+        <p14:creationId xmlns:p14="http://schemas.microsoft.com/office/powerpoint/2010/main" val="946563460"/>
       </p:ext>
     </p:extLst>
   </p:cSld>
@@ -9744,7 +9630,7 @@
         <p:cNvPr id="1" name="">
           <a:extLst>
             <a:ext uri="{FF2B5EF4-FFF2-40B4-BE49-F238E27FC236}">
-              <a16:creationId xmlns:a16="http://schemas.microsoft.com/office/drawing/2014/main" id="{AAAECD30-0E6A-4248-C079-5B6A45AD9B93}"/>
+              <a16:creationId xmlns:a16="http://schemas.microsoft.com/office/drawing/2014/main" id="{1E466620-33C9-4512-003B-FE44CBF9057A}"/>
             </a:ext>
           </a:extLst>
         </p:cNvPr>
@@ -9764,7 +9650,7 @@
           <p:cNvPr id="2" name="Text Placeholder 1">
             <a:extLst>
               <a:ext uri="{FF2B5EF4-FFF2-40B4-BE49-F238E27FC236}">
-                <a16:creationId xmlns:a16="http://schemas.microsoft.com/office/drawing/2014/main" id="{B4EE5F33-483C-A71A-87D5-980948FA7E6A}"/>
+                <a16:creationId xmlns:a16="http://schemas.microsoft.com/office/drawing/2014/main" id="{1869D98B-9C48-FCD8-B5B5-E11853FF1C36}"/>
               </a:ext>
             </a:extLst>
           </p:cNvPr>
@@ -9794,7 +9680,7 @@
                 </a:solidFill>
                 <a:latin typeface="Arial"/>
               </a:rPr>
-              <a:t>Title</a:t>
+              <a:t>title</a:t>
             </a:r>
           </a:p>
           <a:p>
@@ -9812,7 +9698,7 @@
           <p:cNvPr id="4" name="TextBox 3">
             <a:extLst>
               <a:ext uri="{FF2B5EF4-FFF2-40B4-BE49-F238E27FC236}">
-                <a16:creationId xmlns:a16="http://schemas.microsoft.com/office/drawing/2014/main" id="{46E60D63-3D00-D874-28DC-EB58755AB4B7}"/>
+                <a16:creationId xmlns:a16="http://schemas.microsoft.com/office/drawing/2014/main" id="{AE4FB4FB-A320-FF7D-E87A-5FC4E55A7474}"/>
               </a:ext>
             </a:extLst>
           </p:cNvPr>
@@ -9856,7 +9742,7 @@
           <p:cNvPr id="9" name="Picture 8">
             <a:extLst>
               <a:ext uri="{FF2B5EF4-FFF2-40B4-BE49-F238E27FC236}">
-                <a16:creationId xmlns:a16="http://schemas.microsoft.com/office/drawing/2014/main" id="{C975867A-3EA2-28D9-3612-671ED441B9D7}"/>
+                <a16:creationId xmlns:a16="http://schemas.microsoft.com/office/drawing/2014/main" id="{6912C859-A0DF-E6EC-A293-B74139BCEA95}"/>
               </a:ext>
             </a:extLst>
           </p:cNvPr>
@@ -9892,7 +9778,7 @@
           <p:cNvPr id="10" name="Picture 9">
             <a:extLst>
               <a:ext uri="{FF2B5EF4-FFF2-40B4-BE49-F238E27FC236}">
-                <a16:creationId xmlns:a16="http://schemas.microsoft.com/office/drawing/2014/main" id="{51242F73-C47D-C429-A7E0-A75C95439A82}"/>
+                <a16:creationId xmlns:a16="http://schemas.microsoft.com/office/drawing/2014/main" id="{D32915FD-622D-E995-E16A-06EC86B5E9B0}"/>
               </a:ext>
             </a:extLst>
           </p:cNvPr>
@@ -9928,7 +9814,7 @@
           <p:cNvPr id="11" name="Picture 10">
             <a:extLst>
               <a:ext uri="{FF2B5EF4-FFF2-40B4-BE49-F238E27FC236}">
-                <a16:creationId xmlns:a16="http://schemas.microsoft.com/office/drawing/2014/main" id="{7DE3E40E-F270-402E-A049-5D104437F5E5}"/>
+                <a16:creationId xmlns:a16="http://schemas.microsoft.com/office/drawing/2014/main" id="{0A54243D-ECFF-86EB-C630-AE9CEDC6A80B}"/>
               </a:ext>
             </a:extLst>
           </p:cNvPr>
@@ -9964,7 +9850,7 @@
           <p:cNvPr id="12" name="Picture 11">
             <a:extLst>
               <a:ext uri="{FF2B5EF4-FFF2-40B4-BE49-F238E27FC236}">
-                <a16:creationId xmlns:a16="http://schemas.microsoft.com/office/drawing/2014/main" id="{803F3BEA-F852-BC0F-54F5-A3BD23D34F51}"/>
+                <a16:creationId xmlns:a16="http://schemas.microsoft.com/office/drawing/2014/main" id="{ED050592-BAB1-705E-65CD-D14B17F12FA6}"/>
               </a:ext>
             </a:extLst>
           </p:cNvPr>
@@ -10000,7 +9886,7 @@
           <p:cNvPr id="13" name="TextBox 12">
             <a:extLst>
               <a:ext uri="{FF2B5EF4-FFF2-40B4-BE49-F238E27FC236}">
-                <a16:creationId xmlns:a16="http://schemas.microsoft.com/office/drawing/2014/main" id="{C6334C13-E2EA-EF33-A66B-083805AF5BB5}"/>
+                <a16:creationId xmlns:a16="http://schemas.microsoft.com/office/drawing/2014/main" id="{87D48700-44F8-C97C-D6EB-1EB11598BA8B}"/>
               </a:ext>
             </a:extLst>
           </p:cNvPr>
@@ -10044,7 +9930,7 @@
           <p:cNvPr id="14" name="TextBox 13">
             <a:extLst>
               <a:ext uri="{FF2B5EF4-FFF2-40B4-BE49-F238E27FC236}">
-                <a16:creationId xmlns:a16="http://schemas.microsoft.com/office/drawing/2014/main" id="{4EF67FEC-DFD6-DB0E-FB10-731807BD21B1}"/>
+                <a16:creationId xmlns:a16="http://schemas.microsoft.com/office/drawing/2014/main" id="{AC280DA1-A4E1-1E7E-D4D9-37DBADEAFC01}"/>
               </a:ext>
             </a:extLst>
           </p:cNvPr>
@@ -10088,7 +9974,7 @@
           <p:cNvPr id="15" name="TextBox 14">
             <a:extLst>
               <a:ext uri="{FF2B5EF4-FFF2-40B4-BE49-F238E27FC236}">
-                <a16:creationId xmlns:a16="http://schemas.microsoft.com/office/drawing/2014/main" id="{52E65144-6579-6601-67FE-F10FB8CC8B16}"/>
+                <a16:creationId xmlns:a16="http://schemas.microsoft.com/office/drawing/2014/main" id="{87B7AC7F-362C-E4B2-0FB0-571835F9F908}"/>
               </a:ext>
             </a:extLst>
           </p:cNvPr>
@@ -10132,7 +10018,7 @@
           <p:cNvPr id="16" name="TextBox 15">
             <a:extLst>
               <a:ext uri="{FF2B5EF4-FFF2-40B4-BE49-F238E27FC236}">
-                <a16:creationId xmlns:a16="http://schemas.microsoft.com/office/drawing/2014/main" id="{72E89AC6-D190-E6F0-A3A5-F55D8556CCE1}"/>
+                <a16:creationId xmlns:a16="http://schemas.microsoft.com/office/drawing/2014/main" id="{183BF80D-400A-6996-8C35-49A3E1985D0C}"/>
               </a:ext>
             </a:extLst>
           </p:cNvPr>
@@ -10174,7 +10060,7 @@
     </p:spTree>
     <p:extLst>
       <p:ext uri="{BB962C8B-B14F-4D97-AF65-F5344CB8AC3E}">
-        <p14:creationId xmlns:p14="http://schemas.microsoft.com/office/powerpoint/2010/main" val="496331345"/>
+        <p14:creationId xmlns:p14="http://schemas.microsoft.com/office/powerpoint/2010/main" val="2687411277"/>
       </p:ext>
     </p:extLst>
   </p:cSld>
@@ -10192,7 +10078,7 @@
         <p:cNvPr id="1" name="">
           <a:extLst>
             <a:ext uri="{FF2B5EF4-FFF2-40B4-BE49-F238E27FC236}">
-              <a16:creationId xmlns:a16="http://schemas.microsoft.com/office/drawing/2014/main" id="{3E72C4B9-1A5D-D0BB-86AA-C0BDF8EDD19D}"/>
+              <a16:creationId xmlns:a16="http://schemas.microsoft.com/office/drawing/2014/main" id="{740434A8-BC3D-C870-ABF5-E2BABC8B0E17}"/>
             </a:ext>
           </a:extLst>
         </p:cNvPr>
@@ -10212,7 +10098,7 @@
           <p:cNvPr id="2" name="Text Placeholder 1">
             <a:extLst>
               <a:ext uri="{FF2B5EF4-FFF2-40B4-BE49-F238E27FC236}">
-                <a16:creationId xmlns:a16="http://schemas.microsoft.com/office/drawing/2014/main" id="{FC36DE8A-75DF-7904-053E-2CB60448CBCF}"/>
+                <a16:creationId xmlns:a16="http://schemas.microsoft.com/office/drawing/2014/main" id="{11D4083E-7B2A-4CF1-6154-6D898492F96C}"/>
               </a:ext>
             </a:extLst>
           </p:cNvPr>
@@ -10242,7 +10128,7 @@
                 </a:solidFill>
                 <a:latin typeface="Arial"/>
               </a:rPr>
-              <a:t>Title</a:t>
+              <a:t>title</a:t>
             </a:r>
           </a:p>
           <a:p>
@@ -10260,7 +10146,7 @@
           <p:cNvPr id="4" name="TextBox 3">
             <a:extLst>
               <a:ext uri="{FF2B5EF4-FFF2-40B4-BE49-F238E27FC236}">
-                <a16:creationId xmlns:a16="http://schemas.microsoft.com/office/drawing/2014/main" id="{791135B5-D9F3-C055-98EE-D5F625B8DB80}"/>
+                <a16:creationId xmlns:a16="http://schemas.microsoft.com/office/drawing/2014/main" id="{8B258C24-A6AA-E498-2C0F-2CCBC15DA20F}"/>
               </a:ext>
             </a:extLst>
           </p:cNvPr>
@@ -10304,7 +10190,7 @@
           <p:cNvPr id="9" name="Picture 8">
             <a:extLst>
               <a:ext uri="{FF2B5EF4-FFF2-40B4-BE49-F238E27FC236}">
-                <a16:creationId xmlns:a16="http://schemas.microsoft.com/office/drawing/2014/main" id="{C8C9DFAB-FCDA-DE80-D258-CE87F48E1FD6}"/>
+                <a16:creationId xmlns:a16="http://schemas.microsoft.com/office/drawing/2014/main" id="{4BCC7CDB-45E7-B3B3-B3B6-03115E1441BD}"/>
               </a:ext>
             </a:extLst>
           </p:cNvPr>
@@ -10340,7 +10226,7 @@
           <p:cNvPr id="10" name="Picture 9">
             <a:extLst>
               <a:ext uri="{FF2B5EF4-FFF2-40B4-BE49-F238E27FC236}">
-                <a16:creationId xmlns:a16="http://schemas.microsoft.com/office/drawing/2014/main" id="{73CDA2A1-B3CE-6802-9C9D-64C3AB747CC7}"/>
+                <a16:creationId xmlns:a16="http://schemas.microsoft.com/office/drawing/2014/main" id="{A7AB474C-587B-7EAD-FF9A-73DD7D58CFD1}"/>
               </a:ext>
             </a:extLst>
           </p:cNvPr>
@@ -10376,7 +10262,7 @@
           <p:cNvPr id="11" name="Picture 10">
             <a:extLst>
               <a:ext uri="{FF2B5EF4-FFF2-40B4-BE49-F238E27FC236}">
-                <a16:creationId xmlns:a16="http://schemas.microsoft.com/office/drawing/2014/main" id="{3F7B4D62-0CBD-C577-96DB-E0F149A2258A}"/>
+                <a16:creationId xmlns:a16="http://schemas.microsoft.com/office/drawing/2014/main" id="{A229E39B-B4BD-87C8-25FB-1A7C0A01C01E}"/>
               </a:ext>
             </a:extLst>
           </p:cNvPr>
@@ -10412,7 +10298,7 @@
           <p:cNvPr id="12" name="Picture 11">
             <a:extLst>
               <a:ext uri="{FF2B5EF4-FFF2-40B4-BE49-F238E27FC236}">
-                <a16:creationId xmlns:a16="http://schemas.microsoft.com/office/drawing/2014/main" id="{1B5FABDE-7B1D-1614-D6B0-489F944DB6DD}"/>
+                <a16:creationId xmlns:a16="http://schemas.microsoft.com/office/drawing/2014/main" id="{C9F72315-CBA9-AE6F-ECC6-904CE347C09D}"/>
               </a:ext>
             </a:extLst>
           </p:cNvPr>
@@ -10448,7 +10334,7 @@
           <p:cNvPr id="13" name="TextBox 12">
             <a:extLst>
               <a:ext uri="{FF2B5EF4-FFF2-40B4-BE49-F238E27FC236}">
-                <a16:creationId xmlns:a16="http://schemas.microsoft.com/office/drawing/2014/main" id="{16527F3A-C7A4-EE28-8243-33D35E1DBF92}"/>
+                <a16:creationId xmlns:a16="http://schemas.microsoft.com/office/drawing/2014/main" id="{7FEC38A1-1493-8590-B3F6-D3F3E0D2CE2A}"/>
               </a:ext>
             </a:extLst>
           </p:cNvPr>
@@ -10492,7 +10378,7 @@
           <p:cNvPr id="14" name="TextBox 13">
             <a:extLst>
               <a:ext uri="{FF2B5EF4-FFF2-40B4-BE49-F238E27FC236}">
-                <a16:creationId xmlns:a16="http://schemas.microsoft.com/office/drawing/2014/main" id="{B1F00397-F5B3-2BCB-CA81-575504CC0C28}"/>
+                <a16:creationId xmlns:a16="http://schemas.microsoft.com/office/drawing/2014/main" id="{F1C1BEAC-F21A-26F1-FDC3-470785F505E7}"/>
               </a:ext>
             </a:extLst>
           </p:cNvPr>
@@ -10536,7 +10422,7 @@
           <p:cNvPr id="15" name="TextBox 14">
             <a:extLst>
               <a:ext uri="{FF2B5EF4-FFF2-40B4-BE49-F238E27FC236}">
-                <a16:creationId xmlns:a16="http://schemas.microsoft.com/office/drawing/2014/main" id="{745C6DA1-6463-EB0F-6504-A72B84DC7393}"/>
+                <a16:creationId xmlns:a16="http://schemas.microsoft.com/office/drawing/2014/main" id="{B2A9440F-C271-7DE8-EAAD-AEC3AB3D7FEF}"/>
               </a:ext>
             </a:extLst>
           </p:cNvPr>
@@ -10580,7 +10466,7 @@
           <p:cNvPr id="16" name="TextBox 15">
             <a:extLst>
               <a:ext uri="{FF2B5EF4-FFF2-40B4-BE49-F238E27FC236}">
-                <a16:creationId xmlns:a16="http://schemas.microsoft.com/office/drawing/2014/main" id="{13B7814C-6765-1002-F93B-423071A74DA2}"/>
+                <a16:creationId xmlns:a16="http://schemas.microsoft.com/office/drawing/2014/main" id="{DB75D3F4-214D-A286-C874-22421423D99B}"/>
               </a:ext>
             </a:extLst>
           </p:cNvPr>
@@ -10622,7 +10508,7 @@
     </p:spTree>
     <p:extLst>
       <p:ext uri="{BB962C8B-B14F-4D97-AF65-F5344CB8AC3E}">
-        <p14:creationId xmlns:p14="http://schemas.microsoft.com/office/powerpoint/2010/main" val="3010662817"/>
+        <p14:creationId xmlns:p14="http://schemas.microsoft.com/office/powerpoint/2010/main" val="493005028"/>
       </p:ext>
     </p:extLst>
   </p:cSld>
@@ -10640,7 +10526,7 @@
         <p:cNvPr id="1" name="">
           <a:extLst>
             <a:ext uri="{FF2B5EF4-FFF2-40B4-BE49-F238E27FC236}">
-              <a16:creationId xmlns:a16="http://schemas.microsoft.com/office/drawing/2014/main" id="{47C6B73C-E74B-204F-8C7F-B005FDDB22D0}"/>
+              <a16:creationId xmlns:a16="http://schemas.microsoft.com/office/drawing/2014/main" id="{98DDF268-B142-5005-13D3-027ACD2C512E}"/>
             </a:ext>
           </a:extLst>
         </p:cNvPr>
@@ -10660,7 +10546,7 @@
           <p:cNvPr id="2" name="Text Placeholder 1">
             <a:extLst>
               <a:ext uri="{FF2B5EF4-FFF2-40B4-BE49-F238E27FC236}">
-                <a16:creationId xmlns:a16="http://schemas.microsoft.com/office/drawing/2014/main" id="{1122B790-BF37-61BE-220A-A65807865342}"/>
+                <a16:creationId xmlns:a16="http://schemas.microsoft.com/office/drawing/2014/main" id="{C7190D1C-43A1-16D9-3973-AB269F08B028}"/>
               </a:ext>
             </a:extLst>
           </p:cNvPr>
@@ -10690,7 +10576,7 @@
                 </a:solidFill>
                 <a:latin typeface="Arial"/>
               </a:rPr>
-              <a:t>Title</a:t>
+              <a:t>title</a:t>
             </a:r>
           </a:p>
           <a:p>
@@ -10708,7 +10594,7 @@
           <p:cNvPr id="4" name="TextBox 3">
             <a:extLst>
               <a:ext uri="{FF2B5EF4-FFF2-40B4-BE49-F238E27FC236}">
-                <a16:creationId xmlns:a16="http://schemas.microsoft.com/office/drawing/2014/main" id="{C015ED1D-3F53-37E8-7D8F-410F336D85E0}"/>
+                <a16:creationId xmlns:a16="http://schemas.microsoft.com/office/drawing/2014/main" id="{52BBDD1B-2278-B906-92B1-6F0365A21665}"/>
               </a:ext>
             </a:extLst>
           </p:cNvPr>
@@ -10752,7 +10638,7 @@
           <p:cNvPr id="9" name="Picture 8">
             <a:extLst>
               <a:ext uri="{FF2B5EF4-FFF2-40B4-BE49-F238E27FC236}">
-                <a16:creationId xmlns:a16="http://schemas.microsoft.com/office/drawing/2014/main" id="{01EC59CD-E2A9-21EE-CE5F-E037C3896753}"/>
+                <a16:creationId xmlns:a16="http://schemas.microsoft.com/office/drawing/2014/main" id="{CC072763-E4F4-7A6D-666D-2F6CB15B86C5}"/>
               </a:ext>
             </a:extLst>
           </p:cNvPr>
@@ -10788,7 +10674,7 @@
           <p:cNvPr id="10" name="Picture 9">
             <a:extLst>
               <a:ext uri="{FF2B5EF4-FFF2-40B4-BE49-F238E27FC236}">
-                <a16:creationId xmlns:a16="http://schemas.microsoft.com/office/drawing/2014/main" id="{43BB1F79-7D54-3665-A894-914DE8303E79}"/>
+                <a16:creationId xmlns:a16="http://schemas.microsoft.com/office/drawing/2014/main" id="{4E15562C-0273-FDE3-4044-B5E98779D075}"/>
               </a:ext>
             </a:extLst>
           </p:cNvPr>
@@ -10824,7 +10710,7 @@
           <p:cNvPr id="11" name="Picture 10">
             <a:extLst>
               <a:ext uri="{FF2B5EF4-FFF2-40B4-BE49-F238E27FC236}">
-                <a16:creationId xmlns:a16="http://schemas.microsoft.com/office/drawing/2014/main" id="{61952C71-1BA5-0D58-D25C-12244F99B8AB}"/>
+                <a16:creationId xmlns:a16="http://schemas.microsoft.com/office/drawing/2014/main" id="{092652AA-B8D3-FEB1-FCA6-4A8128FFC5C7}"/>
               </a:ext>
             </a:extLst>
           </p:cNvPr>
@@ -10860,7 +10746,7 @@
           <p:cNvPr id="12" name="Picture 11">
             <a:extLst>
               <a:ext uri="{FF2B5EF4-FFF2-40B4-BE49-F238E27FC236}">
-                <a16:creationId xmlns:a16="http://schemas.microsoft.com/office/drawing/2014/main" id="{30B1F919-90AB-ADE1-489B-06F402EBC5CC}"/>
+                <a16:creationId xmlns:a16="http://schemas.microsoft.com/office/drawing/2014/main" id="{C9248286-3F54-BE9D-6C7F-909D6E6AEC8E}"/>
               </a:ext>
             </a:extLst>
           </p:cNvPr>
@@ -10896,7 +10782,7 @@
           <p:cNvPr id="13" name="TextBox 12">
             <a:extLst>
               <a:ext uri="{FF2B5EF4-FFF2-40B4-BE49-F238E27FC236}">
-                <a16:creationId xmlns:a16="http://schemas.microsoft.com/office/drawing/2014/main" id="{654FBC3E-972B-C464-7FD2-82FBC0B75524}"/>
+                <a16:creationId xmlns:a16="http://schemas.microsoft.com/office/drawing/2014/main" id="{E7987970-CE31-1B8E-E2E1-921B5994392B}"/>
               </a:ext>
             </a:extLst>
           </p:cNvPr>
@@ -10940,7 +10826,7 @@
           <p:cNvPr id="14" name="TextBox 13">
             <a:extLst>
               <a:ext uri="{FF2B5EF4-FFF2-40B4-BE49-F238E27FC236}">
-                <a16:creationId xmlns:a16="http://schemas.microsoft.com/office/drawing/2014/main" id="{71BEE79E-17CF-AB4A-B96C-1296EFD801F6}"/>
+                <a16:creationId xmlns:a16="http://schemas.microsoft.com/office/drawing/2014/main" id="{E661A10F-B3A3-38F5-046C-AFF6E26C7F50}"/>
               </a:ext>
             </a:extLst>
           </p:cNvPr>
@@ -10984,7 +10870,7 @@
           <p:cNvPr id="15" name="TextBox 14">
             <a:extLst>
               <a:ext uri="{FF2B5EF4-FFF2-40B4-BE49-F238E27FC236}">
-                <a16:creationId xmlns:a16="http://schemas.microsoft.com/office/drawing/2014/main" id="{D5303EFA-EFAB-D114-76D9-E4A44C46BC51}"/>
+                <a16:creationId xmlns:a16="http://schemas.microsoft.com/office/drawing/2014/main" id="{EAD4C428-83CF-5856-CD4E-44F354421FA5}"/>
               </a:ext>
             </a:extLst>
           </p:cNvPr>
@@ -11028,7 +10914,7 @@
           <p:cNvPr id="16" name="TextBox 15">
             <a:extLst>
               <a:ext uri="{FF2B5EF4-FFF2-40B4-BE49-F238E27FC236}">
-                <a16:creationId xmlns:a16="http://schemas.microsoft.com/office/drawing/2014/main" id="{E090EE9D-3DE9-71C4-0581-81D36DA3D258}"/>
+                <a16:creationId xmlns:a16="http://schemas.microsoft.com/office/drawing/2014/main" id="{CF764B9D-4676-0E97-4104-28E172537C4B}"/>
               </a:ext>
             </a:extLst>
           </p:cNvPr>
@@ -11070,7 +10956,7 @@
     </p:spTree>
     <p:extLst>
       <p:ext uri="{BB962C8B-B14F-4D97-AF65-F5344CB8AC3E}">
-        <p14:creationId xmlns:p14="http://schemas.microsoft.com/office/powerpoint/2010/main" val="4201095040"/>
+        <p14:creationId xmlns:p14="http://schemas.microsoft.com/office/powerpoint/2010/main" val="250136541"/>
       </p:ext>
     </p:extLst>
   </p:cSld>
@@ -11088,7 +10974,7 @@
         <p:cNvPr id="1" name="">
           <a:extLst>
             <a:ext uri="{FF2B5EF4-FFF2-40B4-BE49-F238E27FC236}">
-              <a16:creationId xmlns:a16="http://schemas.microsoft.com/office/drawing/2014/main" id="{15215AE5-F650-0EF3-CA31-14A282974E5F}"/>
+              <a16:creationId xmlns:a16="http://schemas.microsoft.com/office/drawing/2014/main" id="{4488B2BA-4439-4EE0-5CA0-991DFF40856B}"/>
             </a:ext>
           </a:extLst>
         </p:cNvPr>
@@ -11108,7 +10994,7 @@
           <p:cNvPr id="2" name="Text Placeholder 1">
             <a:extLst>
               <a:ext uri="{FF2B5EF4-FFF2-40B4-BE49-F238E27FC236}">
-                <a16:creationId xmlns:a16="http://schemas.microsoft.com/office/drawing/2014/main" id="{13E955B5-BA0B-0A55-33A5-FB6594C4C1F8}"/>
+                <a16:creationId xmlns:a16="http://schemas.microsoft.com/office/drawing/2014/main" id="{421AC994-0E22-55FF-ECCA-A34CE95825F9}"/>
               </a:ext>
             </a:extLst>
           </p:cNvPr>
@@ -11138,7 +11024,7 @@
                 </a:solidFill>
                 <a:latin typeface="Arial"/>
               </a:rPr>
-              <a:t>Title</a:t>
+              <a:t>title</a:t>
             </a:r>
           </a:p>
           <a:p>
@@ -11156,7 +11042,7 @@
           <p:cNvPr id="4" name="TextBox 3">
             <a:extLst>
               <a:ext uri="{FF2B5EF4-FFF2-40B4-BE49-F238E27FC236}">
-                <a16:creationId xmlns:a16="http://schemas.microsoft.com/office/drawing/2014/main" id="{50DFA841-FBFD-797C-FC21-8F225A40B9A9}"/>
+                <a16:creationId xmlns:a16="http://schemas.microsoft.com/office/drawing/2014/main" id="{FA612B83-7FEA-7DF1-3B5A-5C347CE514AD}"/>
               </a:ext>
             </a:extLst>
           </p:cNvPr>
@@ -11200,7 +11086,7 @@
           <p:cNvPr id="9" name="Picture 8">
             <a:extLst>
               <a:ext uri="{FF2B5EF4-FFF2-40B4-BE49-F238E27FC236}">
-                <a16:creationId xmlns:a16="http://schemas.microsoft.com/office/drawing/2014/main" id="{253C5088-43B8-14E9-F8FB-9ADD37385C5F}"/>
+                <a16:creationId xmlns:a16="http://schemas.microsoft.com/office/drawing/2014/main" id="{E876E5AA-E712-B9D8-0960-C72952DC8CAF}"/>
               </a:ext>
             </a:extLst>
           </p:cNvPr>
@@ -11236,7 +11122,7 @@
           <p:cNvPr id="10" name="Picture 9">
             <a:extLst>
               <a:ext uri="{FF2B5EF4-FFF2-40B4-BE49-F238E27FC236}">
-                <a16:creationId xmlns:a16="http://schemas.microsoft.com/office/drawing/2014/main" id="{00436A83-86D6-184E-EBDA-B6235FC1B872}"/>
+                <a16:creationId xmlns:a16="http://schemas.microsoft.com/office/drawing/2014/main" id="{EBBB53E5-269D-38B5-DEA7-DBAF98809D74}"/>
               </a:ext>
             </a:extLst>
           </p:cNvPr>
@@ -11272,7 +11158,7 @@
           <p:cNvPr id="11" name="Picture 10">
             <a:extLst>
               <a:ext uri="{FF2B5EF4-FFF2-40B4-BE49-F238E27FC236}">
-                <a16:creationId xmlns:a16="http://schemas.microsoft.com/office/drawing/2014/main" id="{CA81DE69-606F-FD46-C6A0-B04994A2BBF5}"/>
+                <a16:creationId xmlns:a16="http://schemas.microsoft.com/office/drawing/2014/main" id="{C355EF92-3AEE-F497-0DE5-A54FD7787C0A}"/>
               </a:ext>
             </a:extLst>
           </p:cNvPr>
@@ -11308,7 +11194,7 @@
           <p:cNvPr id="12" name="Picture 11">
             <a:extLst>
               <a:ext uri="{FF2B5EF4-FFF2-40B4-BE49-F238E27FC236}">
-                <a16:creationId xmlns:a16="http://schemas.microsoft.com/office/drawing/2014/main" id="{7E554D87-012C-85F9-12E7-17D360BD5BDF}"/>
+                <a16:creationId xmlns:a16="http://schemas.microsoft.com/office/drawing/2014/main" id="{E3CC7207-817B-6D6D-EBDB-28055B33ED1E}"/>
               </a:ext>
             </a:extLst>
           </p:cNvPr>
@@ -11344,7 +11230,7 @@
           <p:cNvPr id="13" name="TextBox 12">
             <a:extLst>
               <a:ext uri="{FF2B5EF4-FFF2-40B4-BE49-F238E27FC236}">
-                <a16:creationId xmlns:a16="http://schemas.microsoft.com/office/drawing/2014/main" id="{0CE15A16-CBE6-9712-B78B-3AC20AAF6D1F}"/>
+                <a16:creationId xmlns:a16="http://schemas.microsoft.com/office/drawing/2014/main" id="{79F24B6C-EF95-1B3C-4166-DEB4CA504257}"/>
               </a:ext>
             </a:extLst>
           </p:cNvPr>
@@ -11388,7 +11274,7 @@
           <p:cNvPr id="14" name="TextBox 13">
             <a:extLst>
               <a:ext uri="{FF2B5EF4-FFF2-40B4-BE49-F238E27FC236}">
-                <a16:creationId xmlns:a16="http://schemas.microsoft.com/office/drawing/2014/main" id="{4BBA5467-FB7C-164B-8AAD-C7572021AE06}"/>
+                <a16:creationId xmlns:a16="http://schemas.microsoft.com/office/drawing/2014/main" id="{2340C3A9-71DE-9CB8-71A6-0C59CC3BD5A8}"/>
               </a:ext>
             </a:extLst>
           </p:cNvPr>
@@ -11432,7 +11318,7 @@
           <p:cNvPr id="15" name="TextBox 14">
             <a:extLst>
               <a:ext uri="{FF2B5EF4-FFF2-40B4-BE49-F238E27FC236}">
-                <a16:creationId xmlns:a16="http://schemas.microsoft.com/office/drawing/2014/main" id="{C7D4E29D-7B38-B552-0663-FFE8B1B56DDF}"/>
+                <a16:creationId xmlns:a16="http://schemas.microsoft.com/office/drawing/2014/main" id="{DF02B805-003F-1CC0-D69E-BEF06792B921}"/>
               </a:ext>
             </a:extLst>
           </p:cNvPr>
@@ -11476,7 +11362,7 @@
           <p:cNvPr id="16" name="TextBox 15">
             <a:extLst>
               <a:ext uri="{FF2B5EF4-FFF2-40B4-BE49-F238E27FC236}">
-                <a16:creationId xmlns:a16="http://schemas.microsoft.com/office/drawing/2014/main" id="{29E041F9-20DD-7EBF-3853-2AC2BBAD68AF}"/>
+                <a16:creationId xmlns:a16="http://schemas.microsoft.com/office/drawing/2014/main" id="{B5244D2A-0AF5-2AFC-BEB3-15AE6680CD5A}"/>
               </a:ext>
             </a:extLst>
           </p:cNvPr>
@@ -11518,7 +11404,7 @@
     </p:spTree>
     <p:extLst>
       <p:ext uri="{BB962C8B-B14F-4D97-AF65-F5344CB8AC3E}">
-        <p14:creationId xmlns:p14="http://schemas.microsoft.com/office/powerpoint/2010/main" val="766853389"/>
+        <p14:creationId xmlns:p14="http://schemas.microsoft.com/office/powerpoint/2010/main" val="1532518644"/>
       </p:ext>
     </p:extLst>
   </p:cSld>
@@ -11536,7 +11422,7 @@
         <p:cNvPr id="1" name="">
           <a:extLst>
             <a:ext uri="{FF2B5EF4-FFF2-40B4-BE49-F238E27FC236}">
-              <a16:creationId xmlns:a16="http://schemas.microsoft.com/office/drawing/2014/main" id="{7C9500FF-FF01-6566-37A8-4DE8CB845FF4}"/>
+              <a16:creationId xmlns:a16="http://schemas.microsoft.com/office/drawing/2014/main" id="{AF1085A3-B789-C203-03DE-E02F64018A3F}"/>
             </a:ext>
           </a:extLst>
         </p:cNvPr>
@@ -11556,7 +11442,7 @@
           <p:cNvPr id="2" name="Text Placeholder 1">
             <a:extLst>
               <a:ext uri="{FF2B5EF4-FFF2-40B4-BE49-F238E27FC236}">
-                <a16:creationId xmlns:a16="http://schemas.microsoft.com/office/drawing/2014/main" id="{98032F1C-2B64-A915-06B9-837948BDE04C}"/>
+                <a16:creationId xmlns:a16="http://schemas.microsoft.com/office/drawing/2014/main" id="{35055390-4FE9-4A42-AD26-D3F14E9B4211}"/>
               </a:ext>
             </a:extLst>
           </p:cNvPr>
@@ -11586,7 +11472,7 @@
                 </a:solidFill>
                 <a:latin typeface="Arial"/>
               </a:rPr>
-              <a:t>Title</a:t>
+              <a:t>title</a:t>
             </a:r>
           </a:p>
           <a:p>
@@ -11604,7 +11490,7 @@
           <p:cNvPr id="4" name="TextBox 3">
             <a:extLst>
               <a:ext uri="{FF2B5EF4-FFF2-40B4-BE49-F238E27FC236}">
-                <a16:creationId xmlns:a16="http://schemas.microsoft.com/office/drawing/2014/main" id="{2E65F58B-A364-CC89-4C86-DF00D50D5DA4}"/>
+                <a16:creationId xmlns:a16="http://schemas.microsoft.com/office/drawing/2014/main" id="{C3C9174C-57CA-C7F5-FD51-CD3D89669708}"/>
               </a:ext>
             </a:extLst>
           </p:cNvPr>
@@ -11648,7 +11534,7 @@
           <p:cNvPr id="9" name="Picture 8">
             <a:extLst>
               <a:ext uri="{FF2B5EF4-FFF2-40B4-BE49-F238E27FC236}">
-                <a16:creationId xmlns:a16="http://schemas.microsoft.com/office/drawing/2014/main" id="{94908D80-BC5D-4660-87A9-6562C2CE43FA}"/>
+                <a16:creationId xmlns:a16="http://schemas.microsoft.com/office/drawing/2014/main" id="{E61EFF56-2A32-E8D4-45F6-3F9710B02406}"/>
               </a:ext>
             </a:extLst>
           </p:cNvPr>
@@ -11684,7 +11570,7 @@
           <p:cNvPr id="10" name="Picture 9">
             <a:extLst>
               <a:ext uri="{FF2B5EF4-FFF2-40B4-BE49-F238E27FC236}">
-                <a16:creationId xmlns:a16="http://schemas.microsoft.com/office/drawing/2014/main" id="{FFA52564-A835-B171-38BB-E72886AC35BA}"/>
+                <a16:creationId xmlns:a16="http://schemas.microsoft.com/office/drawing/2014/main" id="{4AB1C52B-072B-309E-E7D1-8BF68AF0CC4E}"/>
               </a:ext>
             </a:extLst>
           </p:cNvPr>
@@ -11720,7 +11606,7 @@
           <p:cNvPr id="11" name="Picture 10">
             <a:extLst>
               <a:ext uri="{FF2B5EF4-FFF2-40B4-BE49-F238E27FC236}">
-                <a16:creationId xmlns:a16="http://schemas.microsoft.com/office/drawing/2014/main" id="{1C4B198C-154D-35B3-0969-F773795F6BF8}"/>
+                <a16:creationId xmlns:a16="http://schemas.microsoft.com/office/drawing/2014/main" id="{42BC496B-88BA-F113-49F4-32C1858EFA54}"/>
               </a:ext>
             </a:extLst>
           </p:cNvPr>
@@ -11756,7 +11642,7 @@
           <p:cNvPr id="12" name="Picture 11">
             <a:extLst>
               <a:ext uri="{FF2B5EF4-FFF2-40B4-BE49-F238E27FC236}">
-                <a16:creationId xmlns:a16="http://schemas.microsoft.com/office/drawing/2014/main" id="{0351AEAC-B553-2C5C-9E05-17FE97C5EA6A}"/>
+                <a16:creationId xmlns:a16="http://schemas.microsoft.com/office/drawing/2014/main" id="{A7D5A544-BFD9-D417-B520-AF8636A9F6BA}"/>
               </a:ext>
             </a:extLst>
           </p:cNvPr>
@@ -11792,7 +11678,7 @@
           <p:cNvPr id="13" name="TextBox 12">
             <a:extLst>
               <a:ext uri="{FF2B5EF4-FFF2-40B4-BE49-F238E27FC236}">
-                <a16:creationId xmlns:a16="http://schemas.microsoft.com/office/drawing/2014/main" id="{8C41FB5C-0EB0-3751-A965-31DD35C4A1A4}"/>
+                <a16:creationId xmlns:a16="http://schemas.microsoft.com/office/drawing/2014/main" id="{1A418024-AD2F-1136-F15B-7E207B7AFF23}"/>
               </a:ext>
             </a:extLst>
           </p:cNvPr>
@@ -11836,7 +11722,7 @@
           <p:cNvPr id="14" name="TextBox 13">
             <a:extLst>
               <a:ext uri="{FF2B5EF4-FFF2-40B4-BE49-F238E27FC236}">
-                <a16:creationId xmlns:a16="http://schemas.microsoft.com/office/drawing/2014/main" id="{F02CCCBA-21BA-92F8-4BA0-7DAC380C2DBB}"/>
+                <a16:creationId xmlns:a16="http://schemas.microsoft.com/office/drawing/2014/main" id="{F2AA9A6E-7E6F-6B62-21B6-3A33F1FC07A0}"/>
               </a:ext>
             </a:extLst>
           </p:cNvPr>
@@ -11880,7 +11766,7 @@
           <p:cNvPr id="15" name="TextBox 14">
             <a:extLst>
               <a:ext uri="{FF2B5EF4-FFF2-40B4-BE49-F238E27FC236}">
-                <a16:creationId xmlns:a16="http://schemas.microsoft.com/office/drawing/2014/main" id="{BFA4C927-BE0C-0D4D-9DFA-F1F39710F941}"/>
+                <a16:creationId xmlns:a16="http://schemas.microsoft.com/office/drawing/2014/main" id="{A2060239-B52C-FDFE-E4EB-D72C1FBC4FBD}"/>
               </a:ext>
             </a:extLst>
           </p:cNvPr>
@@ -11924,7 +11810,7 @@
           <p:cNvPr id="16" name="TextBox 15">
             <a:extLst>
               <a:ext uri="{FF2B5EF4-FFF2-40B4-BE49-F238E27FC236}">
-                <a16:creationId xmlns:a16="http://schemas.microsoft.com/office/drawing/2014/main" id="{85F9411F-D709-A276-061B-9409EE61861C}"/>
+                <a16:creationId xmlns:a16="http://schemas.microsoft.com/office/drawing/2014/main" id="{09DF11FB-F6EE-5857-7A3E-AFF92BA970E9}"/>
               </a:ext>
             </a:extLst>
           </p:cNvPr>
@@ -11966,7 +11852,7 @@
     </p:spTree>
     <p:extLst>
       <p:ext uri="{BB962C8B-B14F-4D97-AF65-F5344CB8AC3E}">
-        <p14:creationId xmlns:p14="http://schemas.microsoft.com/office/powerpoint/2010/main" val="3019459353"/>
+        <p14:creationId xmlns:p14="http://schemas.microsoft.com/office/powerpoint/2010/main" val="3575929042"/>
       </p:ext>
     </p:extLst>
   </p:cSld>
@@ -11984,7 +11870,7 @@
         <p:cNvPr id="1" name="">
           <a:extLst>
             <a:ext uri="{FF2B5EF4-FFF2-40B4-BE49-F238E27FC236}">
-              <a16:creationId xmlns:a16="http://schemas.microsoft.com/office/drawing/2014/main" id="{9E2AD4A2-C2CA-42FD-3BDA-BADF7429E4C6}"/>
+              <a16:creationId xmlns:a16="http://schemas.microsoft.com/office/drawing/2014/main" id="{517AAA54-CEAB-BFDC-630F-92E99204FA08}"/>
             </a:ext>
           </a:extLst>
         </p:cNvPr>
@@ -12004,7 +11890,7 @@
           <p:cNvPr id="2" name="Text Placeholder 1">
             <a:extLst>
               <a:ext uri="{FF2B5EF4-FFF2-40B4-BE49-F238E27FC236}">
-                <a16:creationId xmlns:a16="http://schemas.microsoft.com/office/drawing/2014/main" id="{B18E95B9-9A87-01AB-1F26-B1E60C37808E}"/>
+                <a16:creationId xmlns:a16="http://schemas.microsoft.com/office/drawing/2014/main" id="{3004FB05-30E8-2E6A-6AA8-1BF20A36C66F}"/>
               </a:ext>
             </a:extLst>
           </p:cNvPr>
@@ -12034,7 +11920,7 @@
                 </a:solidFill>
                 <a:latin typeface="Arial"/>
               </a:rPr>
-              <a:t>Title</a:t>
+              <a:t>title</a:t>
             </a:r>
           </a:p>
           <a:p>
@@ -12052,7 +11938,7 @@
           <p:cNvPr id="4" name="TextBox 3">
             <a:extLst>
               <a:ext uri="{FF2B5EF4-FFF2-40B4-BE49-F238E27FC236}">
-                <a16:creationId xmlns:a16="http://schemas.microsoft.com/office/drawing/2014/main" id="{BC9CAF90-BB64-E4C7-64B0-7321AF4FDF76}"/>
+                <a16:creationId xmlns:a16="http://schemas.microsoft.com/office/drawing/2014/main" id="{15DA8E16-6561-4233-582A-9A45E7F37D7B}"/>
               </a:ext>
             </a:extLst>
           </p:cNvPr>
@@ -12096,7 +11982,7 @@
           <p:cNvPr id="9" name="Picture 8">
             <a:extLst>
               <a:ext uri="{FF2B5EF4-FFF2-40B4-BE49-F238E27FC236}">
-                <a16:creationId xmlns:a16="http://schemas.microsoft.com/office/drawing/2014/main" id="{DD5AFC06-DA9E-F780-4F8F-E5DB22D99DD0}"/>
+                <a16:creationId xmlns:a16="http://schemas.microsoft.com/office/drawing/2014/main" id="{B0CA891C-F2F0-157E-E036-A42EABA57450}"/>
               </a:ext>
             </a:extLst>
           </p:cNvPr>
@@ -12132,7 +12018,7 @@
           <p:cNvPr id="10" name="Picture 9">
             <a:extLst>
               <a:ext uri="{FF2B5EF4-FFF2-40B4-BE49-F238E27FC236}">
-                <a16:creationId xmlns:a16="http://schemas.microsoft.com/office/drawing/2014/main" id="{430B872B-75D7-8236-0139-819F7D047532}"/>
+                <a16:creationId xmlns:a16="http://schemas.microsoft.com/office/drawing/2014/main" id="{13E1B203-4ABD-C015-FB78-B0DC3ED713F3}"/>
               </a:ext>
             </a:extLst>
           </p:cNvPr>
@@ -12168,7 +12054,7 @@
           <p:cNvPr id="11" name="Picture 10">
             <a:extLst>
               <a:ext uri="{FF2B5EF4-FFF2-40B4-BE49-F238E27FC236}">
-                <a16:creationId xmlns:a16="http://schemas.microsoft.com/office/drawing/2014/main" id="{3C313BB2-831A-A280-F3FD-A25366757AB1}"/>
+                <a16:creationId xmlns:a16="http://schemas.microsoft.com/office/drawing/2014/main" id="{F40E4DF7-8FE0-FDFE-8ACD-4AF4B637A8A5}"/>
               </a:ext>
             </a:extLst>
           </p:cNvPr>
@@ -12204,7 +12090,7 @@
           <p:cNvPr id="12" name="Picture 11">
             <a:extLst>
               <a:ext uri="{FF2B5EF4-FFF2-40B4-BE49-F238E27FC236}">
-                <a16:creationId xmlns:a16="http://schemas.microsoft.com/office/drawing/2014/main" id="{22927ABE-B585-6A18-08B6-BD7BB40DA489}"/>
+                <a16:creationId xmlns:a16="http://schemas.microsoft.com/office/drawing/2014/main" id="{BE4051E3-05C1-5ED0-13D6-8E07632A5FB5}"/>
               </a:ext>
             </a:extLst>
           </p:cNvPr>
@@ -12240,7 +12126,7 @@
           <p:cNvPr id="13" name="TextBox 12">
             <a:extLst>
               <a:ext uri="{FF2B5EF4-FFF2-40B4-BE49-F238E27FC236}">
-                <a16:creationId xmlns:a16="http://schemas.microsoft.com/office/drawing/2014/main" id="{0B5B9451-8CBC-920C-3882-F345DBAA02EE}"/>
+                <a16:creationId xmlns:a16="http://schemas.microsoft.com/office/drawing/2014/main" id="{C08B7003-A1C7-8C59-0E7A-CFDDA3B3B96E}"/>
               </a:ext>
             </a:extLst>
           </p:cNvPr>
@@ -12284,7 +12170,7 @@
           <p:cNvPr id="14" name="TextBox 13">
             <a:extLst>
               <a:ext uri="{FF2B5EF4-FFF2-40B4-BE49-F238E27FC236}">
-                <a16:creationId xmlns:a16="http://schemas.microsoft.com/office/drawing/2014/main" id="{599D3859-A085-4941-A3EA-13DFCC4A5330}"/>
+                <a16:creationId xmlns:a16="http://schemas.microsoft.com/office/drawing/2014/main" id="{2FC7C175-1783-593B-54E6-0D144DBCB116}"/>
               </a:ext>
             </a:extLst>
           </p:cNvPr>
@@ -12328,7 +12214,7 @@
           <p:cNvPr id="15" name="TextBox 14">
             <a:extLst>
               <a:ext uri="{FF2B5EF4-FFF2-40B4-BE49-F238E27FC236}">
-                <a16:creationId xmlns:a16="http://schemas.microsoft.com/office/drawing/2014/main" id="{CC8C2E91-864A-56D7-8357-32D81CA1C3DD}"/>
+                <a16:creationId xmlns:a16="http://schemas.microsoft.com/office/drawing/2014/main" id="{14A832E5-2D0B-DC55-258B-576C3B595EC7}"/>
               </a:ext>
             </a:extLst>
           </p:cNvPr>
@@ -12372,7 +12258,7 @@
           <p:cNvPr id="16" name="TextBox 15">
             <a:extLst>
               <a:ext uri="{FF2B5EF4-FFF2-40B4-BE49-F238E27FC236}">
-                <a16:creationId xmlns:a16="http://schemas.microsoft.com/office/drawing/2014/main" id="{A9E6486C-C350-A9E8-9565-B5CBDE8EDE74}"/>
+                <a16:creationId xmlns:a16="http://schemas.microsoft.com/office/drawing/2014/main" id="{0573DEDF-584A-D201-648C-DF1650D9EA67}"/>
               </a:ext>
             </a:extLst>
           </p:cNvPr>
@@ -12414,455 +12300,7 @@
     </p:spTree>
     <p:extLst>
       <p:ext uri="{BB962C8B-B14F-4D97-AF65-F5344CB8AC3E}">
-        <p14:creationId xmlns:p14="http://schemas.microsoft.com/office/powerpoint/2010/main" val="656971916"/>
-      </p:ext>
-    </p:extLst>
-  </p:cSld>
-  <p:clrMapOvr>
-    <a:masterClrMapping/>
-  </p:clrMapOvr>
-</p:sld>
-</file>
-
-<file path=ppt/slides/slide21.xml><?xml version="1.0" encoding="utf-8"?>
-<p:sld xmlns:a="http://schemas.openxmlformats.org/drawingml/2006/main" xmlns:r="http://schemas.openxmlformats.org/officeDocument/2006/relationships" xmlns:p="http://schemas.openxmlformats.org/presentationml/2006/main">
-  <p:cSld>
-    <p:spTree>
-      <p:nvGrpSpPr>
-        <p:cNvPr id="1" name="">
-          <a:extLst>
-            <a:ext uri="{FF2B5EF4-FFF2-40B4-BE49-F238E27FC236}">
-              <a16:creationId xmlns:a16="http://schemas.microsoft.com/office/drawing/2014/main" id="{E0308A5E-E55B-3DBE-36F3-C8342D04E2CA}"/>
-            </a:ext>
-          </a:extLst>
-        </p:cNvPr>
-        <p:cNvGrpSpPr/>
-        <p:nvPr/>
-      </p:nvGrpSpPr>
-      <p:grpSpPr>
-        <a:xfrm>
-          <a:off x="0" y="0"/>
-          <a:ext cx="0" cy="0"/>
-          <a:chOff x="0" y="0"/>
-          <a:chExt cx="0" cy="0"/>
-        </a:xfrm>
-      </p:grpSpPr>
-      <p:sp>
-        <p:nvSpPr>
-          <p:cNvPr id="2" name="Text Placeholder 1">
-            <a:extLst>
-              <a:ext uri="{FF2B5EF4-FFF2-40B4-BE49-F238E27FC236}">
-                <a16:creationId xmlns:a16="http://schemas.microsoft.com/office/drawing/2014/main" id="{9E270269-A593-A771-A454-1A4AE4337BAE}"/>
-              </a:ext>
-            </a:extLst>
-          </p:cNvPr>
-          <p:cNvSpPr>
-            <a:spLocks noGrp="1"/>
-          </p:cNvSpPr>
-          <p:nvPr>
-            <p:ph type="body" sz="quarter" idx="16"/>
-          </p:nvPr>
-        </p:nvSpPr>
-        <p:spPr>
-          <a:xfrm>
-            <a:off x="304745" y="248000"/>
-            <a:ext cx="8434046" cy="482640"/>
-          </a:xfrm>
-        </p:spPr>
-        <p:txBody>
-          <a:bodyPr>
-            <a:noAutofit/>
-          </a:bodyPr>
-          <a:lstStyle/>
-          <a:p>
-            <a:r>
-              <a:rPr lang="en-GB" sz="1600" b="1" dirty="0">
-                <a:solidFill>
-                  <a:srgbClr val="FF0000"/>
-                </a:solidFill>
-                <a:latin typeface="Arial"/>
-              </a:rPr>
-              <a:t>Title</a:t>
-            </a:r>
-          </a:p>
-          <a:p>
-            <a:endParaRPr lang="en-GB" sz="2200" b="1" dirty="0">
-              <a:solidFill>
-                <a:srgbClr val="FF0000"/>
-              </a:solidFill>
-              <a:latin typeface="Arial"/>
-            </a:endParaRPr>
-          </a:p>
-        </p:txBody>
-      </p:sp>
-      <p:sp>
-        <p:nvSpPr>
-          <p:cNvPr id="4" name="TextBox 3">
-            <a:extLst>
-              <a:ext uri="{FF2B5EF4-FFF2-40B4-BE49-F238E27FC236}">
-                <a16:creationId xmlns:a16="http://schemas.microsoft.com/office/drawing/2014/main" id="{F3DA9037-7134-66F5-FB0B-1350C8C85286}"/>
-              </a:ext>
-            </a:extLst>
-          </p:cNvPr>
-          <p:cNvSpPr txBox="1"/>
-          <p:nvPr/>
-        </p:nvSpPr>
-        <p:spPr>
-          <a:xfrm>
-            <a:off x="317472" y="533400"/>
-            <a:ext cx="8306991" cy="307777"/>
-          </a:xfrm>
-          <a:prstGeom prst="rect">
-            <a:avLst/>
-          </a:prstGeom>
-          <a:noFill/>
-        </p:spPr>
-        <p:txBody>
-          <a:bodyPr wrap="square" rtlCol="0">
-            <a:spAutoFit/>
-          </a:bodyPr>
-          <a:lstStyle/>
-          <a:p>
-            <a:r>
-              <a:rPr lang="en-US" sz="1400" dirty="0">
-                <a:solidFill>
-                  <a:schemeClr val="tx1">
-                    <a:lumMod val="50000"/>
-                    <a:lumOff val="50000"/>
-                  </a:schemeClr>
-                </a:solidFill>
-                <a:latin typeface="Arial" panose="020B0604020202020204" pitchFamily="34" charset="0"/>
-                <a:cs typeface="Arial" panose="020B0604020202020204" pitchFamily="34" charset="0"/>
-              </a:rPr>
-              <a:t>Subtitle</a:t>
-            </a:r>
-          </a:p>
-        </p:txBody>
-      </p:sp>
-      <p:pic>
-        <p:nvPicPr>
-          <p:cNvPr id="9" name="Picture 8">
-            <a:extLst>
-              <a:ext uri="{FF2B5EF4-FFF2-40B4-BE49-F238E27FC236}">
-                <a16:creationId xmlns:a16="http://schemas.microsoft.com/office/drawing/2014/main" id="{73A3D752-D2C7-51C4-9596-97C55C25208A}"/>
-              </a:ext>
-            </a:extLst>
-          </p:cNvPr>
-          <p:cNvPicPr>
-            <a:picLocks noChangeAspect="1"/>
-          </p:cNvPicPr>
-          <p:nvPr/>
-        </p:nvPicPr>
-        <p:blipFill>
-          <a:blip r:embed="rId3" cstate="screen">
-            <a:extLst>
-              <a:ext uri="{28A0092B-C50C-407E-A947-70E740481C1C}">
-                <a14:useLocalDpi xmlns:a14="http://schemas.microsoft.com/office/drawing/2010/main"/>
-              </a:ext>
-            </a:extLst>
-          </a:blip>
-          <a:stretch>
-            <a:fillRect/>
-          </a:stretch>
-        </p:blipFill>
-        <p:spPr>
-          <a:xfrm>
-            <a:off x="300052" y="1164791"/>
-            <a:ext cx="861767" cy="915625"/>
-          </a:xfrm>
-          <a:prstGeom prst="rect">
-            <a:avLst/>
-          </a:prstGeom>
-        </p:spPr>
-      </p:pic>
-      <p:pic>
-        <p:nvPicPr>
-          <p:cNvPr id="10" name="Picture 9">
-            <a:extLst>
-              <a:ext uri="{FF2B5EF4-FFF2-40B4-BE49-F238E27FC236}">
-                <a16:creationId xmlns:a16="http://schemas.microsoft.com/office/drawing/2014/main" id="{C6825984-F4DC-5DB4-B12D-607B192F5B0B}"/>
-              </a:ext>
-            </a:extLst>
-          </p:cNvPr>
-          <p:cNvPicPr>
-            <a:picLocks noChangeAspect="1"/>
-          </p:cNvPicPr>
-          <p:nvPr/>
-        </p:nvPicPr>
-        <p:blipFill>
-          <a:blip r:embed="rId4" cstate="screen">
-            <a:extLst>
-              <a:ext uri="{28A0092B-C50C-407E-A947-70E740481C1C}">
-                <a14:useLocalDpi xmlns:a14="http://schemas.microsoft.com/office/drawing/2010/main"/>
-              </a:ext>
-            </a:extLst>
-          </a:blip>
-          <a:stretch>
-            <a:fillRect/>
-          </a:stretch>
-        </p:blipFill>
-        <p:spPr>
-          <a:xfrm>
-            <a:off x="317472" y="2107962"/>
-            <a:ext cx="867153" cy="845608"/>
-          </a:xfrm>
-          <a:prstGeom prst="rect">
-            <a:avLst/>
-          </a:prstGeom>
-        </p:spPr>
-      </p:pic>
-      <p:pic>
-        <p:nvPicPr>
-          <p:cNvPr id="11" name="Picture 10">
-            <a:extLst>
-              <a:ext uri="{FF2B5EF4-FFF2-40B4-BE49-F238E27FC236}">
-                <a16:creationId xmlns:a16="http://schemas.microsoft.com/office/drawing/2014/main" id="{59E3B3D8-B439-7A46-A16F-5629F67E57B0}"/>
-              </a:ext>
-            </a:extLst>
-          </p:cNvPr>
-          <p:cNvPicPr>
-            <a:picLocks noChangeAspect="1"/>
-          </p:cNvPicPr>
-          <p:nvPr/>
-        </p:nvPicPr>
-        <p:blipFill>
-          <a:blip r:embed="rId5" cstate="screen">
-            <a:extLst>
-              <a:ext uri="{28A0092B-C50C-407E-A947-70E740481C1C}">
-                <a14:useLocalDpi xmlns:a14="http://schemas.microsoft.com/office/drawing/2010/main"/>
-              </a:ext>
-            </a:extLst>
-          </a:blip>
-          <a:stretch>
-            <a:fillRect/>
-          </a:stretch>
-        </p:blipFill>
-        <p:spPr>
-          <a:xfrm>
-            <a:off x="330172" y="2951163"/>
-            <a:ext cx="867153" cy="915625"/>
-          </a:xfrm>
-          <a:prstGeom prst="rect">
-            <a:avLst/>
-          </a:prstGeom>
-        </p:spPr>
-      </p:pic>
-      <p:pic>
-        <p:nvPicPr>
-          <p:cNvPr id="12" name="Picture 11">
-            <a:extLst>
-              <a:ext uri="{FF2B5EF4-FFF2-40B4-BE49-F238E27FC236}">
-                <a16:creationId xmlns:a16="http://schemas.microsoft.com/office/drawing/2014/main" id="{31B0A338-D25F-3D4C-75A2-1159D64EC37B}"/>
-              </a:ext>
-            </a:extLst>
-          </p:cNvPr>
-          <p:cNvPicPr>
-            <a:picLocks noChangeAspect="1"/>
-          </p:cNvPicPr>
-          <p:nvPr/>
-        </p:nvPicPr>
-        <p:blipFill>
-          <a:blip r:embed="rId6" cstate="screen">
-            <a:extLst>
-              <a:ext uri="{28A0092B-C50C-407E-A947-70E740481C1C}">
-                <a14:useLocalDpi xmlns:a14="http://schemas.microsoft.com/office/drawing/2010/main"/>
-              </a:ext>
-            </a:extLst>
-          </a:blip>
-          <a:stretch>
-            <a:fillRect/>
-          </a:stretch>
-        </p:blipFill>
-        <p:spPr>
-          <a:xfrm>
-            <a:off x="315365" y="3865654"/>
-            <a:ext cx="867153" cy="840222"/>
-          </a:xfrm>
-          <a:prstGeom prst="rect">
-            <a:avLst/>
-          </a:prstGeom>
-        </p:spPr>
-      </p:pic>
-      <p:sp>
-        <p:nvSpPr>
-          <p:cNvPr id="13" name="TextBox 12">
-            <a:extLst>
-              <a:ext uri="{FF2B5EF4-FFF2-40B4-BE49-F238E27FC236}">
-                <a16:creationId xmlns:a16="http://schemas.microsoft.com/office/drawing/2014/main" id="{01E3E5C4-1627-FE47-290E-D87ACBA0EA6B}"/>
-              </a:ext>
-            </a:extLst>
-          </p:cNvPr>
-          <p:cNvSpPr txBox="1"/>
-          <p:nvPr/>
-        </p:nvSpPr>
-        <p:spPr>
-          <a:xfrm>
-            <a:off x="1161819" y="1277846"/>
-            <a:ext cx="6576898" cy="246221"/>
-          </a:xfrm>
-          <a:prstGeom prst="rect">
-            <a:avLst/>
-          </a:prstGeom>
-          <a:noFill/>
-        </p:spPr>
-        <p:txBody>
-          <a:bodyPr wrap="square" rtlCol="0">
-            <a:spAutoFit/>
-          </a:bodyPr>
-          <a:lstStyle/>
-          <a:p>
-            <a:r>
-              <a:rPr lang="en-US" sz="1000" dirty="0">
-                <a:solidFill>
-                  <a:schemeClr val="tx1">
-                    <a:lumMod val="50000"/>
-                    <a:lumOff val="50000"/>
-                  </a:schemeClr>
-                </a:solidFill>
-                <a:latin typeface="Arial" panose="020B0604020202020204" pitchFamily="34" charset="0"/>
-                <a:cs typeface="Arial" panose="020B0604020202020204" pitchFamily="34" charset="0"/>
-              </a:rPr>
-              <a:t>Insights</a:t>
-            </a:r>
-          </a:p>
-        </p:txBody>
-      </p:sp>
-      <p:sp>
-        <p:nvSpPr>
-          <p:cNvPr id="14" name="TextBox 13">
-            <a:extLst>
-              <a:ext uri="{FF2B5EF4-FFF2-40B4-BE49-F238E27FC236}">
-                <a16:creationId xmlns:a16="http://schemas.microsoft.com/office/drawing/2014/main" id="{A5FC9977-5333-324E-4FFD-C107746717D9}"/>
-              </a:ext>
-            </a:extLst>
-          </p:cNvPr>
-          <p:cNvSpPr txBox="1"/>
-          <p:nvPr/>
-        </p:nvSpPr>
-        <p:spPr>
-          <a:xfrm>
-            <a:off x="1182518" y="2156121"/>
-            <a:ext cx="6576898" cy="246221"/>
-          </a:xfrm>
-          <a:prstGeom prst="rect">
-            <a:avLst/>
-          </a:prstGeom>
-          <a:noFill/>
-        </p:spPr>
-        <p:txBody>
-          <a:bodyPr wrap="square" rtlCol="0">
-            <a:spAutoFit/>
-          </a:bodyPr>
-          <a:lstStyle/>
-          <a:p>
-            <a:r>
-              <a:rPr lang="en-US" sz="1000" dirty="0">
-                <a:solidFill>
-                  <a:schemeClr val="tx1">
-                    <a:lumMod val="50000"/>
-                    <a:lumOff val="50000"/>
-                  </a:schemeClr>
-                </a:solidFill>
-                <a:latin typeface="Arial" panose="020B0604020202020204" pitchFamily="34" charset="0"/>
-                <a:cs typeface="Arial" panose="020B0604020202020204" pitchFamily="34" charset="0"/>
-              </a:rPr>
-              <a:t>Opportunity</a:t>
-            </a:r>
-          </a:p>
-        </p:txBody>
-      </p:sp>
-      <p:sp>
-        <p:nvSpPr>
-          <p:cNvPr id="15" name="TextBox 14">
-            <a:extLst>
-              <a:ext uri="{FF2B5EF4-FFF2-40B4-BE49-F238E27FC236}">
-                <a16:creationId xmlns:a16="http://schemas.microsoft.com/office/drawing/2014/main" id="{D5E326B9-5FD8-AF63-70A5-E2B5EF5E3EF2}"/>
-              </a:ext>
-            </a:extLst>
-          </p:cNvPr>
-          <p:cNvSpPr txBox="1"/>
-          <p:nvPr/>
-        </p:nvSpPr>
-        <p:spPr>
-          <a:xfrm>
-            <a:off x="1161819" y="3031625"/>
-            <a:ext cx="6576898" cy="246221"/>
-          </a:xfrm>
-          <a:prstGeom prst="rect">
-            <a:avLst/>
-          </a:prstGeom>
-          <a:noFill/>
-        </p:spPr>
-        <p:txBody>
-          <a:bodyPr wrap="square" rtlCol="0">
-            <a:spAutoFit/>
-          </a:bodyPr>
-          <a:lstStyle/>
-          <a:p>
-            <a:r>
-              <a:rPr lang="en-US" sz="1000" dirty="0">
-                <a:solidFill>
-                  <a:schemeClr val="tx1">
-                    <a:lumMod val="50000"/>
-                    <a:lumOff val="50000"/>
-                  </a:schemeClr>
-                </a:solidFill>
-                <a:latin typeface="Arial" panose="020B0604020202020204" pitchFamily="34" charset="0"/>
-                <a:cs typeface="Arial" panose="020B0604020202020204" pitchFamily="34" charset="0"/>
-              </a:rPr>
-              <a:t>Activities</a:t>
-            </a:r>
-          </a:p>
-        </p:txBody>
-      </p:sp>
-      <p:sp>
-        <p:nvSpPr>
-          <p:cNvPr id="16" name="TextBox 15">
-            <a:extLst>
-              <a:ext uri="{FF2B5EF4-FFF2-40B4-BE49-F238E27FC236}">
-                <a16:creationId xmlns:a16="http://schemas.microsoft.com/office/drawing/2014/main" id="{73115A73-110C-D32F-41CB-695A4376BF6B}"/>
-              </a:ext>
-            </a:extLst>
-          </p:cNvPr>
-          <p:cNvSpPr txBox="1"/>
-          <p:nvPr/>
-        </p:nvSpPr>
-        <p:spPr>
-          <a:xfrm>
-            <a:off x="1161819" y="3900597"/>
-            <a:ext cx="6576898" cy="246221"/>
-          </a:xfrm>
-          <a:prstGeom prst="rect">
-            <a:avLst/>
-          </a:prstGeom>
-          <a:noFill/>
-        </p:spPr>
-        <p:txBody>
-          <a:bodyPr wrap="square" rtlCol="0">
-            <a:spAutoFit/>
-          </a:bodyPr>
-          <a:lstStyle/>
-          <a:p>
-            <a:r>
-              <a:rPr lang="en-US" sz="1000" dirty="0">
-                <a:solidFill>
-                  <a:schemeClr val="tx1">
-                    <a:lumMod val="50000"/>
-                    <a:lumOff val="50000"/>
-                  </a:schemeClr>
-                </a:solidFill>
-                <a:latin typeface="Arial" panose="020B0604020202020204" pitchFamily="34" charset="0"/>
-                <a:cs typeface="Arial" panose="020B0604020202020204" pitchFamily="34" charset="0"/>
-              </a:rPr>
-              <a:t>CSFs</a:t>
-            </a:r>
-          </a:p>
-        </p:txBody>
-      </p:sp>
-    </p:spTree>
-    <p:extLst>
-      <p:ext uri="{BB962C8B-B14F-4D97-AF65-F5344CB8AC3E}">
-        <p14:creationId xmlns:p14="http://schemas.microsoft.com/office/powerpoint/2010/main" val="1746983622"/>
+        <p14:creationId xmlns:p14="http://schemas.microsoft.com/office/powerpoint/2010/main" val="4140964423"/>
       </p:ext>
     </p:extLst>
   </p:cSld>
@@ -12880,7 +12318,7 @@
         <p:cNvPr id="1" name="">
           <a:extLst>
             <a:ext uri="{FF2B5EF4-FFF2-40B4-BE49-F238E27FC236}">
-              <a16:creationId xmlns:a16="http://schemas.microsoft.com/office/drawing/2014/main" id="{F2B33FE7-EEA3-B229-285B-ABCE61A7ED76}"/>
+              <a16:creationId xmlns:a16="http://schemas.microsoft.com/office/drawing/2014/main" id="{72DD6DC1-4FB1-510B-EE16-EA90C75781A7}"/>
             </a:ext>
           </a:extLst>
         </p:cNvPr>
@@ -12900,7 +12338,7 @@
           <p:cNvPr id="2" name="Text Placeholder 1">
             <a:extLst>
               <a:ext uri="{FF2B5EF4-FFF2-40B4-BE49-F238E27FC236}">
-                <a16:creationId xmlns:a16="http://schemas.microsoft.com/office/drawing/2014/main" id="{812734F3-7D29-BF71-C61E-D1CE6E4A78F7}"/>
+                <a16:creationId xmlns:a16="http://schemas.microsoft.com/office/drawing/2014/main" id="{803CD0A1-0C29-05BA-D2F1-AE0891F6319F}"/>
               </a:ext>
             </a:extLst>
           </p:cNvPr>
@@ -12930,7 +12368,7 @@
                 </a:solidFill>
                 <a:latin typeface="Arial"/>
               </a:rPr>
-              <a:t>Title</a:t>
+              <a:t>title</a:t>
             </a:r>
           </a:p>
           <a:p>
@@ -12948,7 +12386,7 @@
           <p:cNvPr id="4" name="TextBox 3">
             <a:extLst>
               <a:ext uri="{FF2B5EF4-FFF2-40B4-BE49-F238E27FC236}">
-                <a16:creationId xmlns:a16="http://schemas.microsoft.com/office/drawing/2014/main" id="{1BF0F93E-09B5-D63E-AD13-2A51DB14ACF5}"/>
+                <a16:creationId xmlns:a16="http://schemas.microsoft.com/office/drawing/2014/main" id="{1E9762E6-0083-0E37-D70C-BDFE5F146598}"/>
               </a:ext>
             </a:extLst>
           </p:cNvPr>
@@ -12992,7 +12430,7 @@
           <p:cNvPr id="9" name="Picture 8">
             <a:extLst>
               <a:ext uri="{FF2B5EF4-FFF2-40B4-BE49-F238E27FC236}">
-                <a16:creationId xmlns:a16="http://schemas.microsoft.com/office/drawing/2014/main" id="{65D3D59F-7F78-5E3A-A12F-803D2B0FD5E5}"/>
+                <a16:creationId xmlns:a16="http://schemas.microsoft.com/office/drawing/2014/main" id="{4BF3B0CD-2703-51A8-E0E1-417E920EE468}"/>
               </a:ext>
             </a:extLst>
           </p:cNvPr>
@@ -13028,7 +12466,7 @@
           <p:cNvPr id="10" name="Picture 9">
             <a:extLst>
               <a:ext uri="{FF2B5EF4-FFF2-40B4-BE49-F238E27FC236}">
-                <a16:creationId xmlns:a16="http://schemas.microsoft.com/office/drawing/2014/main" id="{E2BD8269-CBEA-3B9C-2F20-7D67164C074C}"/>
+                <a16:creationId xmlns:a16="http://schemas.microsoft.com/office/drawing/2014/main" id="{181594E3-AFD2-92EC-700E-49B63F55D01D}"/>
               </a:ext>
             </a:extLst>
           </p:cNvPr>
@@ -13064,7 +12502,7 @@
           <p:cNvPr id="11" name="Picture 10">
             <a:extLst>
               <a:ext uri="{FF2B5EF4-FFF2-40B4-BE49-F238E27FC236}">
-                <a16:creationId xmlns:a16="http://schemas.microsoft.com/office/drawing/2014/main" id="{50346DC4-1F29-C3FF-BDA2-FDCDEEA63B3D}"/>
+                <a16:creationId xmlns:a16="http://schemas.microsoft.com/office/drawing/2014/main" id="{2C3459BC-161A-A9B0-1013-4E71B0449F56}"/>
               </a:ext>
             </a:extLst>
           </p:cNvPr>
@@ -13100,7 +12538,7 @@
           <p:cNvPr id="12" name="Picture 11">
             <a:extLst>
               <a:ext uri="{FF2B5EF4-FFF2-40B4-BE49-F238E27FC236}">
-                <a16:creationId xmlns:a16="http://schemas.microsoft.com/office/drawing/2014/main" id="{A3EBAB37-4EE7-2486-2EB1-137E375B9C99}"/>
+                <a16:creationId xmlns:a16="http://schemas.microsoft.com/office/drawing/2014/main" id="{F694C7B7-4CD3-FAB5-AE7C-6A125A40047B}"/>
               </a:ext>
             </a:extLst>
           </p:cNvPr>
@@ -13136,7 +12574,7 @@
           <p:cNvPr id="13" name="TextBox 12">
             <a:extLst>
               <a:ext uri="{FF2B5EF4-FFF2-40B4-BE49-F238E27FC236}">
-                <a16:creationId xmlns:a16="http://schemas.microsoft.com/office/drawing/2014/main" id="{25ED4AA4-FD50-B7A0-5CB2-85106802F62F}"/>
+                <a16:creationId xmlns:a16="http://schemas.microsoft.com/office/drawing/2014/main" id="{972A58E3-930D-8564-8753-1E2C79CA8CD7}"/>
               </a:ext>
             </a:extLst>
           </p:cNvPr>
@@ -13180,7 +12618,7 @@
           <p:cNvPr id="14" name="TextBox 13">
             <a:extLst>
               <a:ext uri="{FF2B5EF4-FFF2-40B4-BE49-F238E27FC236}">
-                <a16:creationId xmlns:a16="http://schemas.microsoft.com/office/drawing/2014/main" id="{A8A4F752-7097-1FDF-D7C8-12FC5FAA92B4}"/>
+                <a16:creationId xmlns:a16="http://schemas.microsoft.com/office/drawing/2014/main" id="{45807102-8695-FD57-5552-FFDFACEE4F5D}"/>
               </a:ext>
             </a:extLst>
           </p:cNvPr>
@@ -13224,7 +12662,7 @@
           <p:cNvPr id="15" name="TextBox 14">
             <a:extLst>
               <a:ext uri="{FF2B5EF4-FFF2-40B4-BE49-F238E27FC236}">
-                <a16:creationId xmlns:a16="http://schemas.microsoft.com/office/drawing/2014/main" id="{54FAC5A6-0B4E-87A7-D451-BECE9C18F0E9}"/>
+                <a16:creationId xmlns:a16="http://schemas.microsoft.com/office/drawing/2014/main" id="{F3DD0EFC-5C90-8206-0A32-821C79ED9D67}"/>
               </a:ext>
             </a:extLst>
           </p:cNvPr>
@@ -13268,7 +12706,7 @@
           <p:cNvPr id="16" name="TextBox 15">
             <a:extLst>
               <a:ext uri="{FF2B5EF4-FFF2-40B4-BE49-F238E27FC236}">
-                <a16:creationId xmlns:a16="http://schemas.microsoft.com/office/drawing/2014/main" id="{37C77D5C-D55C-81B1-6A3F-24E28E09F9E5}"/>
+                <a16:creationId xmlns:a16="http://schemas.microsoft.com/office/drawing/2014/main" id="{EA0A6CCC-DFD2-F6C8-CE2F-486822FAE79D}"/>
               </a:ext>
             </a:extLst>
           </p:cNvPr>
@@ -13310,7 +12748,7 @@
     </p:spTree>
     <p:extLst>
       <p:ext uri="{BB962C8B-B14F-4D97-AF65-F5344CB8AC3E}">
-        <p14:creationId xmlns:p14="http://schemas.microsoft.com/office/powerpoint/2010/main" val="308287061"/>
+        <p14:creationId xmlns:p14="http://schemas.microsoft.com/office/powerpoint/2010/main" val="2898132446"/>
       </p:ext>
     </p:extLst>
   </p:cSld>
@@ -13328,7 +12766,7 @@
         <p:cNvPr id="1" name="">
           <a:extLst>
             <a:ext uri="{FF2B5EF4-FFF2-40B4-BE49-F238E27FC236}">
-              <a16:creationId xmlns:a16="http://schemas.microsoft.com/office/drawing/2014/main" id="{6013A990-6333-D041-83EA-D0109061A9D9}"/>
+              <a16:creationId xmlns:a16="http://schemas.microsoft.com/office/drawing/2014/main" id="{22B89ACD-BBAE-9721-7AE3-B55F9B171050}"/>
             </a:ext>
           </a:extLst>
         </p:cNvPr>
@@ -13348,7 +12786,7 @@
           <p:cNvPr id="2" name="Text Placeholder 1">
             <a:extLst>
               <a:ext uri="{FF2B5EF4-FFF2-40B4-BE49-F238E27FC236}">
-                <a16:creationId xmlns:a16="http://schemas.microsoft.com/office/drawing/2014/main" id="{464F22ED-D2C6-FEEB-97B5-89441729EDD4}"/>
+                <a16:creationId xmlns:a16="http://schemas.microsoft.com/office/drawing/2014/main" id="{F4E4BD52-938E-64DC-6FA5-CB943F62B861}"/>
               </a:ext>
             </a:extLst>
           </p:cNvPr>
@@ -13378,7 +12816,7 @@
                 </a:solidFill>
                 <a:latin typeface="Arial"/>
               </a:rPr>
-              <a:t>Title</a:t>
+              <a:t>title</a:t>
             </a:r>
           </a:p>
           <a:p>
@@ -13396,7 +12834,7 @@
           <p:cNvPr id="4" name="TextBox 3">
             <a:extLst>
               <a:ext uri="{FF2B5EF4-FFF2-40B4-BE49-F238E27FC236}">
-                <a16:creationId xmlns:a16="http://schemas.microsoft.com/office/drawing/2014/main" id="{E63ABB6B-D57C-990D-D60C-5D0C89544315}"/>
+                <a16:creationId xmlns:a16="http://schemas.microsoft.com/office/drawing/2014/main" id="{6C446566-5DDB-6A98-8F31-43724CD34F83}"/>
               </a:ext>
             </a:extLst>
           </p:cNvPr>
@@ -13440,7 +12878,7 @@
           <p:cNvPr id="9" name="Picture 8">
             <a:extLst>
               <a:ext uri="{FF2B5EF4-FFF2-40B4-BE49-F238E27FC236}">
-                <a16:creationId xmlns:a16="http://schemas.microsoft.com/office/drawing/2014/main" id="{AAFF0EA8-444A-5788-C509-66DFFAF9DC26}"/>
+                <a16:creationId xmlns:a16="http://schemas.microsoft.com/office/drawing/2014/main" id="{F313B0B8-D81E-C7BF-2C74-DD71F43B9B51}"/>
               </a:ext>
             </a:extLst>
           </p:cNvPr>
@@ -13476,7 +12914,7 @@
           <p:cNvPr id="10" name="Picture 9">
             <a:extLst>
               <a:ext uri="{FF2B5EF4-FFF2-40B4-BE49-F238E27FC236}">
-                <a16:creationId xmlns:a16="http://schemas.microsoft.com/office/drawing/2014/main" id="{737F34C2-79A7-860E-94FA-566CC3F10A17}"/>
+                <a16:creationId xmlns:a16="http://schemas.microsoft.com/office/drawing/2014/main" id="{D6BAB63B-DE91-91DB-58AA-0ACAC78BA429}"/>
               </a:ext>
             </a:extLst>
           </p:cNvPr>
@@ -13512,7 +12950,7 @@
           <p:cNvPr id="11" name="Picture 10">
             <a:extLst>
               <a:ext uri="{FF2B5EF4-FFF2-40B4-BE49-F238E27FC236}">
-                <a16:creationId xmlns:a16="http://schemas.microsoft.com/office/drawing/2014/main" id="{502E8D83-15EB-48AC-BEF6-1019040B2D9A}"/>
+                <a16:creationId xmlns:a16="http://schemas.microsoft.com/office/drawing/2014/main" id="{51A34B0E-5957-EFD3-711B-738BA29661D3}"/>
               </a:ext>
             </a:extLst>
           </p:cNvPr>
@@ -13548,7 +12986,7 @@
           <p:cNvPr id="12" name="Picture 11">
             <a:extLst>
               <a:ext uri="{FF2B5EF4-FFF2-40B4-BE49-F238E27FC236}">
-                <a16:creationId xmlns:a16="http://schemas.microsoft.com/office/drawing/2014/main" id="{E144FF57-56C1-721E-AAF0-364D0DE21BEE}"/>
+                <a16:creationId xmlns:a16="http://schemas.microsoft.com/office/drawing/2014/main" id="{44090232-7B72-529C-DC11-C718984805FD}"/>
               </a:ext>
             </a:extLst>
           </p:cNvPr>
@@ -13584,7 +13022,7 @@
           <p:cNvPr id="13" name="TextBox 12">
             <a:extLst>
               <a:ext uri="{FF2B5EF4-FFF2-40B4-BE49-F238E27FC236}">
-                <a16:creationId xmlns:a16="http://schemas.microsoft.com/office/drawing/2014/main" id="{E763D308-B623-A5B7-A83B-1600EB1458D0}"/>
+                <a16:creationId xmlns:a16="http://schemas.microsoft.com/office/drawing/2014/main" id="{669C1E2D-C170-D1C8-774F-074C78F55C52}"/>
               </a:ext>
             </a:extLst>
           </p:cNvPr>
@@ -13628,7 +13066,7 @@
           <p:cNvPr id="14" name="TextBox 13">
             <a:extLst>
               <a:ext uri="{FF2B5EF4-FFF2-40B4-BE49-F238E27FC236}">
-                <a16:creationId xmlns:a16="http://schemas.microsoft.com/office/drawing/2014/main" id="{1DA1F940-EFE2-EBD7-F36C-E5F83D277F25}"/>
+                <a16:creationId xmlns:a16="http://schemas.microsoft.com/office/drawing/2014/main" id="{8059898D-64E6-EDBA-ADAA-417809A62EFF}"/>
               </a:ext>
             </a:extLst>
           </p:cNvPr>
@@ -13672,7 +13110,7 @@
           <p:cNvPr id="15" name="TextBox 14">
             <a:extLst>
               <a:ext uri="{FF2B5EF4-FFF2-40B4-BE49-F238E27FC236}">
-                <a16:creationId xmlns:a16="http://schemas.microsoft.com/office/drawing/2014/main" id="{44F310B7-39F7-7CF3-A3C3-147A0F8A12AD}"/>
+                <a16:creationId xmlns:a16="http://schemas.microsoft.com/office/drawing/2014/main" id="{9B9100E5-AF14-9B9F-B450-2803F29AB8BE}"/>
               </a:ext>
             </a:extLst>
           </p:cNvPr>
@@ -13716,7 +13154,7 @@
           <p:cNvPr id="16" name="TextBox 15">
             <a:extLst>
               <a:ext uri="{FF2B5EF4-FFF2-40B4-BE49-F238E27FC236}">
-                <a16:creationId xmlns:a16="http://schemas.microsoft.com/office/drawing/2014/main" id="{60885118-10AC-A976-1DA2-CEE96083242D}"/>
+                <a16:creationId xmlns:a16="http://schemas.microsoft.com/office/drawing/2014/main" id="{E531DADF-AD26-60C0-D49A-712F7E6D7B3B}"/>
               </a:ext>
             </a:extLst>
           </p:cNvPr>
@@ -13758,7 +13196,7 @@
     </p:spTree>
     <p:extLst>
       <p:ext uri="{BB962C8B-B14F-4D97-AF65-F5344CB8AC3E}">
-        <p14:creationId xmlns:p14="http://schemas.microsoft.com/office/powerpoint/2010/main" val="3478206503"/>
+        <p14:creationId xmlns:p14="http://schemas.microsoft.com/office/powerpoint/2010/main" val="906954334"/>
       </p:ext>
     </p:extLst>
   </p:cSld>
@@ -13776,7 +13214,7 @@
         <p:cNvPr id="1" name="">
           <a:extLst>
             <a:ext uri="{FF2B5EF4-FFF2-40B4-BE49-F238E27FC236}">
-              <a16:creationId xmlns:a16="http://schemas.microsoft.com/office/drawing/2014/main" id="{6DAB0D01-A903-A908-FC86-3A9852D60B82}"/>
+              <a16:creationId xmlns:a16="http://schemas.microsoft.com/office/drawing/2014/main" id="{65A3AFAE-E5D4-C511-1D34-2EA37352D0E0}"/>
             </a:ext>
           </a:extLst>
         </p:cNvPr>
@@ -13796,7 +13234,7 @@
           <p:cNvPr id="2" name="Text Placeholder 1">
             <a:extLst>
               <a:ext uri="{FF2B5EF4-FFF2-40B4-BE49-F238E27FC236}">
-                <a16:creationId xmlns:a16="http://schemas.microsoft.com/office/drawing/2014/main" id="{FD35BFF0-BC1E-082A-6282-B9E8A7C4BB1B}"/>
+                <a16:creationId xmlns:a16="http://schemas.microsoft.com/office/drawing/2014/main" id="{8873C8CC-0F65-A728-E9F4-9F461C3E3F54}"/>
               </a:ext>
             </a:extLst>
           </p:cNvPr>
@@ -13826,7 +13264,7 @@
                 </a:solidFill>
                 <a:latin typeface="Arial"/>
               </a:rPr>
-              <a:t>Title</a:t>
+              <a:t>title</a:t>
             </a:r>
           </a:p>
           <a:p>
@@ -13844,7 +13282,7 @@
           <p:cNvPr id="4" name="TextBox 3">
             <a:extLst>
               <a:ext uri="{FF2B5EF4-FFF2-40B4-BE49-F238E27FC236}">
-                <a16:creationId xmlns:a16="http://schemas.microsoft.com/office/drawing/2014/main" id="{725FE0B1-DC21-3CF8-6238-7434A3A58182}"/>
+                <a16:creationId xmlns:a16="http://schemas.microsoft.com/office/drawing/2014/main" id="{C29D61E6-2102-3159-851F-E806DF4A7C8A}"/>
               </a:ext>
             </a:extLst>
           </p:cNvPr>
@@ -13888,7 +13326,7 @@
           <p:cNvPr id="9" name="Picture 8">
             <a:extLst>
               <a:ext uri="{FF2B5EF4-FFF2-40B4-BE49-F238E27FC236}">
-                <a16:creationId xmlns:a16="http://schemas.microsoft.com/office/drawing/2014/main" id="{431AE9F3-AF07-20C4-4CD1-197CD4082B3F}"/>
+                <a16:creationId xmlns:a16="http://schemas.microsoft.com/office/drawing/2014/main" id="{530827DC-AF21-CB6C-70ED-38A84CDF89AD}"/>
               </a:ext>
             </a:extLst>
           </p:cNvPr>
@@ -13924,7 +13362,7 @@
           <p:cNvPr id="10" name="Picture 9">
             <a:extLst>
               <a:ext uri="{FF2B5EF4-FFF2-40B4-BE49-F238E27FC236}">
-                <a16:creationId xmlns:a16="http://schemas.microsoft.com/office/drawing/2014/main" id="{4626BCDC-CB1A-371E-679F-5361FAA6DFC2}"/>
+                <a16:creationId xmlns:a16="http://schemas.microsoft.com/office/drawing/2014/main" id="{530FBA94-8B2B-44B1-CD02-1C8C05F4BE23}"/>
               </a:ext>
             </a:extLst>
           </p:cNvPr>
@@ -13960,7 +13398,7 @@
           <p:cNvPr id="11" name="Picture 10">
             <a:extLst>
               <a:ext uri="{FF2B5EF4-FFF2-40B4-BE49-F238E27FC236}">
-                <a16:creationId xmlns:a16="http://schemas.microsoft.com/office/drawing/2014/main" id="{2FF53098-48A7-B2FE-16BC-415C346BC46F}"/>
+                <a16:creationId xmlns:a16="http://schemas.microsoft.com/office/drawing/2014/main" id="{B2EA5FD4-C6CD-4F89-2E4C-BECF7EC86DBB}"/>
               </a:ext>
             </a:extLst>
           </p:cNvPr>
@@ -13996,7 +13434,7 @@
           <p:cNvPr id="12" name="Picture 11">
             <a:extLst>
               <a:ext uri="{FF2B5EF4-FFF2-40B4-BE49-F238E27FC236}">
-                <a16:creationId xmlns:a16="http://schemas.microsoft.com/office/drawing/2014/main" id="{60CD8B9E-06BD-9070-4C4C-7B499342A91D}"/>
+                <a16:creationId xmlns:a16="http://schemas.microsoft.com/office/drawing/2014/main" id="{847869DA-347C-3936-E91B-D3D29608ED07}"/>
               </a:ext>
             </a:extLst>
           </p:cNvPr>
@@ -14032,7 +13470,7 @@
           <p:cNvPr id="13" name="TextBox 12">
             <a:extLst>
               <a:ext uri="{FF2B5EF4-FFF2-40B4-BE49-F238E27FC236}">
-                <a16:creationId xmlns:a16="http://schemas.microsoft.com/office/drawing/2014/main" id="{BFEEC08C-762A-65CB-EC85-26C684144475}"/>
+                <a16:creationId xmlns:a16="http://schemas.microsoft.com/office/drawing/2014/main" id="{CE718400-F384-6DAA-56AF-6E3EC62174F5}"/>
               </a:ext>
             </a:extLst>
           </p:cNvPr>
@@ -14076,7 +13514,7 @@
           <p:cNvPr id="14" name="TextBox 13">
             <a:extLst>
               <a:ext uri="{FF2B5EF4-FFF2-40B4-BE49-F238E27FC236}">
-                <a16:creationId xmlns:a16="http://schemas.microsoft.com/office/drawing/2014/main" id="{290F92F7-D0ED-D0DE-76E5-58784980A731}"/>
+                <a16:creationId xmlns:a16="http://schemas.microsoft.com/office/drawing/2014/main" id="{940942C5-1986-A53A-3A04-7AAB3D473669}"/>
               </a:ext>
             </a:extLst>
           </p:cNvPr>
@@ -14120,7 +13558,7 @@
           <p:cNvPr id="15" name="TextBox 14">
             <a:extLst>
               <a:ext uri="{FF2B5EF4-FFF2-40B4-BE49-F238E27FC236}">
-                <a16:creationId xmlns:a16="http://schemas.microsoft.com/office/drawing/2014/main" id="{9D90D458-8228-2D0D-29FF-A2C7FA18B965}"/>
+                <a16:creationId xmlns:a16="http://schemas.microsoft.com/office/drawing/2014/main" id="{352086A4-86E1-C182-FEB3-2DD465C2A5B3}"/>
               </a:ext>
             </a:extLst>
           </p:cNvPr>
@@ -14164,7 +13602,7 @@
           <p:cNvPr id="16" name="TextBox 15">
             <a:extLst>
               <a:ext uri="{FF2B5EF4-FFF2-40B4-BE49-F238E27FC236}">
-                <a16:creationId xmlns:a16="http://schemas.microsoft.com/office/drawing/2014/main" id="{36B8C1E3-FAD6-DFE8-653E-E900F1893482}"/>
+                <a16:creationId xmlns:a16="http://schemas.microsoft.com/office/drawing/2014/main" id="{3F7ACDBE-E73A-B830-0548-62D2D3BBEE1F}"/>
               </a:ext>
             </a:extLst>
           </p:cNvPr>
@@ -14206,7 +13644,7 @@
     </p:spTree>
     <p:extLst>
       <p:ext uri="{BB962C8B-B14F-4D97-AF65-F5344CB8AC3E}">
-        <p14:creationId xmlns:p14="http://schemas.microsoft.com/office/powerpoint/2010/main" val="1405643842"/>
+        <p14:creationId xmlns:p14="http://schemas.microsoft.com/office/powerpoint/2010/main" val="1439107561"/>
       </p:ext>
     </p:extLst>
   </p:cSld>
@@ -14224,7 +13662,7 @@
         <p:cNvPr id="1" name="">
           <a:extLst>
             <a:ext uri="{FF2B5EF4-FFF2-40B4-BE49-F238E27FC236}">
-              <a16:creationId xmlns:a16="http://schemas.microsoft.com/office/drawing/2014/main" id="{37AAE4E1-282C-EECE-3425-4BDD1A6F72F0}"/>
+              <a16:creationId xmlns:a16="http://schemas.microsoft.com/office/drawing/2014/main" id="{88CC51B6-1D0A-E244-7C41-5D457BDE6D77}"/>
             </a:ext>
           </a:extLst>
         </p:cNvPr>
@@ -14244,7 +13682,7 @@
           <p:cNvPr id="2" name="Text Placeholder 1">
             <a:extLst>
               <a:ext uri="{FF2B5EF4-FFF2-40B4-BE49-F238E27FC236}">
-                <a16:creationId xmlns:a16="http://schemas.microsoft.com/office/drawing/2014/main" id="{C2314B62-250D-2B8C-AE8E-1EB6D6116E56}"/>
+                <a16:creationId xmlns:a16="http://schemas.microsoft.com/office/drawing/2014/main" id="{F2074512-F97E-5D72-14D4-D897C1E74890}"/>
               </a:ext>
             </a:extLst>
           </p:cNvPr>
@@ -14274,7 +13712,7 @@
                 </a:solidFill>
                 <a:latin typeface="Arial"/>
               </a:rPr>
-              <a:t>Title</a:t>
+              <a:t>title</a:t>
             </a:r>
           </a:p>
           <a:p>
@@ -14292,7 +13730,7 @@
           <p:cNvPr id="4" name="TextBox 3">
             <a:extLst>
               <a:ext uri="{FF2B5EF4-FFF2-40B4-BE49-F238E27FC236}">
-                <a16:creationId xmlns:a16="http://schemas.microsoft.com/office/drawing/2014/main" id="{5AEA0E13-2774-07B6-3905-8E63F6AAFE19}"/>
+                <a16:creationId xmlns:a16="http://schemas.microsoft.com/office/drawing/2014/main" id="{28474283-68EA-ECFB-B794-A9F2EE626312}"/>
               </a:ext>
             </a:extLst>
           </p:cNvPr>
@@ -14336,7 +13774,7 @@
           <p:cNvPr id="9" name="Picture 8">
             <a:extLst>
               <a:ext uri="{FF2B5EF4-FFF2-40B4-BE49-F238E27FC236}">
-                <a16:creationId xmlns:a16="http://schemas.microsoft.com/office/drawing/2014/main" id="{3560B78E-B201-0AB3-9D18-C2BD4ED0C1CC}"/>
+                <a16:creationId xmlns:a16="http://schemas.microsoft.com/office/drawing/2014/main" id="{98CDF123-C2FE-63F2-B78D-F7870283F83D}"/>
               </a:ext>
             </a:extLst>
           </p:cNvPr>
@@ -14372,7 +13810,7 @@
           <p:cNvPr id="10" name="Picture 9">
             <a:extLst>
               <a:ext uri="{FF2B5EF4-FFF2-40B4-BE49-F238E27FC236}">
-                <a16:creationId xmlns:a16="http://schemas.microsoft.com/office/drawing/2014/main" id="{6DD2117D-0B78-AE73-497B-1B9DD1F9AD93}"/>
+                <a16:creationId xmlns:a16="http://schemas.microsoft.com/office/drawing/2014/main" id="{48968ABC-B707-4C79-F58D-64CCB869F948}"/>
               </a:ext>
             </a:extLst>
           </p:cNvPr>
@@ -14408,7 +13846,7 @@
           <p:cNvPr id="11" name="Picture 10">
             <a:extLst>
               <a:ext uri="{FF2B5EF4-FFF2-40B4-BE49-F238E27FC236}">
-                <a16:creationId xmlns:a16="http://schemas.microsoft.com/office/drawing/2014/main" id="{7F66251B-64AA-3202-784B-C59E80D40DBC}"/>
+                <a16:creationId xmlns:a16="http://schemas.microsoft.com/office/drawing/2014/main" id="{B0F3870A-CB71-02F6-E3DA-B8FF1BBC7EDE}"/>
               </a:ext>
             </a:extLst>
           </p:cNvPr>
@@ -14444,7 +13882,7 @@
           <p:cNvPr id="12" name="Picture 11">
             <a:extLst>
               <a:ext uri="{FF2B5EF4-FFF2-40B4-BE49-F238E27FC236}">
-                <a16:creationId xmlns:a16="http://schemas.microsoft.com/office/drawing/2014/main" id="{220E5F58-695D-8756-E6F6-0384B4DFD071}"/>
+                <a16:creationId xmlns:a16="http://schemas.microsoft.com/office/drawing/2014/main" id="{E8FEF25E-1AEB-44E0-F052-31370EE861AE}"/>
               </a:ext>
             </a:extLst>
           </p:cNvPr>
@@ -14480,7 +13918,7 @@
           <p:cNvPr id="13" name="TextBox 12">
             <a:extLst>
               <a:ext uri="{FF2B5EF4-FFF2-40B4-BE49-F238E27FC236}">
-                <a16:creationId xmlns:a16="http://schemas.microsoft.com/office/drawing/2014/main" id="{88C86062-9E0B-B6E3-A15C-79B8D45CBBFD}"/>
+                <a16:creationId xmlns:a16="http://schemas.microsoft.com/office/drawing/2014/main" id="{93E7768F-8056-CCE7-A78E-FC347CDF394D}"/>
               </a:ext>
             </a:extLst>
           </p:cNvPr>
@@ -14524,7 +13962,7 @@
           <p:cNvPr id="14" name="TextBox 13">
             <a:extLst>
               <a:ext uri="{FF2B5EF4-FFF2-40B4-BE49-F238E27FC236}">
-                <a16:creationId xmlns:a16="http://schemas.microsoft.com/office/drawing/2014/main" id="{97719442-E84D-75F4-ED87-2D79F36D6C4D}"/>
+                <a16:creationId xmlns:a16="http://schemas.microsoft.com/office/drawing/2014/main" id="{03B7F5F2-1ED6-E8D3-1740-EDA1A60D499B}"/>
               </a:ext>
             </a:extLst>
           </p:cNvPr>
@@ -14568,7 +14006,7 @@
           <p:cNvPr id="15" name="TextBox 14">
             <a:extLst>
               <a:ext uri="{FF2B5EF4-FFF2-40B4-BE49-F238E27FC236}">
-                <a16:creationId xmlns:a16="http://schemas.microsoft.com/office/drawing/2014/main" id="{17E825F3-C22B-5300-51ED-2C566768C621}"/>
+                <a16:creationId xmlns:a16="http://schemas.microsoft.com/office/drawing/2014/main" id="{0922EC5D-F14E-0E25-73E9-46E99AA30908}"/>
               </a:ext>
             </a:extLst>
           </p:cNvPr>
@@ -14612,7 +14050,7 @@
           <p:cNvPr id="16" name="TextBox 15">
             <a:extLst>
               <a:ext uri="{FF2B5EF4-FFF2-40B4-BE49-F238E27FC236}">
-                <a16:creationId xmlns:a16="http://schemas.microsoft.com/office/drawing/2014/main" id="{F62C64AF-AE0D-E6CB-4462-9636D18CA9A6}"/>
+                <a16:creationId xmlns:a16="http://schemas.microsoft.com/office/drawing/2014/main" id="{4E62B52B-BB3F-2C9C-84E7-97F047D681CC}"/>
               </a:ext>
             </a:extLst>
           </p:cNvPr>
@@ -14654,7 +14092,7 @@
     </p:spTree>
     <p:extLst>
       <p:ext uri="{BB962C8B-B14F-4D97-AF65-F5344CB8AC3E}">
-        <p14:creationId xmlns:p14="http://schemas.microsoft.com/office/powerpoint/2010/main" val="3526307741"/>
+        <p14:creationId xmlns:p14="http://schemas.microsoft.com/office/powerpoint/2010/main" val="2532792193"/>
       </p:ext>
     </p:extLst>
   </p:cSld>
@@ -14672,7 +14110,7 @@
         <p:cNvPr id="1" name="">
           <a:extLst>
             <a:ext uri="{FF2B5EF4-FFF2-40B4-BE49-F238E27FC236}">
-              <a16:creationId xmlns:a16="http://schemas.microsoft.com/office/drawing/2014/main" id="{58EDC728-5FC7-27B2-E944-C7F0D49DFE9E}"/>
+              <a16:creationId xmlns:a16="http://schemas.microsoft.com/office/drawing/2014/main" id="{0A119328-E568-6C77-AB18-E798004E5A4E}"/>
             </a:ext>
           </a:extLst>
         </p:cNvPr>
@@ -14692,7 +14130,7 @@
           <p:cNvPr id="2" name="Text Placeholder 1">
             <a:extLst>
               <a:ext uri="{FF2B5EF4-FFF2-40B4-BE49-F238E27FC236}">
-                <a16:creationId xmlns:a16="http://schemas.microsoft.com/office/drawing/2014/main" id="{2CEC9B46-7569-32DE-78CD-45497A5A0C15}"/>
+                <a16:creationId xmlns:a16="http://schemas.microsoft.com/office/drawing/2014/main" id="{1BAC535C-2EF0-2EFB-2753-2F6C5680ECF6}"/>
               </a:ext>
             </a:extLst>
           </p:cNvPr>
@@ -14722,7 +14160,7 @@
                 </a:solidFill>
                 <a:latin typeface="Arial"/>
               </a:rPr>
-              <a:t>Title</a:t>
+              <a:t>title</a:t>
             </a:r>
           </a:p>
           <a:p>
@@ -14740,7 +14178,7 @@
           <p:cNvPr id="4" name="TextBox 3">
             <a:extLst>
               <a:ext uri="{FF2B5EF4-FFF2-40B4-BE49-F238E27FC236}">
-                <a16:creationId xmlns:a16="http://schemas.microsoft.com/office/drawing/2014/main" id="{F58A732F-95F4-9823-C762-873659F003AC}"/>
+                <a16:creationId xmlns:a16="http://schemas.microsoft.com/office/drawing/2014/main" id="{E0A472D7-7C0C-83DD-4DC9-60F971A2657E}"/>
               </a:ext>
             </a:extLst>
           </p:cNvPr>
@@ -14784,7 +14222,7 @@
           <p:cNvPr id="9" name="Picture 8">
             <a:extLst>
               <a:ext uri="{FF2B5EF4-FFF2-40B4-BE49-F238E27FC236}">
-                <a16:creationId xmlns:a16="http://schemas.microsoft.com/office/drawing/2014/main" id="{193B1F98-99B7-FE38-A9EA-1F5B4B9AE435}"/>
+                <a16:creationId xmlns:a16="http://schemas.microsoft.com/office/drawing/2014/main" id="{87667584-BD28-C5C4-9B7A-4CA8B4F61580}"/>
               </a:ext>
             </a:extLst>
           </p:cNvPr>
@@ -14820,7 +14258,7 @@
           <p:cNvPr id="10" name="Picture 9">
             <a:extLst>
               <a:ext uri="{FF2B5EF4-FFF2-40B4-BE49-F238E27FC236}">
-                <a16:creationId xmlns:a16="http://schemas.microsoft.com/office/drawing/2014/main" id="{9573FF26-86A6-6942-46EE-390D8E6F70D5}"/>
+                <a16:creationId xmlns:a16="http://schemas.microsoft.com/office/drawing/2014/main" id="{9C428350-DCC2-DAC6-FB43-EAAF275F3334}"/>
               </a:ext>
             </a:extLst>
           </p:cNvPr>
@@ -14856,7 +14294,7 @@
           <p:cNvPr id="11" name="Picture 10">
             <a:extLst>
               <a:ext uri="{FF2B5EF4-FFF2-40B4-BE49-F238E27FC236}">
-                <a16:creationId xmlns:a16="http://schemas.microsoft.com/office/drawing/2014/main" id="{21BCC01C-1E65-2740-BAA9-D4035E0272AE}"/>
+                <a16:creationId xmlns:a16="http://schemas.microsoft.com/office/drawing/2014/main" id="{8B155727-CE9A-FC7E-3E54-D93F7F20BB6A}"/>
               </a:ext>
             </a:extLst>
           </p:cNvPr>
@@ -14892,7 +14330,7 @@
           <p:cNvPr id="12" name="Picture 11">
             <a:extLst>
               <a:ext uri="{FF2B5EF4-FFF2-40B4-BE49-F238E27FC236}">
-                <a16:creationId xmlns:a16="http://schemas.microsoft.com/office/drawing/2014/main" id="{5F0D29CC-E47B-0D24-48A9-8F512DDE5C23}"/>
+                <a16:creationId xmlns:a16="http://schemas.microsoft.com/office/drawing/2014/main" id="{E217DD0E-4063-DF36-AEFF-133E25695D94}"/>
               </a:ext>
             </a:extLst>
           </p:cNvPr>
@@ -14928,7 +14366,7 @@
           <p:cNvPr id="13" name="TextBox 12">
             <a:extLst>
               <a:ext uri="{FF2B5EF4-FFF2-40B4-BE49-F238E27FC236}">
-                <a16:creationId xmlns:a16="http://schemas.microsoft.com/office/drawing/2014/main" id="{4AD6862B-5D6D-D637-27B8-B40643CEA649}"/>
+                <a16:creationId xmlns:a16="http://schemas.microsoft.com/office/drawing/2014/main" id="{03BEAA8E-AD23-E523-5CC3-4BFB8BA4EC74}"/>
               </a:ext>
             </a:extLst>
           </p:cNvPr>
@@ -14972,7 +14410,7 @@
           <p:cNvPr id="14" name="TextBox 13">
             <a:extLst>
               <a:ext uri="{FF2B5EF4-FFF2-40B4-BE49-F238E27FC236}">
-                <a16:creationId xmlns:a16="http://schemas.microsoft.com/office/drawing/2014/main" id="{7BBF5B6B-3103-23FF-0A82-D731FDBA8F18}"/>
+                <a16:creationId xmlns:a16="http://schemas.microsoft.com/office/drawing/2014/main" id="{69749015-33EB-9DE4-9FB4-3973F0C732B8}"/>
               </a:ext>
             </a:extLst>
           </p:cNvPr>
@@ -15016,7 +14454,7 @@
           <p:cNvPr id="15" name="TextBox 14">
             <a:extLst>
               <a:ext uri="{FF2B5EF4-FFF2-40B4-BE49-F238E27FC236}">
-                <a16:creationId xmlns:a16="http://schemas.microsoft.com/office/drawing/2014/main" id="{0E31B1BB-7D8E-F5AF-7D42-7F92A71BD0C3}"/>
+                <a16:creationId xmlns:a16="http://schemas.microsoft.com/office/drawing/2014/main" id="{9F068545-F650-27FE-CB7C-394098D20908}"/>
               </a:ext>
             </a:extLst>
           </p:cNvPr>
@@ -15060,7 +14498,7 @@
           <p:cNvPr id="16" name="TextBox 15">
             <a:extLst>
               <a:ext uri="{FF2B5EF4-FFF2-40B4-BE49-F238E27FC236}">
-                <a16:creationId xmlns:a16="http://schemas.microsoft.com/office/drawing/2014/main" id="{989DC3CD-DC77-88F3-68A4-412879CCCA5E}"/>
+                <a16:creationId xmlns:a16="http://schemas.microsoft.com/office/drawing/2014/main" id="{411D97D2-6F6F-B8C6-266A-8F058E9D7075}"/>
               </a:ext>
             </a:extLst>
           </p:cNvPr>
@@ -15102,7 +14540,7 @@
     </p:spTree>
     <p:extLst>
       <p:ext uri="{BB962C8B-B14F-4D97-AF65-F5344CB8AC3E}">
-        <p14:creationId xmlns:p14="http://schemas.microsoft.com/office/powerpoint/2010/main" val="3348906008"/>
+        <p14:creationId xmlns:p14="http://schemas.microsoft.com/office/powerpoint/2010/main" val="612478404"/>
       </p:ext>
     </p:extLst>
   </p:cSld>
@@ -15120,7 +14558,7 @@
         <p:cNvPr id="1" name="">
           <a:extLst>
             <a:ext uri="{FF2B5EF4-FFF2-40B4-BE49-F238E27FC236}">
-              <a16:creationId xmlns:a16="http://schemas.microsoft.com/office/drawing/2014/main" id="{722C6A76-55F0-653F-126D-F6281E6A3FCB}"/>
+              <a16:creationId xmlns:a16="http://schemas.microsoft.com/office/drawing/2014/main" id="{275BB199-8D07-4405-9D9E-52DEA31258F7}"/>
             </a:ext>
           </a:extLst>
         </p:cNvPr>
@@ -15140,7 +14578,7 @@
           <p:cNvPr id="2" name="Text Placeholder 1">
             <a:extLst>
               <a:ext uri="{FF2B5EF4-FFF2-40B4-BE49-F238E27FC236}">
-                <a16:creationId xmlns:a16="http://schemas.microsoft.com/office/drawing/2014/main" id="{224F9849-21DB-AD33-74F0-6AAB882A37C3}"/>
+                <a16:creationId xmlns:a16="http://schemas.microsoft.com/office/drawing/2014/main" id="{1577355D-1A22-AB0F-F683-8098779AD540}"/>
               </a:ext>
             </a:extLst>
           </p:cNvPr>
@@ -15170,7 +14608,7 @@
                 </a:solidFill>
                 <a:latin typeface="Arial"/>
               </a:rPr>
-              <a:t>Title</a:t>
+              <a:t>title</a:t>
             </a:r>
           </a:p>
           <a:p>
@@ -15188,7 +14626,7 @@
           <p:cNvPr id="4" name="TextBox 3">
             <a:extLst>
               <a:ext uri="{FF2B5EF4-FFF2-40B4-BE49-F238E27FC236}">
-                <a16:creationId xmlns:a16="http://schemas.microsoft.com/office/drawing/2014/main" id="{69E8A863-079D-FCF0-242B-F1BC8944EF5D}"/>
+                <a16:creationId xmlns:a16="http://schemas.microsoft.com/office/drawing/2014/main" id="{AA1B6925-0B93-5402-B8E8-580DFA331E55}"/>
               </a:ext>
             </a:extLst>
           </p:cNvPr>
@@ -15232,7 +14670,7 @@
           <p:cNvPr id="9" name="Picture 8">
             <a:extLst>
               <a:ext uri="{FF2B5EF4-FFF2-40B4-BE49-F238E27FC236}">
-                <a16:creationId xmlns:a16="http://schemas.microsoft.com/office/drawing/2014/main" id="{9F5F34E9-62DA-FDAB-C2AB-BA26FB6E8F55}"/>
+                <a16:creationId xmlns:a16="http://schemas.microsoft.com/office/drawing/2014/main" id="{7E05D0AF-8F21-7361-9A0A-7645B101154A}"/>
               </a:ext>
             </a:extLst>
           </p:cNvPr>
@@ -15268,7 +14706,7 @@
           <p:cNvPr id="10" name="Picture 9">
             <a:extLst>
               <a:ext uri="{FF2B5EF4-FFF2-40B4-BE49-F238E27FC236}">
-                <a16:creationId xmlns:a16="http://schemas.microsoft.com/office/drawing/2014/main" id="{DA9C872E-2659-5F15-5A23-0C665A316425}"/>
+                <a16:creationId xmlns:a16="http://schemas.microsoft.com/office/drawing/2014/main" id="{02A51396-3EE0-4207-B592-24F964426615}"/>
               </a:ext>
             </a:extLst>
           </p:cNvPr>
@@ -15304,7 +14742,7 @@
           <p:cNvPr id="11" name="Picture 10">
             <a:extLst>
               <a:ext uri="{FF2B5EF4-FFF2-40B4-BE49-F238E27FC236}">
-                <a16:creationId xmlns:a16="http://schemas.microsoft.com/office/drawing/2014/main" id="{E92A352D-B74F-4060-CB66-1D321787B182}"/>
+                <a16:creationId xmlns:a16="http://schemas.microsoft.com/office/drawing/2014/main" id="{14CB7014-2535-3F3E-55DA-55A06151BFF9}"/>
               </a:ext>
             </a:extLst>
           </p:cNvPr>
@@ -15340,7 +14778,7 @@
           <p:cNvPr id="12" name="Picture 11">
             <a:extLst>
               <a:ext uri="{FF2B5EF4-FFF2-40B4-BE49-F238E27FC236}">
-                <a16:creationId xmlns:a16="http://schemas.microsoft.com/office/drawing/2014/main" id="{753E5F81-8D5C-2782-DD4A-8609166F9F58}"/>
+                <a16:creationId xmlns:a16="http://schemas.microsoft.com/office/drawing/2014/main" id="{E781784B-186D-4680-AD61-37E1D54D2854}"/>
               </a:ext>
             </a:extLst>
           </p:cNvPr>
@@ -15376,7 +14814,7 @@
           <p:cNvPr id="13" name="TextBox 12">
             <a:extLst>
               <a:ext uri="{FF2B5EF4-FFF2-40B4-BE49-F238E27FC236}">
-                <a16:creationId xmlns:a16="http://schemas.microsoft.com/office/drawing/2014/main" id="{58672039-B284-4113-114A-B45BC9CAB262}"/>
+                <a16:creationId xmlns:a16="http://schemas.microsoft.com/office/drawing/2014/main" id="{D828CFE5-6B2A-7DF3-F294-F42C30150C7B}"/>
               </a:ext>
             </a:extLst>
           </p:cNvPr>
@@ -15420,7 +14858,7 @@
           <p:cNvPr id="14" name="TextBox 13">
             <a:extLst>
               <a:ext uri="{FF2B5EF4-FFF2-40B4-BE49-F238E27FC236}">
-                <a16:creationId xmlns:a16="http://schemas.microsoft.com/office/drawing/2014/main" id="{7C94493E-6B1D-6394-D487-CA62250ED96E}"/>
+                <a16:creationId xmlns:a16="http://schemas.microsoft.com/office/drawing/2014/main" id="{395BCE03-C507-2166-FFF5-338F3A02E69E}"/>
               </a:ext>
             </a:extLst>
           </p:cNvPr>
@@ -15464,7 +14902,7 @@
           <p:cNvPr id="15" name="TextBox 14">
             <a:extLst>
               <a:ext uri="{FF2B5EF4-FFF2-40B4-BE49-F238E27FC236}">
-                <a16:creationId xmlns:a16="http://schemas.microsoft.com/office/drawing/2014/main" id="{93501B04-A04A-8BE2-8860-A8FD45C981A7}"/>
+                <a16:creationId xmlns:a16="http://schemas.microsoft.com/office/drawing/2014/main" id="{41EED651-B77F-0874-5F22-E90F33760A48}"/>
               </a:ext>
             </a:extLst>
           </p:cNvPr>
@@ -15508,7 +14946,7 @@
           <p:cNvPr id="16" name="TextBox 15">
             <a:extLst>
               <a:ext uri="{FF2B5EF4-FFF2-40B4-BE49-F238E27FC236}">
-                <a16:creationId xmlns:a16="http://schemas.microsoft.com/office/drawing/2014/main" id="{9805C6B5-43C7-8B18-FBE7-155EF23B563F}"/>
+                <a16:creationId xmlns:a16="http://schemas.microsoft.com/office/drawing/2014/main" id="{D1EC56A6-58F3-9CCB-702A-1B38EAB2EEF8}"/>
               </a:ext>
             </a:extLst>
           </p:cNvPr>
@@ -15550,7 +14988,7 @@
     </p:spTree>
     <p:extLst>
       <p:ext uri="{BB962C8B-B14F-4D97-AF65-F5344CB8AC3E}">
-        <p14:creationId xmlns:p14="http://schemas.microsoft.com/office/powerpoint/2010/main" val="3287956516"/>
+        <p14:creationId xmlns:p14="http://schemas.microsoft.com/office/powerpoint/2010/main" val="3413403104"/>
       </p:ext>
     </p:extLst>
   </p:cSld>
@@ -15568,7 +15006,7 @@
         <p:cNvPr id="1" name="">
           <a:extLst>
             <a:ext uri="{FF2B5EF4-FFF2-40B4-BE49-F238E27FC236}">
-              <a16:creationId xmlns:a16="http://schemas.microsoft.com/office/drawing/2014/main" id="{0549E516-E1A3-25AC-44AD-1EE0C8DE19DB}"/>
+              <a16:creationId xmlns:a16="http://schemas.microsoft.com/office/drawing/2014/main" id="{D4B6C5C5-2961-7595-E141-250217F1DBD1}"/>
             </a:ext>
           </a:extLst>
         </p:cNvPr>
@@ -15588,7 +15026,7 @@
           <p:cNvPr id="2" name="Text Placeholder 1">
             <a:extLst>
               <a:ext uri="{FF2B5EF4-FFF2-40B4-BE49-F238E27FC236}">
-                <a16:creationId xmlns:a16="http://schemas.microsoft.com/office/drawing/2014/main" id="{E16E0249-B324-2B17-96D2-B400927CEC17}"/>
+                <a16:creationId xmlns:a16="http://schemas.microsoft.com/office/drawing/2014/main" id="{A3893E7C-C371-45EB-2D71-B2CE48B03895}"/>
               </a:ext>
             </a:extLst>
           </p:cNvPr>
@@ -15618,7 +15056,7 @@
                 </a:solidFill>
                 <a:latin typeface="Arial"/>
               </a:rPr>
-              <a:t>Title</a:t>
+              <a:t>title</a:t>
             </a:r>
           </a:p>
           <a:p>
@@ -15636,7 +15074,7 @@
           <p:cNvPr id="4" name="TextBox 3">
             <a:extLst>
               <a:ext uri="{FF2B5EF4-FFF2-40B4-BE49-F238E27FC236}">
-                <a16:creationId xmlns:a16="http://schemas.microsoft.com/office/drawing/2014/main" id="{F347661F-3043-9059-E45D-0B0823F68AEC}"/>
+                <a16:creationId xmlns:a16="http://schemas.microsoft.com/office/drawing/2014/main" id="{3FED4742-5DE3-CC12-915A-BF3274B3A182}"/>
               </a:ext>
             </a:extLst>
           </p:cNvPr>
@@ -15680,7 +15118,7 @@
           <p:cNvPr id="9" name="Picture 8">
             <a:extLst>
               <a:ext uri="{FF2B5EF4-FFF2-40B4-BE49-F238E27FC236}">
-                <a16:creationId xmlns:a16="http://schemas.microsoft.com/office/drawing/2014/main" id="{3D6937A6-9C4C-608C-2E79-FF5DC283F049}"/>
+                <a16:creationId xmlns:a16="http://schemas.microsoft.com/office/drawing/2014/main" id="{F76740D4-0EF5-74F0-EF3A-ADA9B999205F}"/>
               </a:ext>
             </a:extLst>
           </p:cNvPr>
@@ -15716,7 +15154,7 @@
           <p:cNvPr id="10" name="Picture 9">
             <a:extLst>
               <a:ext uri="{FF2B5EF4-FFF2-40B4-BE49-F238E27FC236}">
-                <a16:creationId xmlns:a16="http://schemas.microsoft.com/office/drawing/2014/main" id="{FEBBA8E6-3FBF-DDD2-73E6-71E305BC2E1F}"/>
+                <a16:creationId xmlns:a16="http://schemas.microsoft.com/office/drawing/2014/main" id="{FF6D7651-55BF-4465-9ACC-6185A83D0E31}"/>
               </a:ext>
             </a:extLst>
           </p:cNvPr>
@@ -15752,7 +15190,7 @@
           <p:cNvPr id="11" name="Picture 10">
             <a:extLst>
               <a:ext uri="{FF2B5EF4-FFF2-40B4-BE49-F238E27FC236}">
-                <a16:creationId xmlns:a16="http://schemas.microsoft.com/office/drawing/2014/main" id="{B8CC75D8-395F-3F4E-1280-FDBFDBD92E71}"/>
+                <a16:creationId xmlns:a16="http://schemas.microsoft.com/office/drawing/2014/main" id="{A867A4F8-1798-5CBE-1D24-FDE27B58D640}"/>
               </a:ext>
             </a:extLst>
           </p:cNvPr>
@@ -15788,7 +15226,7 @@
           <p:cNvPr id="12" name="Picture 11">
             <a:extLst>
               <a:ext uri="{FF2B5EF4-FFF2-40B4-BE49-F238E27FC236}">
-                <a16:creationId xmlns:a16="http://schemas.microsoft.com/office/drawing/2014/main" id="{DB60F3E4-A28F-B691-CDEC-6AED1FAB0409}"/>
+                <a16:creationId xmlns:a16="http://schemas.microsoft.com/office/drawing/2014/main" id="{712E3622-6230-97D6-7203-2AD2FC9EDDE6}"/>
               </a:ext>
             </a:extLst>
           </p:cNvPr>
@@ -15824,7 +15262,7 @@
           <p:cNvPr id="13" name="TextBox 12">
             <a:extLst>
               <a:ext uri="{FF2B5EF4-FFF2-40B4-BE49-F238E27FC236}">
-                <a16:creationId xmlns:a16="http://schemas.microsoft.com/office/drawing/2014/main" id="{FD521D94-7ACB-4F6C-A7E7-4167A4211916}"/>
+                <a16:creationId xmlns:a16="http://schemas.microsoft.com/office/drawing/2014/main" id="{6EE94828-1C97-D423-390F-5760EC148E50}"/>
               </a:ext>
             </a:extLst>
           </p:cNvPr>
@@ -15868,7 +15306,7 @@
           <p:cNvPr id="14" name="TextBox 13">
             <a:extLst>
               <a:ext uri="{FF2B5EF4-FFF2-40B4-BE49-F238E27FC236}">
-                <a16:creationId xmlns:a16="http://schemas.microsoft.com/office/drawing/2014/main" id="{FFEFD253-247B-0451-16B6-B0535220DA64}"/>
+                <a16:creationId xmlns:a16="http://schemas.microsoft.com/office/drawing/2014/main" id="{5B22BBA1-E6CC-D9D0-C745-D9493C9B3273}"/>
               </a:ext>
             </a:extLst>
           </p:cNvPr>
@@ -15912,7 +15350,7 @@
           <p:cNvPr id="15" name="TextBox 14">
             <a:extLst>
               <a:ext uri="{FF2B5EF4-FFF2-40B4-BE49-F238E27FC236}">
-                <a16:creationId xmlns:a16="http://schemas.microsoft.com/office/drawing/2014/main" id="{BE19E98A-5EF6-E4D1-E2AC-B77289577FF6}"/>
+                <a16:creationId xmlns:a16="http://schemas.microsoft.com/office/drawing/2014/main" id="{7C5C7420-CAEC-7AEE-292D-C22CCCA56083}"/>
               </a:ext>
             </a:extLst>
           </p:cNvPr>
@@ -15956,7 +15394,7 @@
           <p:cNvPr id="16" name="TextBox 15">
             <a:extLst>
               <a:ext uri="{FF2B5EF4-FFF2-40B4-BE49-F238E27FC236}">
-                <a16:creationId xmlns:a16="http://schemas.microsoft.com/office/drawing/2014/main" id="{D50F503E-88EF-5894-0BF2-9ADA9902DBB6}"/>
+                <a16:creationId xmlns:a16="http://schemas.microsoft.com/office/drawing/2014/main" id="{BB874DB6-CD98-9D86-46E8-C3EE25D6EB69}"/>
               </a:ext>
             </a:extLst>
           </p:cNvPr>
@@ -15998,7 +15436,7 @@
     </p:spTree>
     <p:extLst>
       <p:ext uri="{BB962C8B-B14F-4D97-AF65-F5344CB8AC3E}">
-        <p14:creationId xmlns:p14="http://schemas.microsoft.com/office/powerpoint/2010/main" val="2038546807"/>
+        <p14:creationId xmlns:p14="http://schemas.microsoft.com/office/powerpoint/2010/main" val="2655048864"/>
       </p:ext>
     </p:extLst>
   </p:cSld>
